--- a/Video Summarization_2.pptx
+++ b/Video Summarization_2.pptx
@@ -282,7 +282,7 @@
               <a:pPr>
                 <a:defRPr/>
               </a:pPr>
-              <a:t>12/4/2023</a:t>
+              <a:t>12/5/2023</a:t>
             </a:fld>
             <a:endParaRPr lang="en-US"/>
           </a:p>
@@ -519,7 +519,7 @@
               <a:pPr>
                 <a:defRPr/>
               </a:pPr>
-              <a:t>12/4/2023</a:t>
+              <a:t>12/5/2023</a:t>
             </a:fld>
             <a:endParaRPr lang="en-US"/>
           </a:p>
@@ -956,6 +956,42 @@
           </a:bodyPr>
           <a:lstStyle/>
           <a:p>
+            <a:pPr marL="342900" indent="-342900">
+              <a:lnSpc>
+                <a:spcPct val="130000"/>
+              </a:lnSpc>
+              <a:spcBef>
+                <a:spcPct val="0"/>
+              </a:spcBef>
+              <a:buFont typeface="Wingdings" panose="05000000000000000000" pitchFamily="2" charset="2"/>
+              <a:buChar char="ü"/>
+            </a:pPr>
+            <a:r>
+              <a:rPr lang="vi-VN" altLang="en-US" sz="2400" dirty="0" smtClean="0">
+                <a:latin typeface="Roboto"/>
+              </a:rPr>
+              <a:t>Crawl video từ các kênh youtube nổi tiếng có nhiều lượt view</a:t>
+            </a:r>
+          </a:p>
+          <a:p>
+            <a:pPr marL="342900" indent="-342900">
+              <a:lnSpc>
+                <a:spcPct val="130000"/>
+              </a:lnSpc>
+              <a:spcBef>
+                <a:spcPct val="0"/>
+              </a:spcBef>
+              <a:buFont typeface="Wingdings" panose="05000000000000000000" pitchFamily="2" charset="2"/>
+              <a:buChar char="ü"/>
+            </a:pPr>
+            <a:r>
+              <a:rPr lang="vi-VN" altLang="en-US" sz="2400" dirty="0" smtClean="0">
+                <a:latin typeface="Roboto"/>
+              </a:rPr>
+              <a:t>Chia nhỏ video thành các clip cảnh quay và gắn nhãn</a:t>
+            </a:r>
+          </a:p>
+          <a:p>
             <a:pPr eaLnBrk="1" hangingPunct="1">
               <a:spcBef>
                 <a:spcPct val="0"/>
@@ -1525,7 +1561,7 @@
           <a:p>
             <a:fld id="{747328AC-4442-441F-BAEF-456A4CD0BA3A}" type="datetimeFigureOut">
               <a:rPr lang="en-US" smtClean="0"/>
-              <a:t>12/4/2023</a:t>
+              <a:t>12/5/2023</a:t>
             </a:fld>
             <a:endParaRPr lang="en-US"/>
           </a:p>
@@ -1987,7 +2023,7 @@
           <a:graphicData uri="http://schemas.openxmlformats.org/presentationml/2006/ole">
             <mc:AlternateContent xmlns:mc="http://schemas.openxmlformats.org/markup-compatibility/2006">
               <mc:Choice xmlns:v="urn:schemas-microsoft-com:vml" Requires="v">
-                <p:oleObj spid="_x0000_s1036" name="think-cell Slide" r:id="rId4" imgW="38100" imgH="38100" progId="TCLayout.ActiveDocument.1">
+                <p:oleObj spid="_x0000_s1045" name="think-cell Slide" r:id="rId4" imgW="38100" imgH="38100" progId="TCLayout.ActiveDocument.1">
                   <p:embed/>
                 </p:oleObj>
               </mc:Choice>
@@ -2706,7 +2742,7 @@
               <a:pPr>
                 <a:defRPr/>
               </a:pPr>
-              <a:t>12/4/2023</a:t>
+              <a:t>12/5/2023</a:t>
             </a:fld>
             <a:endParaRPr lang="en-US" dirty="0"/>
           </a:p>
@@ -3226,7 +3262,7 @@
           <a:p>
             <a:fld id="{747328AC-4442-441F-BAEF-456A4CD0BA3A}" type="datetimeFigureOut">
               <a:rPr lang="en-US" smtClean="0"/>
-              <a:t>12/4/2023</a:t>
+              <a:t>12/5/2023</a:t>
             </a:fld>
             <a:endParaRPr lang="en-US"/>
           </a:p>
@@ -6307,7 +6343,7 @@
         <p:spPr>
           <a:xfrm>
             <a:off x="1152926" y="837512"/>
-            <a:ext cx="15914370" cy="2012859"/>
+            <a:ext cx="15914370" cy="529376"/>
           </a:xfrm>
           <a:prstGeom prst="rect">
             <a:avLst/>
@@ -6331,73 +6367,9 @@
               <a:rPr lang="vi-VN" altLang="en-US" sz="2400" b="1" u="sng" dirty="0">
                 <a:latin typeface="Roboto"/>
               </a:rPr>
-              <a:t>Xây dựng bộ dữ liệu sự kiện và cảnh quay đề xuất</a:t>
+              <a:t>Xây dựng bộ dữ liệu hành động đề xuất</a:t>
             </a:r>
-          </a:p>
-          <a:p>
-            <a:pPr marL="342900" indent="-342900">
-              <a:lnSpc>
-                <a:spcPct val="130000"/>
-              </a:lnSpc>
-              <a:spcBef>
-                <a:spcPct val="0"/>
-              </a:spcBef>
-              <a:buFont typeface="Wingdings" panose="05000000000000000000" pitchFamily="2" charset="2"/>
-              <a:buChar char="ü"/>
-            </a:pPr>
-            <a:r>
-              <a:rPr lang="vi-VN" altLang="en-US" sz="2400" dirty="0">
-                <a:latin typeface="Roboto"/>
-              </a:rPr>
-              <a:t>Crawl video từ các kênh youtube nổi tiếng có nhiều lượt view</a:t>
-            </a:r>
-          </a:p>
-          <a:p>
-            <a:pPr marL="342900" indent="-342900">
-              <a:lnSpc>
-                <a:spcPct val="130000"/>
-              </a:lnSpc>
-              <a:spcBef>
-                <a:spcPct val="0"/>
-              </a:spcBef>
-              <a:buFont typeface="Wingdings" panose="05000000000000000000" pitchFamily="2" charset="2"/>
-              <a:buChar char="ü"/>
-            </a:pPr>
-            <a:r>
-              <a:rPr lang="vi-VN" altLang="en-US" sz="2400" dirty="0">
-                <a:latin typeface="Roboto"/>
-              </a:rPr>
-              <a:t>Chia nhỏ video thành các clip cảnh quay và gắn nhãn</a:t>
-            </a:r>
-          </a:p>
-          <a:p>
-            <a:pPr>
-              <a:lnSpc>
-                <a:spcPct val="130000"/>
-              </a:lnSpc>
-              <a:spcBef>
-                <a:spcPct val="0"/>
-              </a:spcBef>
-            </a:pPr>
-            <a:r>
-              <a:rPr lang="vi-VN" altLang="en-US" sz="2400" dirty="0">
-                <a:latin typeface="Roboto"/>
-              </a:rPr>
-              <a:t>Danh sách các cảnh quay đề xuất như </a:t>
-            </a:r>
-            <a:r>
-              <a:rPr lang="vi-VN" altLang="en-US" sz="2400" dirty="0" smtClean="0">
-                <a:latin typeface="Roboto"/>
-              </a:rPr>
-              <a:t>sau</a:t>
-            </a:r>
-            <a:r>
-              <a:rPr lang="en-US" altLang="en-US" sz="2400" dirty="0" smtClean="0">
-                <a:latin typeface="Roboto"/>
-              </a:rPr>
-              <a:t>:</a:t>
-            </a:r>
-            <a:endParaRPr lang="vi-VN" altLang="en-US" sz="2400" dirty="0">
+            <a:endParaRPr lang="vi-VN" altLang="en-US" sz="2400" b="1" u="sng" dirty="0">
               <a:latin typeface="Roboto"/>
             </a:endParaRPr>
           </a:p>
@@ -6439,52 +6411,59 @@
       </p:cxnSp>
       <p:graphicFrame>
         <p:nvGraphicFramePr>
-          <p:cNvPr id="4" name="Table 3"/>
+          <p:cNvPr id="2" name="Table 1"/>
           <p:cNvGraphicFramePr>
             <a:graphicFrameLocks noGrp="1"/>
           </p:cNvGraphicFramePr>
           <p:nvPr>
             <p:extLst>
               <p:ext uri="{D42A27DB-BD31-4B8C-83A1-F6EECF244321}">
-                <p14:modId xmlns:p14="http://schemas.microsoft.com/office/powerpoint/2010/main" val="3072891756"/>
+                <p14:modId xmlns:p14="http://schemas.microsoft.com/office/powerpoint/2010/main" val="813810075"/>
               </p:ext>
             </p:extLst>
           </p:nvPr>
         </p:nvGraphicFramePr>
         <p:xfrm>
-          <a:off x="1108993" y="2845318"/>
-          <a:ext cx="16070021" cy="6296354"/>
+          <a:off x="864043" y="1505529"/>
+          <a:ext cx="16492136" cy="7560500"/>
         </p:xfrm>
         <a:graphic>
           <a:graphicData uri="http://schemas.openxmlformats.org/drawingml/2006/table">
             <a:tbl>
               <a:tblPr>
-                <a:tableStyleId>{22838BEF-8BB2-4498-84A7-C5851F593DF1}</a:tableStyleId>
+                <a:tableStyleId>{5940675A-B579-460E-94D1-54222C63F5DA}</a:tableStyleId>
               </a:tblPr>
               <a:tblGrid>
-                <a:gridCol w="807829">
+                <a:gridCol w="763273">
                   <a:extLst>
                     <a:ext uri="{9D8B030D-6E8A-4147-A177-3AD203B41FA5}">
-                      <a16:colId xmlns:a16="http://schemas.microsoft.com/office/drawing/2014/main" val="1360059270"/>
+                      <a16:colId xmlns:a16="http://schemas.microsoft.com/office/drawing/2014/main" val="510589275"/>
                     </a:ext>
                   </a:extLst>
                 </a:gridCol>
-                <a:gridCol w="4269952">
+                <a:gridCol w="4034439">
                   <a:extLst>
                     <a:ext uri="{9D8B030D-6E8A-4147-A177-3AD203B41FA5}">
-                      <a16:colId xmlns:a16="http://schemas.microsoft.com/office/drawing/2014/main" val="2231829198"/>
+                      <a16:colId xmlns:a16="http://schemas.microsoft.com/office/drawing/2014/main" val="1358134868"/>
                     </a:ext>
                   </a:extLst>
                 </a:gridCol>
-                <a:gridCol w="10992240">
+                <a:gridCol w="10327703">
                   <a:extLst>
                     <a:ext uri="{9D8B030D-6E8A-4147-A177-3AD203B41FA5}">
-                      <a16:colId xmlns:a16="http://schemas.microsoft.com/office/drawing/2014/main" val="3462831124"/>
+                      <a16:colId xmlns:a16="http://schemas.microsoft.com/office/drawing/2014/main" val="2826562490"/>
+                    </a:ext>
+                  </a:extLst>
+                </a:gridCol>
+                <a:gridCol w="1366721">
+                  <a:extLst>
+                    <a:ext uri="{9D8B030D-6E8A-4147-A177-3AD203B41FA5}">
+                      <a16:colId xmlns:a16="http://schemas.microsoft.com/office/drawing/2014/main" val="2993956049"/>
                     </a:ext>
                   </a:extLst>
                 </a:gridCol>
               </a:tblGrid>
-              <a:tr h="440800">
+              <a:tr h="509714">
                 <a:tc>
                   <a:txBody>
                     <a:bodyPr/>
@@ -6492,14 +6471,16 @@
                     <a:p>
                       <a:pPr algn="ctr" fontAlgn="ctr"/>
                       <a:r>
-                        <a:rPr lang="en-US" sz="2400" b="1" u="none" strike="noStrike">
-                          <a:effectLst/>
+                        <a:rPr lang="en-US" sz="2400" b="1" u="none" strike="noStrike" dirty="0">
+                          <a:effectLst/>
+                          <a:latin typeface="Roboto" panose="02000000000000000000" pitchFamily="2" charset="0"/>
+                          <a:ea typeface="Roboto" panose="02000000000000000000" pitchFamily="2" charset="0"/>
                         </a:rPr>
                         <a:t>STT</a:t>
                       </a:r>
-                      <a:endParaRPr lang="en-US" sz="2400" b="1" i="0" u="none" strike="noStrike">
+                      <a:endParaRPr lang="en-US" sz="2400" b="1" i="0" u="none" strike="noStrike" dirty="0">
                         <a:solidFill>
-                          <a:schemeClr val="bg1"/>
+                          <a:srgbClr val="000000"/>
                         </a:solidFill>
                         <a:effectLst/>
                         <a:latin typeface="Roboto" panose="02000000000000000000" pitchFamily="2" charset="0"/>
@@ -6518,12 +6499,14 @@
                       <a:r>
                         <a:rPr lang="en-US" sz="2400" b="1" u="none" strike="noStrike">
                           <a:effectLst/>
+                          <a:latin typeface="Roboto" panose="02000000000000000000" pitchFamily="2" charset="0"/>
+                          <a:ea typeface="Roboto" panose="02000000000000000000" pitchFamily="2" charset="0"/>
                         </a:rPr>
                         <a:t>Cảnh quay đề xuất</a:t>
                       </a:r>
                       <a:endParaRPr lang="en-US" sz="2400" b="1" i="0" u="none" strike="noStrike">
                         <a:solidFill>
-                          <a:schemeClr val="bg1"/>
+                          <a:srgbClr val="000000"/>
                         </a:solidFill>
                         <a:effectLst/>
                         <a:latin typeface="Roboto" panose="02000000000000000000" pitchFamily="2" charset="0"/>
@@ -6540,62 +6523,42 @@
                     <a:p>
                       <a:pPr algn="l" fontAlgn="ctr"/>
                       <a:r>
-                        <a:rPr lang="en-US" sz="2400" b="1" u="none" strike="noStrike" dirty="0" err="1">
-                          <a:effectLst/>
-                        </a:rPr>
-                        <a:t>Tổ</a:t>
-                      </a:r>
+                        <a:rPr lang="en-US" sz="2400" b="1" u="none" strike="noStrike">
+                          <a:effectLst/>
+                          <a:latin typeface="Roboto" panose="02000000000000000000" pitchFamily="2" charset="0"/>
+                          <a:ea typeface="Roboto" panose="02000000000000000000" pitchFamily="2" charset="0"/>
+                        </a:rPr>
+                        <a:t>Tổ hợp các sự kiện</a:t>
+                      </a:r>
+                      <a:endParaRPr lang="en-US" sz="2400" b="1" i="0" u="none" strike="noStrike">
+                        <a:solidFill>
+                          <a:srgbClr val="000000"/>
+                        </a:solidFill>
+                        <a:effectLst/>
+                        <a:latin typeface="Roboto" panose="02000000000000000000" pitchFamily="2" charset="0"/>
+                        <a:ea typeface="Roboto" panose="02000000000000000000" pitchFamily="2" charset="0"/>
+                      </a:endParaRPr>
+                    </a:p>
+                  </a:txBody>
+                  <a:tcPr marL="9525" marR="9525" marT="9525" marB="0" anchor="ctr"/>
+                </a:tc>
+                <a:tc>
+                  <a:txBody>
+                    <a:bodyPr/>
+                    <a:lstStyle/>
+                    <a:p>
+                      <a:pPr algn="l" fontAlgn="b"/>
                       <a:r>
                         <a:rPr lang="en-US" sz="2400" b="1" u="none" strike="noStrike" dirty="0">
                           <a:effectLst/>
-                        </a:rPr>
-                        <a:t> </a:t>
-                      </a:r>
-                      <a:r>
-                        <a:rPr lang="en-US" sz="2400" b="1" u="none" strike="noStrike" dirty="0" err="1">
-                          <a:effectLst/>
-                        </a:rPr>
-                        <a:t>hợp</a:t>
-                      </a:r>
-                      <a:r>
-                        <a:rPr lang="en-US" sz="2400" b="1" u="none" strike="noStrike" dirty="0">
-                          <a:effectLst/>
-                        </a:rPr>
-                        <a:t> </a:t>
-                      </a:r>
-                      <a:r>
-                        <a:rPr lang="en-US" sz="2400" b="1" u="none" strike="noStrike" dirty="0" err="1">
-                          <a:effectLst/>
-                        </a:rPr>
-                        <a:t>các</a:t>
-                      </a:r>
-                      <a:r>
-                        <a:rPr lang="en-US" sz="2400" b="1" u="none" strike="noStrike" dirty="0">
-                          <a:effectLst/>
-                        </a:rPr>
-                        <a:t> </a:t>
-                      </a:r>
-                      <a:r>
-                        <a:rPr lang="en-US" sz="2400" b="1" u="none" strike="noStrike" dirty="0" err="1">
-                          <a:effectLst/>
-                        </a:rPr>
-                        <a:t>sự</a:t>
-                      </a:r>
-                      <a:r>
-                        <a:rPr lang="en-US" sz="2400" b="1" u="none" strike="noStrike" dirty="0">
-                          <a:effectLst/>
-                        </a:rPr>
-                        <a:t> </a:t>
-                      </a:r>
-                      <a:r>
-                        <a:rPr lang="en-US" sz="2400" b="1" u="none" strike="noStrike" dirty="0" err="1">
-                          <a:effectLst/>
-                        </a:rPr>
-                        <a:t>kiện</a:t>
+                          <a:latin typeface="Roboto" panose="02000000000000000000" pitchFamily="2" charset="0"/>
+                          <a:ea typeface="Roboto" panose="02000000000000000000" pitchFamily="2" charset="0"/>
+                        </a:rPr>
+                        <a:t>Video</a:t>
                       </a:r>
                       <a:endParaRPr lang="en-US" sz="2400" b="1" i="0" u="none" strike="noStrike" dirty="0">
                         <a:solidFill>
-                          <a:schemeClr val="bg1"/>
+                          <a:srgbClr val="000000"/>
                         </a:solidFill>
                         <a:effectLst/>
                         <a:latin typeface="Roboto" panose="02000000000000000000" pitchFamily="2" charset="0"/>
@@ -6607,11 +6570,11 @@
                 </a:tc>
                 <a:extLst>
                   <a:ext uri="{0D108BD9-81ED-4DB2-BD59-A6C34878D82A}">
-                    <a16:rowId xmlns:a16="http://schemas.microsoft.com/office/drawing/2014/main" val="672251907"/>
+                    <a16:rowId xmlns:a16="http://schemas.microsoft.com/office/drawing/2014/main" val="2483479466"/>
                   </a:ext>
                 </a:extLst>
               </a:tr>
-              <a:tr h="494140">
+              <a:tr h="509015">
                 <a:tc>
                   <a:txBody>
                     <a:bodyPr/>
@@ -6621,6 +6584,8 @@
                       <a:r>
                         <a:rPr lang="en-US" sz="2400" u="none" strike="noStrike" dirty="0">
                           <a:effectLst/>
+                          <a:latin typeface="Roboto" panose="02000000000000000000" pitchFamily="2" charset="0"/>
+                          <a:ea typeface="Roboto" panose="02000000000000000000" pitchFamily="2" charset="0"/>
                         </a:rPr>
                         <a:t>1</a:t>
                       </a:r>
@@ -6645,42 +6610,56 @@
                       <a:r>
                         <a:rPr lang="en-US" sz="2400" u="none" strike="noStrike" dirty="0" err="1">
                           <a:effectLst/>
+                          <a:latin typeface="Roboto" panose="02000000000000000000" pitchFamily="2" charset="0"/>
+                          <a:ea typeface="Roboto" panose="02000000000000000000" pitchFamily="2" charset="0"/>
                         </a:rPr>
                         <a:t>Giới</a:t>
                       </a:r>
                       <a:r>
                         <a:rPr lang="en-US" sz="2400" u="none" strike="noStrike" dirty="0">
                           <a:effectLst/>
+                          <a:latin typeface="Roboto" panose="02000000000000000000" pitchFamily="2" charset="0"/>
+                          <a:ea typeface="Roboto" panose="02000000000000000000" pitchFamily="2" charset="0"/>
                         </a:rPr>
                         <a:t> </a:t>
                       </a:r>
                       <a:r>
                         <a:rPr lang="en-US" sz="2400" u="none" strike="noStrike" dirty="0" err="1">
                           <a:effectLst/>
+                          <a:latin typeface="Roboto" panose="02000000000000000000" pitchFamily="2" charset="0"/>
+                          <a:ea typeface="Roboto" panose="02000000000000000000" pitchFamily="2" charset="0"/>
                         </a:rPr>
                         <a:t>thiệu</a:t>
                       </a:r>
                       <a:r>
                         <a:rPr lang="en-US" sz="2400" u="none" strike="noStrike" dirty="0">
                           <a:effectLst/>
+                          <a:latin typeface="Roboto" panose="02000000000000000000" pitchFamily="2" charset="0"/>
+                          <a:ea typeface="Roboto" panose="02000000000000000000" pitchFamily="2" charset="0"/>
                         </a:rPr>
                         <a:t> </a:t>
                       </a:r>
                       <a:r>
                         <a:rPr lang="en-US" sz="2400" u="none" strike="noStrike" dirty="0" err="1">
                           <a:effectLst/>
+                          <a:latin typeface="Roboto" panose="02000000000000000000" pitchFamily="2" charset="0"/>
+                          <a:ea typeface="Roboto" panose="02000000000000000000" pitchFamily="2" charset="0"/>
                         </a:rPr>
                         <a:t>đội</a:t>
                       </a:r>
                       <a:r>
                         <a:rPr lang="en-US" sz="2400" u="none" strike="noStrike" dirty="0">
                           <a:effectLst/>
+                          <a:latin typeface="Roboto" panose="02000000000000000000" pitchFamily="2" charset="0"/>
+                          <a:ea typeface="Roboto" panose="02000000000000000000" pitchFamily="2" charset="0"/>
                         </a:rPr>
                         <a:t> </a:t>
                       </a:r>
                       <a:r>
                         <a:rPr lang="en-US" sz="2400" u="none" strike="noStrike" dirty="0" err="1">
                           <a:effectLst/>
+                          <a:latin typeface="Roboto" panose="02000000000000000000" pitchFamily="2" charset="0"/>
+                          <a:ea typeface="Roboto" panose="02000000000000000000" pitchFamily="2" charset="0"/>
                         </a:rPr>
                         <a:t>hình</a:t>
                       </a:r>
@@ -6705,6 +6684,34 @@
                       <a:r>
                         <a:rPr lang="en-US" sz="2400" u="none" strike="noStrike" dirty="0">
                           <a:effectLst/>
+                          <a:latin typeface="Roboto" panose="02000000000000000000" pitchFamily="2" charset="0"/>
+                          <a:ea typeface="Roboto" panose="02000000000000000000" pitchFamily="2" charset="0"/>
+                        </a:rPr>
+                        <a:t> </a:t>
+                      </a:r>
+                      <a:endParaRPr lang="en-US" sz="2400" b="0" i="0" u="none" strike="noStrike" dirty="0">
+                        <a:solidFill>
+                          <a:srgbClr val="000000"/>
+                        </a:solidFill>
+                        <a:effectLst/>
+                        <a:latin typeface="Roboto" panose="02000000000000000000" pitchFamily="2" charset="0"/>
+                        <a:ea typeface="Roboto" panose="02000000000000000000" pitchFamily="2" charset="0"/>
+                      </a:endParaRPr>
+                    </a:p>
+                  </a:txBody>
+                  <a:tcPr marL="9525" marR="9525" marT="9525" marB="0" anchor="ctr"/>
+                </a:tc>
+                <a:tc>
+                  <a:txBody>
+                    <a:bodyPr/>
+                    <a:lstStyle/>
+                    <a:p>
+                      <a:pPr algn="l" fontAlgn="b"/>
+                      <a:r>
+                        <a:rPr lang="en-US" sz="2400" u="none" strike="noStrike" dirty="0">
+                          <a:effectLst/>
+                          <a:latin typeface="Roboto" panose="02000000000000000000" pitchFamily="2" charset="0"/>
+                          <a:ea typeface="Roboto" panose="02000000000000000000" pitchFamily="2" charset="0"/>
                         </a:rPr>
                         <a:t> </a:t>
                       </a:r>
@@ -6722,11 +6729,11 @@
                 </a:tc>
                 <a:extLst>
                   <a:ext uri="{0D108BD9-81ED-4DB2-BD59-A6C34878D82A}">
-                    <a16:rowId xmlns:a16="http://schemas.microsoft.com/office/drawing/2014/main" val="2359992249"/>
+                    <a16:rowId xmlns:a16="http://schemas.microsoft.com/office/drawing/2014/main" val="3717577063"/>
                   </a:ext>
                 </a:extLst>
               </a:tr>
-              <a:tr h="1949022">
+              <a:tr h="2143126">
                 <a:tc>
                   <a:txBody>
                     <a:bodyPr/>
@@ -6734,10 +6741,1054 @@
                     <a:p>
                       <a:pPr algn="ctr" fontAlgn="ctr"/>
                       <a:r>
+                        <a:rPr lang="en-US" sz="2400" u="none" strike="noStrike" dirty="0">
+                          <a:effectLst/>
+                          <a:latin typeface="Roboto" panose="02000000000000000000" pitchFamily="2" charset="0"/>
+                          <a:ea typeface="Roboto" panose="02000000000000000000" pitchFamily="2" charset="0"/>
+                        </a:rPr>
+                        <a:t>2</a:t>
+                      </a:r>
+                      <a:endParaRPr lang="en-US" sz="2400" b="0" i="0" u="none" strike="noStrike" dirty="0">
+                        <a:solidFill>
+                          <a:srgbClr val="000000"/>
+                        </a:solidFill>
+                        <a:effectLst/>
+                        <a:latin typeface="Roboto" panose="02000000000000000000" pitchFamily="2" charset="0"/>
+                        <a:ea typeface="Roboto" panose="02000000000000000000" pitchFamily="2" charset="0"/>
+                      </a:endParaRPr>
+                    </a:p>
+                  </a:txBody>
+                  <a:tcPr marL="9525" marR="9525" marT="9525" marB="0" anchor="ctr"/>
+                </a:tc>
+                <a:tc>
+                  <a:txBody>
+                    <a:bodyPr/>
+                    <a:lstStyle/>
+                    <a:p>
+                      <a:pPr algn="l" fontAlgn="ctr"/>
+                      <a:r>
+                        <a:rPr lang="en-US" sz="2400" u="none" strike="noStrike" dirty="0" err="1">
+                          <a:effectLst/>
+                          <a:latin typeface="Roboto" panose="02000000000000000000" pitchFamily="2" charset="0"/>
+                          <a:ea typeface="Roboto" panose="02000000000000000000" pitchFamily="2" charset="0"/>
+                        </a:rPr>
+                        <a:t>Tấn</a:t>
+                      </a:r>
+                      <a:r>
+                        <a:rPr lang="en-US" sz="2400" u="none" strike="noStrike" dirty="0">
+                          <a:effectLst/>
+                          <a:latin typeface="Roboto" panose="02000000000000000000" pitchFamily="2" charset="0"/>
+                          <a:ea typeface="Roboto" panose="02000000000000000000" pitchFamily="2" charset="0"/>
+                        </a:rPr>
+                        <a:t> </a:t>
+                      </a:r>
+                      <a:r>
+                        <a:rPr lang="en-US" sz="2400" u="none" strike="noStrike" dirty="0" err="1">
+                          <a:effectLst/>
+                          <a:latin typeface="Roboto" panose="02000000000000000000" pitchFamily="2" charset="0"/>
+                          <a:ea typeface="Roboto" panose="02000000000000000000" pitchFamily="2" charset="0"/>
+                        </a:rPr>
+                        <a:t>công</a:t>
+                      </a:r>
+                      <a:r>
+                        <a:rPr lang="en-US" sz="2400" u="none" strike="noStrike" dirty="0">
+                          <a:effectLst/>
+                          <a:latin typeface="Roboto" panose="02000000000000000000" pitchFamily="2" charset="0"/>
+                          <a:ea typeface="Roboto" panose="02000000000000000000" pitchFamily="2" charset="0"/>
+                        </a:rPr>
+                        <a:t> </a:t>
+                      </a:r>
+                      <a:r>
+                        <a:rPr lang="en-US" sz="2400" u="none" strike="noStrike" dirty="0" err="1">
+                          <a:effectLst/>
+                          <a:latin typeface="Roboto" panose="02000000000000000000" pitchFamily="2" charset="0"/>
+                          <a:ea typeface="Roboto" panose="02000000000000000000" pitchFamily="2" charset="0"/>
+                        </a:rPr>
+                        <a:t>ghi</a:t>
+                      </a:r>
+                      <a:r>
+                        <a:rPr lang="en-US" sz="2400" u="none" strike="noStrike" dirty="0">
+                          <a:effectLst/>
+                          <a:latin typeface="Roboto" panose="02000000000000000000" pitchFamily="2" charset="0"/>
+                          <a:ea typeface="Roboto" panose="02000000000000000000" pitchFamily="2" charset="0"/>
+                        </a:rPr>
+                        <a:t> </a:t>
+                      </a:r>
+                      <a:r>
+                        <a:rPr lang="en-US" sz="2400" u="none" strike="noStrike" dirty="0" err="1">
+                          <a:effectLst/>
+                          <a:latin typeface="Roboto" panose="02000000000000000000" pitchFamily="2" charset="0"/>
+                          <a:ea typeface="Roboto" panose="02000000000000000000" pitchFamily="2" charset="0"/>
+                        </a:rPr>
+                        <a:t>bàn</a:t>
+                      </a:r>
+                      <a:endParaRPr lang="en-US" sz="2400" b="0" i="0" u="none" strike="noStrike" dirty="0">
+                        <a:solidFill>
+                          <a:srgbClr val="000000"/>
+                        </a:solidFill>
+                        <a:effectLst/>
+                        <a:latin typeface="Roboto" panose="02000000000000000000" pitchFamily="2" charset="0"/>
+                        <a:ea typeface="Roboto" panose="02000000000000000000" pitchFamily="2" charset="0"/>
+                      </a:endParaRPr>
+                    </a:p>
+                  </a:txBody>
+                  <a:tcPr marL="9525" marR="9525" marT="9525" marB="0" anchor="ctr"/>
+                </a:tc>
+                <a:tc>
+                  <a:txBody>
+                    <a:bodyPr/>
+                    <a:lstStyle/>
+                    <a:p>
+                      <a:pPr algn="l" fontAlgn="ctr"/>
+                      <a:r>
+                        <a:rPr lang="en-US" sz="2400" u="none" strike="noStrike" dirty="0">
+                          <a:effectLst/>
+                          <a:latin typeface="Roboto" panose="02000000000000000000" pitchFamily="2" charset="0"/>
+                          <a:ea typeface="Roboto" panose="02000000000000000000" pitchFamily="2" charset="0"/>
+                        </a:rPr>
+                        <a:t>- </a:t>
+                      </a:r>
+                      <a:r>
+                        <a:rPr lang="en-US" sz="2400" u="none" strike="noStrike" dirty="0" err="1">
+                          <a:effectLst/>
+                          <a:latin typeface="Roboto" panose="02000000000000000000" pitchFamily="2" charset="0"/>
+                          <a:ea typeface="Roboto" panose="02000000000000000000" pitchFamily="2" charset="0"/>
+                        </a:rPr>
+                        <a:t>Chuyền</a:t>
+                      </a:r>
+                      <a:r>
+                        <a:rPr lang="en-US" sz="2400" u="none" strike="noStrike" dirty="0">
+                          <a:effectLst/>
+                          <a:latin typeface="Roboto" panose="02000000000000000000" pitchFamily="2" charset="0"/>
+                          <a:ea typeface="Roboto" panose="02000000000000000000" pitchFamily="2" charset="0"/>
+                        </a:rPr>
+                        <a:t> -&gt; </a:t>
+                      </a:r>
+                      <a:r>
+                        <a:rPr lang="en-US" sz="2400" u="none" strike="noStrike" dirty="0" err="1">
+                          <a:effectLst/>
+                          <a:latin typeface="Roboto" panose="02000000000000000000" pitchFamily="2" charset="0"/>
+                          <a:ea typeface="Roboto" panose="02000000000000000000" pitchFamily="2" charset="0"/>
+                        </a:rPr>
+                        <a:t>Sút</a:t>
+                      </a:r>
+                      <a:r>
+                        <a:rPr lang="en-US" sz="2400" u="none" strike="noStrike" dirty="0">
+                          <a:effectLst/>
+                          <a:latin typeface="Roboto" panose="02000000000000000000" pitchFamily="2" charset="0"/>
+                          <a:ea typeface="Roboto" panose="02000000000000000000" pitchFamily="2" charset="0"/>
+                        </a:rPr>
+                        <a:t> -&gt; </a:t>
+                      </a:r>
+                      <a:r>
+                        <a:rPr lang="en-US" sz="2400" u="none" strike="noStrike" dirty="0" err="1">
+                          <a:effectLst/>
+                          <a:latin typeface="Roboto" panose="02000000000000000000" pitchFamily="2" charset="0"/>
+                          <a:ea typeface="Roboto" panose="02000000000000000000" pitchFamily="2" charset="0"/>
+                        </a:rPr>
+                        <a:t>Bàn</a:t>
+                      </a:r>
+                      <a:r>
+                        <a:rPr lang="en-US" sz="2400" u="none" strike="noStrike" dirty="0">
+                          <a:effectLst/>
+                          <a:latin typeface="Roboto" panose="02000000000000000000" pitchFamily="2" charset="0"/>
+                          <a:ea typeface="Roboto" panose="02000000000000000000" pitchFamily="2" charset="0"/>
+                        </a:rPr>
+                        <a:t> </a:t>
+                      </a:r>
+                      <a:r>
+                        <a:rPr lang="en-US" sz="2400" u="none" strike="noStrike" dirty="0" err="1">
+                          <a:effectLst/>
+                          <a:latin typeface="Roboto" panose="02000000000000000000" pitchFamily="2" charset="0"/>
+                          <a:ea typeface="Roboto" panose="02000000000000000000" pitchFamily="2" charset="0"/>
+                        </a:rPr>
+                        <a:t>thắng</a:t>
+                      </a:r>
+                      <a:r>
+                        <a:rPr lang="en-US" sz="2400" u="none" strike="noStrike" dirty="0">
+                          <a:effectLst/>
+                          <a:latin typeface="Roboto" panose="02000000000000000000" pitchFamily="2" charset="0"/>
+                          <a:ea typeface="Roboto" panose="02000000000000000000" pitchFamily="2" charset="0"/>
+                        </a:rPr>
+                        <a:t/>
+                      </a:r>
+                      <a:br>
+                        <a:rPr lang="en-US" sz="2400" u="none" strike="noStrike" dirty="0">
+                          <a:effectLst/>
+                          <a:latin typeface="Roboto" panose="02000000000000000000" pitchFamily="2" charset="0"/>
+                          <a:ea typeface="Roboto" panose="02000000000000000000" pitchFamily="2" charset="0"/>
+                        </a:rPr>
+                      </a:br>
+                      <a:r>
+                        <a:rPr lang="en-US" sz="2400" u="none" strike="noStrike" dirty="0">
+                          <a:effectLst/>
+                          <a:latin typeface="Roboto" panose="02000000000000000000" pitchFamily="2" charset="0"/>
+                          <a:ea typeface="Roboto" panose="02000000000000000000" pitchFamily="2" charset="0"/>
+                        </a:rPr>
+                        <a:t>- </a:t>
+                      </a:r>
+                      <a:r>
+                        <a:rPr lang="en-US" sz="2400" u="none" strike="noStrike" dirty="0" err="1">
+                          <a:effectLst/>
+                          <a:latin typeface="Roboto" panose="02000000000000000000" pitchFamily="2" charset="0"/>
+                          <a:ea typeface="Roboto" panose="02000000000000000000" pitchFamily="2" charset="0"/>
+                        </a:rPr>
+                        <a:t>Phạt</a:t>
+                      </a:r>
+                      <a:r>
+                        <a:rPr lang="en-US" sz="2400" u="none" strike="noStrike" dirty="0">
+                          <a:effectLst/>
+                          <a:latin typeface="Roboto" panose="02000000000000000000" pitchFamily="2" charset="0"/>
+                          <a:ea typeface="Roboto" panose="02000000000000000000" pitchFamily="2" charset="0"/>
+                        </a:rPr>
+                        <a:t> </a:t>
+                      </a:r>
+                      <a:r>
+                        <a:rPr lang="en-US" sz="2400" u="none" strike="noStrike" dirty="0" err="1">
+                          <a:effectLst/>
+                          <a:latin typeface="Roboto" panose="02000000000000000000" pitchFamily="2" charset="0"/>
+                          <a:ea typeface="Roboto" panose="02000000000000000000" pitchFamily="2" charset="0"/>
+                        </a:rPr>
+                        <a:t>góc</a:t>
+                      </a:r>
+                      <a:r>
+                        <a:rPr lang="en-US" sz="2400" u="none" strike="noStrike" dirty="0">
+                          <a:effectLst/>
+                          <a:latin typeface="Roboto" panose="02000000000000000000" pitchFamily="2" charset="0"/>
+                          <a:ea typeface="Roboto" panose="02000000000000000000" pitchFamily="2" charset="0"/>
+                        </a:rPr>
+                        <a:t> -&gt; </a:t>
+                      </a:r>
+                      <a:r>
+                        <a:rPr lang="en-US" sz="2400" u="none" strike="noStrike" dirty="0" err="1">
+                          <a:effectLst/>
+                          <a:latin typeface="Roboto" panose="02000000000000000000" pitchFamily="2" charset="0"/>
+                          <a:ea typeface="Roboto" panose="02000000000000000000" pitchFamily="2" charset="0"/>
+                        </a:rPr>
+                        <a:t>Sút</a:t>
+                      </a:r>
+                      <a:r>
+                        <a:rPr lang="en-US" sz="2400" u="none" strike="noStrike" dirty="0">
+                          <a:effectLst/>
+                          <a:latin typeface="Roboto" panose="02000000000000000000" pitchFamily="2" charset="0"/>
+                          <a:ea typeface="Roboto" panose="02000000000000000000" pitchFamily="2" charset="0"/>
+                        </a:rPr>
+                        <a:t> (</a:t>
+                      </a:r>
+                      <a:r>
+                        <a:rPr lang="en-US" sz="2400" u="none" strike="noStrike" dirty="0" err="1">
+                          <a:effectLst/>
+                          <a:latin typeface="Roboto" panose="02000000000000000000" pitchFamily="2" charset="0"/>
+                          <a:ea typeface="Roboto" panose="02000000000000000000" pitchFamily="2" charset="0"/>
+                        </a:rPr>
+                        <a:t>đánh</a:t>
+                      </a:r>
+                      <a:r>
+                        <a:rPr lang="en-US" sz="2400" u="none" strike="noStrike" dirty="0">
+                          <a:effectLst/>
+                          <a:latin typeface="Roboto" panose="02000000000000000000" pitchFamily="2" charset="0"/>
+                          <a:ea typeface="Roboto" panose="02000000000000000000" pitchFamily="2" charset="0"/>
+                        </a:rPr>
+                        <a:t> </a:t>
+                      </a:r>
+                      <a:r>
+                        <a:rPr lang="en-US" sz="2400" u="none" strike="noStrike" dirty="0" err="1">
+                          <a:effectLst/>
+                          <a:latin typeface="Roboto" panose="02000000000000000000" pitchFamily="2" charset="0"/>
+                          <a:ea typeface="Roboto" panose="02000000000000000000" pitchFamily="2" charset="0"/>
+                        </a:rPr>
+                        <a:t>đầu</a:t>
+                      </a:r>
+                      <a:r>
+                        <a:rPr lang="en-US" sz="2400" u="none" strike="noStrike" dirty="0">
+                          <a:effectLst/>
+                          <a:latin typeface="Roboto" panose="02000000000000000000" pitchFamily="2" charset="0"/>
+                          <a:ea typeface="Roboto" panose="02000000000000000000" pitchFamily="2" charset="0"/>
+                        </a:rPr>
+                        <a:t>) -&gt; </a:t>
+                      </a:r>
+                      <a:r>
+                        <a:rPr lang="en-US" sz="2400" u="none" strike="noStrike" dirty="0" err="1">
+                          <a:effectLst/>
+                          <a:latin typeface="Roboto" panose="02000000000000000000" pitchFamily="2" charset="0"/>
+                          <a:ea typeface="Roboto" panose="02000000000000000000" pitchFamily="2" charset="0"/>
+                        </a:rPr>
+                        <a:t>Bàn</a:t>
+                      </a:r>
+                      <a:r>
+                        <a:rPr lang="en-US" sz="2400" u="none" strike="noStrike" dirty="0">
+                          <a:effectLst/>
+                          <a:latin typeface="Roboto" panose="02000000000000000000" pitchFamily="2" charset="0"/>
+                          <a:ea typeface="Roboto" panose="02000000000000000000" pitchFamily="2" charset="0"/>
+                        </a:rPr>
+                        <a:t> </a:t>
+                      </a:r>
+                      <a:r>
+                        <a:rPr lang="en-US" sz="2400" u="none" strike="noStrike" dirty="0" err="1">
+                          <a:effectLst/>
+                          <a:latin typeface="Roboto" panose="02000000000000000000" pitchFamily="2" charset="0"/>
+                          <a:ea typeface="Roboto" panose="02000000000000000000" pitchFamily="2" charset="0"/>
+                        </a:rPr>
+                        <a:t>thắng</a:t>
+                      </a:r>
+                      <a:r>
+                        <a:rPr lang="en-US" sz="2400" u="none" strike="noStrike" dirty="0">
+                          <a:effectLst/>
+                          <a:latin typeface="Roboto" panose="02000000000000000000" pitchFamily="2" charset="0"/>
+                          <a:ea typeface="Roboto" panose="02000000000000000000" pitchFamily="2" charset="0"/>
+                        </a:rPr>
+                        <a:t/>
+                      </a:r>
+                      <a:br>
+                        <a:rPr lang="en-US" sz="2400" u="none" strike="noStrike" dirty="0">
+                          <a:effectLst/>
+                          <a:latin typeface="Roboto" panose="02000000000000000000" pitchFamily="2" charset="0"/>
+                          <a:ea typeface="Roboto" panose="02000000000000000000" pitchFamily="2" charset="0"/>
+                        </a:rPr>
+                      </a:br>
+                      <a:r>
+                        <a:rPr lang="en-US" sz="2400" u="none" strike="noStrike" dirty="0">
+                          <a:effectLst/>
+                          <a:latin typeface="Roboto" panose="02000000000000000000" pitchFamily="2" charset="0"/>
+                          <a:ea typeface="Roboto" panose="02000000000000000000" pitchFamily="2" charset="0"/>
+                        </a:rPr>
+                        <a:t>- </a:t>
+                      </a:r>
+                      <a:r>
+                        <a:rPr lang="en-US" sz="2400" u="none" strike="noStrike" dirty="0" err="1">
+                          <a:effectLst/>
+                          <a:latin typeface="Roboto" panose="02000000000000000000" pitchFamily="2" charset="0"/>
+                          <a:ea typeface="Roboto" panose="02000000000000000000" pitchFamily="2" charset="0"/>
+                        </a:rPr>
+                        <a:t>Ném</a:t>
+                      </a:r>
+                      <a:r>
+                        <a:rPr lang="en-US" sz="2400" u="none" strike="noStrike" dirty="0">
+                          <a:effectLst/>
+                          <a:latin typeface="Roboto" panose="02000000000000000000" pitchFamily="2" charset="0"/>
+                          <a:ea typeface="Roboto" panose="02000000000000000000" pitchFamily="2" charset="0"/>
+                        </a:rPr>
+                        <a:t> </a:t>
+                      </a:r>
+                      <a:r>
+                        <a:rPr lang="en-US" sz="2400" u="none" strike="noStrike" dirty="0" err="1">
+                          <a:effectLst/>
+                          <a:latin typeface="Roboto" panose="02000000000000000000" pitchFamily="2" charset="0"/>
+                          <a:ea typeface="Roboto" panose="02000000000000000000" pitchFamily="2" charset="0"/>
+                        </a:rPr>
+                        <a:t>biên</a:t>
+                      </a:r>
+                      <a:r>
+                        <a:rPr lang="en-US" sz="2400" u="none" strike="noStrike" dirty="0">
+                          <a:effectLst/>
+                          <a:latin typeface="Roboto" panose="02000000000000000000" pitchFamily="2" charset="0"/>
+                          <a:ea typeface="Roboto" panose="02000000000000000000" pitchFamily="2" charset="0"/>
+                        </a:rPr>
+                        <a:t> -&gt; </a:t>
+                      </a:r>
+                      <a:r>
+                        <a:rPr lang="en-US" sz="2400" u="none" strike="noStrike" dirty="0" err="1">
+                          <a:effectLst/>
+                          <a:latin typeface="Roboto" panose="02000000000000000000" pitchFamily="2" charset="0"/>
+                          <a:ea typeface="Roboto" panose="02000000000000000000" pitchFamily="2" charset="0"/>
+                        </a:rPr>
+                        <a:t>Sút</a:t>
+                      </a:r>
+                      <a:r>
+                        <a:rPr lang="en-US" sz="2400" u="none" strike="noStrike" dirty="0">
+                          <a:effectLst/>
+                          <a:latin typeface="Roboto" panose="02000000000000000000" pitchFamily="2" charset="0"/>
+                          <a:ea typeface="Roboto" panose="02000000000000000000" pitchFamily="2" charset="0"/>
+                        </a:rPr>
+                        <a:t> (</a:t>
+                      </a:r>
+                      <a:r>
+                        <a:rPr lang="en-US" sz="2400" u="none" strike="noStrike" dirty="0" err="1">
+                          <a:effectLst/>
+                          <a:latin typeface="Roboto" panose="02000000000000000000" pitchFamily="2" charset="0"/>
+                          <a:ea typeface="Roboto" panose="02000000000000000000" pitchFamily="2" charset="0"/>
+                        </a:rPr>
+                        <a:t>đánh</a:t>
+                      </a:r>
+                      <a:r>
+                        <a:rPr lang="en-US" sz="2400" u="none" strike="noStrike" dirty="0">
+                          <a:effectLst/>
+                          <a:latin typeface="Roboto" panose="02000000000000000000" pitchFamily="2" charset="0"/>
+                          <a:ea typeface="Roboto" panose="02000000000000000000" pitchFamily="2" charset="0"/>
+                        </a:rPr>
+                        <a:t> </a:t>
+                      </a:r>
+                      <a:r>
+                        <a:rPr lang="en-US" sz="2400" u="none" strike="noStrike" dirty="0" err="1">
+                          <a:effectLst/>
+                          <a:latin typeface="Roboto" panose="02000000000000000000" pitchFamily="2" charset="0"/>
+                          <a:ea typeface="Roboto" panose="02000000000000000000" pitchFamily="2" charset="0"/>
+                        </a:rPr>
+                        <a:t>đầu</a:t>
+                      </a:r>
+                      <a:r>
+                        <a:rPr lang="en-US" sz="2400" u="none" strike="noStrike" dirty="0">
+                          <a:effectLst/>
+                          <a:latin typeface="Roboto" panose="02000000000000000000" pitchFamily="2" charset="0"/>
+                          <a:ea typeface="Roboto" panose="02000000000000000000" pitchFamily="2" charset="0"/>
+                        </a:rPr>
+                        <a:t>) -&gt; </a:t>
+                      </a:r>
+                      <a:r>
+                        <a:rPr lang="en-US" sz="2400" u="none" strike="noStrike" dirty="0" err="1">
+                          <a:effectLst/>
+                          <a:latin typeface="Roboto" panose="02000000000000000000" pitchFamily="2" charset="0"/>
+                          <a:ea typeface="Roboto" panose="02000000000000000000" pitchFamily="2" charset="0"/>
+                        </a:rPr>
+                        <a:t>Bàn</a:t>
+                      </a:r>
+                      <a:r>
+                        <a:rPr lang="en-US" sz="2400" u="none" strike="noStrike" dirty="0">
+                          <a:effectLst/>
+                          <a:latin typeface="Roboto" panose="02000000000000000000" pitchFamily="2" charset="0"/>
+                          <a:ea typeface="Roboto" panose="02000000000000000000" pitchFamily="2" charset="0"/>
+                        </a:rPr>
+                        <a:t> </a:t>
+                      </a:r>
+                      <a:r>
+                        <a:rPr lang="en-US" sz="2400" u="none" strike="noStrike" dirty="0" err="1">
+                          <a:effectLst/>
+                          <a:latin typeface="Roboto" panose="02000000000000000000" pitchFamily="2" charset="0"/>
+                          <a:ea typeface="Roboto" panose="02000000000000000000" pitchFamily="2" charset="0"/>
+                        </a:rPr>
+                        <a:t>thắng</a:t>
+                      </a:r>
+                      <a:r>
+                        <a:rPr lang="en-US" sz="2400" u="none" strike="noStrike" dirty="0">
+                          <a:effectLst/>
+                          <a:latin typeface="Roboto" panose="02000000000000000000" pitchFamily="2" charset="0"/>
+                          <a:ea typeface="Roboto" panose="02000000000000000000" pitchFamily="2" charset="0"/>
+                        </a:rPr>
+                        <a:t/>
+                      </a:r>
+                      <a:br>
+                        <a:rPr lang="en-US" sz="2400" u="none" strike="noStrike" dirty="0">
+                          <a:effectLst/>
+                          <a:latin typeface="Roboto" panose="02000000000000000000" pitchFamily="2" charset="0"/>
+                          <a:ea typeface="Roboto" panose="02000000000000000000" pitchFamily="2" charset="0"/>
+                        </a:rPr>
+                      </a:br>
+                      <a:r>
+                        <a:rPr lang="en-US" sz="2400" u="none" strike="noStrike" dirty="0">
+                          <a:effectLst/>
+                          <a:latin typeface="Roboto" panose="02000000000000000000" pitchFamily="2" charset="0"/>
+                          <a:ea typeface="Roboto" panose="02000000000000000000" pitchFamily="2" charset="0"/>
+                        </a:rPr>
+                        <a:t>- </a:t>
+                      </a:r>
+                      <a:r>
+                        <a:rPr lang="en-US" sz="2400" u="none" strike="noStrike" dirty="0" err="1">
+                          <a:effectLst/>
+                          <a:latin typeface="Roboto" panose="02000000000000000000" pitchFamily="2" charset="0"/>
+                          <a:ea typeface="Roboto" panose="02000000000000000000" pitchFamily="2" charset="0"/>
+                        </a:rPr>
+                        <a:t>Phạm</a:t>
+                      </a:r>
+                      <a:r>
+                        <a:rPr lang="en-US" sz="2400" u="none" strike="noStrike" dirty="0">
+                          <a:effectLst/>
+                          <a:latin typeface="Roboto" panose="02000000000000000000" pitchFamily="2" charset="0"/>
+                          <a:ea typeface="Roboto" panose="02000000000000000000" pitchFamily="2" charset="0"/>
+                        </a:rPr>
+                        <a:t> </a:t>
+                      </a:r>
+                      <a:r>
+                        <a:rPr lang="en-US" sz="2400" u="none" strike="noStrike" dirty="0" err="1">
+                          <a:effectLst/>
+                          <a:latin typeface="Roboto" panose="02000000000000000000" pitchFamily="2" charset="0"/>
+                          <a:ea typeface="Roboto" panose="02000000000000000000" pitchFamily="2" charset="0"/>
+                        </a:rPr>
+                        <a:t>lỗi</a:t>
+                      </a:r>
+                      <a:r>
+                        <a:rPr lang="en-US" sz="2400" u="none" strike="noStrike" dirty="0">
+                          <a:effectLst/>
+                          <a:latin typeface="Roboto" panose="02000000000000000000" pitchFamily="2" charset="0"/>
+                          <a:ea typeface="Roboto" panose="02000000000000000000" pitchFamily="2" charset="0"/>
+                        </a:rPr>
+                        <a:t> -&gt; </a:t>
+                      </a:r>
+                      <a:r>
+                        <a:rPr lang="en-US" sz="2400" u="none" strike="noStrike" dirty="0" err="1">
+                          <a:effectLst/>
+                          <a:latin typeface="Roboto" panose="02000000000000000000" pitchFamily="2" charset="0"/>
+                          <a:ea typeface="Roboto" panose="02000000000000000000" pitchFamily="2" charset="0"/>
+                        </a:rPr>
+                        <a:t>Phạt</a:t>
+                      </a:r>
+                      <a:r>
+                        <a:rPr lang="en-US" sz="2400" u="none" strike="noStrike" dirty="0">
+                          <a:effectLst/>
+                          <a:latin typeface="Roboto" panose="02000000000000000000" pitchFamily="2" charset="0"/>
+                          <a:ea typeface="Roboto" panose="02000000000000000000" pitchFamily="2" charset="0"/>
+                        </a:rPr>
+                        <a:t> </a:t>
+                      </a:r>
+                      <a:r>
+                        <a:rPr lang="en-US" sz="2400" u="none" strike="noStrike" dirty="0" err="1">
+                          <a:effectLst/>
+                          <a:latin typeface="Roboto" panose="02000000000000000000" pitchFamily="2" charset="0"/>
+                          <a:ea typeface="Roboto" panose="02000000000000000000" pitchFamily="2" charset="0"/>
+                        </a:rPr>
+                        <a:t>trực</a:t>
+                      </a:r>
+                      <a:r>
+                        <a:rPr lang="en-US" sz="2400" u="none" strike="noStrike" dirty="0">
+                          <a:effectLst/>
+                          <a:latin typeface="Roboto" panose="02000000000000000000" pitchFamily="2" charset="0"/>
+                          <a:ea typeface="Roboto" panose="02000000000000000000" pitchFamily="2" charset="0"/>
+                        </a:rPr>
+                        <a:t> </a:t>
+                      </a:r>
+                      <a:r>
+                        <a:rPr lang="en-US" sz="2400" u="none" strike="noStrike" dirty="0" err="1">
+                          <a:effectLst/>
+                          <a:latin typeface="Roboto" panose="02000000000000000000" pitchFamily="2" charset="0"/>
+                          <a:ea typeface="Roboto" panose="02000000000000000000" pitchFamily="2" charset="0"/>
+                        </a:rPr>
+                        <a:t>tiếp</a:t>
+                      </a:r>
+                      <a:r>
+                        <a:rPr lang="en-US" sz="2400" u="none" strike="noStrike" dirty="0">
+                          <a:effectLst/>
+                          <a:latin typeface="Roboto" panose="02000000000000000000" pitchFamily="2" charset="0"/>
+                          <a:ea typeface="Roboto" panose="02000000000000000000" pitchFamily="2" charset="0"/>
+                        </a:rPr>
+                        <a:t> -&gt; </a:t>
+                      </a:r>
+                      <a:r>
+                        <a:rPr lang="en-US" sz="2400" u="none" strike="noStrike" dirty="0" err="1">
+                          <a:effectLst/>
+                          <a:latin typeface="Roboto" panose="02000000000000000000" pitchFamily="2" charset="0"/>
+                          <a:ea typeface="Roboto" panose="02000000000000000000" pitchFamily="2" charset="0"/>
+                        </a:rPr>
+                        <a:t>Bàn</a:t>
+                      </a:r>
+                      <a:r>
+                        <a:rPr lang="en-US" sz="2400" u="none" strike="noStrike" dirty="0">
+                          <a:effectLst/>
+                          <a:latin typeface="Roboto" panose="02000000000000000000" pitchFamily="2" charset="0"/>
+                          <a:ea typeface="Roboto" panose="02000000000000000000" pitchFamily="2" charset="0"/>
+                        </a:rPr>
+                        <a:t> </a:t>
+                      </a:r>
+                      <a:r>
+                        <a:rPr lang="en-US" sz="2400" u="none" strike="noStrike" dirty="0" err="1">
+                          <a:effectLst/>
+                          <a:latin typeface="Roboto" panose="02000000000000000000" pitchFamily="2" charset="0"/>
+                          <a:ea typeface="Roboto" panose="02000000000000000000" pitchFamily="2" charset="0"/>
+                        </a:rPr>
+                        <a:t>thắng</a:t>
+                      </a:r>
+                      <a:r>
+                        <a:rPr lang="en-US" sz="2400" u="none" strike="noStrike" dirty="0">
+                          <a:effectLst/>
+                          <a:latin typeface="Roboto" panose="02000000000000000000" pitchFamily="2" charset="0"/>
+                          <a:ea typeface="Roboto" panose="02000000000000000000" pitchFamily="2" charset="0"/>
+                        </a:rPr>
+                        <a:t/>
+                      </a:r>
+                      <a:br>
+                        <a:rPr lang="en-US" sz="2400" u="none" strike="noStrike" dirty="0">
+                          <a:effectLst/>
+                          <a:latin typeface="Roboto" panose="02000000000000000000" pitchFamily="2" charset="0"/>
+                          <a:ea typeface="Roboto" panose="02000000000000000000" pitchFamily="2" charset="0"/>
+                        </a:rPr>
+                      </a:br>
+                      <a:r>
+                        <a:rPr lang="en-US" sz="2400" u="none" strike="noStrike" dirty="0">
+                          <a:effectLst/>
+                          <a:latin typeface="Roboto" panose="02000000000000000000" pitchFamily="2" charset="0"/>
+                          <a:ea typeface="Roboto" panose="02000000000000000000" pitchFamily="2" charset="0"/>
+                        </a:rPr>
+                        <a:t>- </a:t>
+                      </a:r>
+                      <a:r>
+                        <a:rPr lang="en-US" sz="2400" u="none" strike="noStrike" dirty="0" err="1">
+                          <a:effectLst/>
+                          <a:latin typeface="Roboto" panose="02000000000000000000" pitchFamily="2" charset="0"/>
+                          <a:ea typeface="Roboto" panose="02000000000000000000" pitchFamily="2" charset="0"/>
+                        </a:rPr>
+                        <a:t>Phạm</a:t>
+                      </a:r>
+                      <a:r>
+                        <a:rPr lang="en-US" sz="2400" u="none" strike="noStrike" dirty="0">
+                          <a:effectLst/>
+                          <a:latin typeface="Roboto" panose="02000000000000000000" pitchFamily="2" charset="0"/>
+                          <a:ea typeface="Roboto" panose="02000000000000000000" pitchFamily="2" charset="0"/>
+                        </a:rPr>
+                        <a:t> </a:t>
+                      </a:r>
+                      <a:r>
+                        <a:rPr lang="en-US" sz="2400" u="none" strike="noStrike" dirty="0" err="1">
+                          <a:effectLst/>
+                          <a:latin typeface="Roboto" panose="02000000000000000000" pitchFamily="2" charset="0"/>
+                          <a:ea typeface="Roboto" panose="02000000000000000000" pitchFamily="2" charset="0"/>
+                        </a:rPr>
+                        <a:t>lỗi</a:t>
+                      </a:r>
+                      <a:r>
+                        <a:rPr lang="en-US" sz="2400" u="none" strike="noStrike" dirty="0">
+                          <a:effectLst/>
+                          <a:latin typeface="Roboto" panose="02000000000000000000" pitchFamily="2" charset="0"/>
+                          <a:ea typeface="Roboto" panose="02000000000000000000" pitchFamily="2" charset="0"/>
+                        </a:rPr>
+                        <a:t> -&gt; Penalty -&gt; </a:t>
+                      </a:r>
+                      <a:r>
+                        <a:rPr lang="en-US" sz="2400" u="none" strike="noStrike" dirty="0" err="1">
+                          <a:effectLst/>
+                          <a:latin typeface="Roboto" panose="02000000000000000000" pitchFamily="2" charset="0"/>
+                          <a:ea typeface="Roboto" panose="02000000000000000000" pitchFamily="2" charset="0"/>
+                        </a:rPr>
+                        <a:t>Bàn</a:t>
+                      </a:r>
+                      <a:r>
+                        <a:rPr lang="en-US" sz="2400" u="none" strike="noStrike" dirty="0">
+                          <a:effectLst/>
+                          <a:latin typeface="Roboto" panose="02000000000000000000" pitchFamily="2" charset="0"/>
+                          <a:ea typeface="Roboto" panose="02000000000000000000" pitchFamily="2" charset="0"/>
+                        </a:rPr>
+                        <a:t> </a:t>
+                      </a:r>
+                      <a:r>
+                        <a:rPr lang="en-US" sz="2400" u="none" strike="noStrike" dirty="0" err="1">
+                          <a:effectLst/>
+                          <a:latin typeface="Roboto" panose="02000000000000000000" pitchFamily="2" charset="0"/>
+                          <a:ea typeface="Roboto" panose="02000000000000000000" pitchFamily="2" charset="0"/>
+                        </a:rPr>
+                        <a:t>thắng</a:t>
+                      </a:r>
+                      <a:endParaRPr lang="en-US" sz="2400" b="0" i="0" u="none" strike="noStrike" dirty="0">
+                        <a:solidFill>
+                          <a:srgbClr val="000000"/>
+                        </a:solidFill>
+                        <a:effectLst/>
+                        <a:latin typeface="Roboto" panose="02000000000000000000" pitchFamily="2" charset="0"/>
+                        <a:ea typeface="Roboto" panose="02000000000000000000" pitchFamily="2" charset="0"/>
+                      </a:endParaRPr>
+                    </a:p>
+                  </a:txBody>
+                  <a:tcPr marL="9525" marR="9525" marT="9525" marB="0" anchor="ctr"/>
+                </a:tc>
+                <a:tc>
+                  <a:txBody>
+                    <a:bodyPr/>
+                    <a:lstStyle/>
+                    <a:p>
+                      <a:pPr algn="l" fontAlgn="b"/>
+                      <a:r>
+                        <a:rPr lang="en-US" sz="2400" u="none" strike="noStrike" dirty="0">
+                          <a:effectLst/>
+                          <a:latin typeface="Roboto" panose="02000000000000000000" pitchFamily="2" charset="0"/>
+                          <a:ea typeface="Roboto" panose="02000000000000000000" pitchFamily="2" charset="0"/>
+                        </a:rPr>
+                        <a:t> </a:t>
+                      </a:r>
+                      <a:endParaRPr lang="en-US" sz="2400" b="0" i="0" u="none" strike="noStrike" dirty="0">
+                        <a:solidFill>
+                          <a:srgbClr val="000000"/>
+                        </a:solidFill>
+                        <a:effectLst/>
+                        <a:latin typeface="Roboto" panose="02000000000000000000" pitchFamily="2" charset="0"/>
+                        <a:ea typeface="Roboto" panose="02000000000000000000" pitchFamily="2" charset="0"/>
+                      </a:endParaRPr>
+                    </a:p>
+                  </a:txBody>
+                  <a:tcPr marL="9525" marR="9525" marT="9525" marB="0" anchor="ctr"/>
+                </a:tc>
+                <a:extLst>
+                  <a:ext uri="{0D108BD9-81ED-4DB2-BD59-A6C34878D82A}">
+                    <a16:rowId xmlns:a16="http://schemas.microsoft.com/office/drawing/2014/main" val="1461745232"/>
+                  </a:ext>
+                </a:extLst>
+              </a:tr>
+              <a:tr h="512064">
+                <a:tc>
+                  <a:txBody>
+                    <a:bodyPr/>
+                    <a:lstStyle/>
+                    <a:p>
+                      <a:pPr algn="ctr" fontAlgn="ctr"/>
+                      <a:r>
+                        <a:rPr lang="en-US" sz="2400" u="none" strike="noStrike" dirty="0">
+                          <a:effectLst/>
+                          <a:latin typeface="Roboto" panose="02000000000000000000" pitchFamily="2" charset="0"/>
+                          <a:ea typeface="Roboto" panose="02000000000000000000" pitchFamily="2" charset="0"/>
+                        </a:rPr>
+                        <a:t>3</a:t>
+                      </a:r>
+                      <a:endParaRPr lang="en-US" sz="2400" b="0" i="0" u="none" strike="noStrike" dirty="0">
+                        <a:solidFill>
+                          <a:srgbClr val="000000"/>
+                        </a:solidFill>
+                        <a:effectLst/>
+                        <a:latin typeface="Roboto" panose="02000000000000000000" pitchFamily="2" charset="0"/>
+                        <a:ea typeface="Roboto" panose="02000000000000000000" pitchFamily="2" charset="0"/>
+                      </a:endParaRPr>
+                    </a:p>
+                  </a:txBody>
+                  <a:tcPr marL="9525" marR="9525" marT="9525" marB="0" anchor="ctr"/>
+                </a:tc>
+                <a:tc>
+                  <a:txBody>
+                    <a:bodyPr/>
+                    <a:lstStyle/>
+                    <a:p>
+                      <a:pPr algn="l" fontAlgn="ctr"/>
+                      <a:r>
+                        <a:rPr lang="en-US" sz="2400" u="none" strike="noStrike" dirty="0" err="1" smtClean="0">
+                          <a:effectLst/>
+                          <a:latin typeface="Roboto" panose="02000000000000000000" pitchFamily="2" charset="0"/>
+                          <a:ea typeface="Roboto" panose="02000000000000000000" pitchFamily="2" charset="0"/>
+                        </a:rPr>
+                        <a:t>Ghi</a:t>
+                      </a:r>
+                      <a:r>
+                        <a:rPr lang="en-US" sz="2400" u="none" strike="noStrike" dirty="0" smtClean="0">
+                          <a:effectLst/>
+                          <a:latin typeface="Roboto" panose="02000000000000000000" pitchFamily="2" charset="0"/>
+                          <a:ea typeface="Roboto" panose="02000000000000000000" pitchFamily="2" charset="0"/>
+                        </a:rPr>
+                        <a:t> </a:t>
+                      </a:r>
+                      <a:r>
+                        <a:rPr lang="en-US" sz="2400" u="none" strike="noStrike" dirty="0" err="1" smtClean="0">
+                          <a:effectLst/>
+                          <a:latin typeface="Roboto" panose="02000000000000000000" pitchFamily="2" charset="0"/>
+                          <a:ea typeface="Roboto" panose="02000000000000000000" pitchFamily="2" charset="0"/>
+                        </a:rPr>
+                        <a:t>bàn</a:t>
+                      </a:r>
+                      <a:r>
+                        <a:rPr lang="en-US" sz="2400" u="none" strike="noStrike" dirty="0" smtClean="0">
+                          <a:effectLst/>
+                          <a:latin typeface="Roboto" panose="02000000000000000000" pitchFamily="2" charset="0"/>
+                          <a:ea typeface="Roboto" panose="02000000000000000000" pitchFamily="2" charset="0"/>
+                        </a:rPr>
+                        <a:t> </a:t>
+                      </a:r>
+                      <a:r>
+                        <a:rPr lang="en-US" sz="2400" u="none" strike="noStrike" dirty="0" err="1">
+                          <a:effectLst/>
+                          <a:latin typeface="Roboto" panose="02000000000000000000" pitchFamily="2" charset="0"/>
+                          <a:ea typeface="Roboto" panose="02000000000000000000" pitchFamily="2" charset="0"/>
+                        </a:rPr>
+                        <a:t>không</a:t>
+                      </a:r>
+                      <a:r>
+                        <a:rPr lang="en-US" sz="2400" u="none" strike="noStrike" dirty="0">
+                          <a:effectLst/>
+                          <a:latin typeface="Roboto" panose="02000000000000000000" pitchFamily="2" charset="0"/>
+                          <a:ea typeface="Roboto" panose="02000000000000000000" pitchFamily="2" charset="0"/>
+                        </a:rPr>
+                        <a:t> </a:t>
+                      </a:r>
+                      <a:r>
+                        <a:rPr lang="en-US" sz="2400" u="none" strike="noStrike" dirty="0" err="1">
+                          <a:effectLst/>
+                          <a:latin typeface="Roboto" panose="02000000000000000000" pitchFamily="2" charset="0"/>
+                          <a:ea typeface="Roboto" panose="02000000000000000000" pitchFamily="2" charset="0"/>
+                        </a:rPr>
+                        <a:t>hợp</a:t>
+                      </a:r>
+                      <a:r>
+                        <a:rPr lang="en-US" sz="2400" u="none" strike="noStrike" dirty="0">
+                          <a:effectLst/>
+                          <a:latin typeface="Roboto" panose="02000000000000000000" pitchFamily="2" charset="0"/>
+                          <a:ea typeface="Roboto" panose="02000000000000000000" pitchFamily="2" charset="0"/>
+                        </a:rPr>
+                        <a:t> </a:t>
+                      </a:r>
+                      <a:r>
+                        <a:rPr lang="en-US" sz="2400" u="none" strike="noStrike" dirty="0" err="1">
+                          <a:effectLst/>
+                          <a:latin typeface="Roboto" panose="02000000000000000000" pitchFamily="2" charset="0"/>
+                          <a:ea typeface="Roboto" panose="02000000000000000000" pitchFamily="2" charset="0"/>
+                        </a:rPr>
+                        <a:t>lệ</a:t>
+                      </a:r>
+                      <a:endParaRPr lang="en-US" sz="2400" b="0" i="0" u="none" strike="noStrike" dirty="0">
+                        <a:solidFill>
+                          <a:srgbClr val="000000"/>
+                        </a:solidFill>
+                        <a:effectLst/>
+                        <a:latin typeface="Roboto" panose="02000000000000000000" pitchFamily="2" charset="0"/>
+                        <a:ea typeface="Roboto" panose="02000000000000000000" pitchFamily="2" charset="0"/>
+                      </a:endParaRPr>
+                    </a:p>
+                  </a:txBody>
+                  <a:tcPr marL="9525" marR="9525" marT="9525" marB="0" anchor="ctr"/>
+                </a:tc>
+                <a:tc>
+                  <a:txBody>
+                    <a:bodyPr/>
+                    <a:lstStyle/>
+                    <a:p>
+                      <a:pPr algn="l" fontAlgn="ctr"/>
+                      <a:r>
+                        <a:rPr lang="en-US" sz="2400" u="none" strike="noStrike" dirty="0" err="1">
+                          <a:effectLst/>
+                          <a:latin typeface="Roboto" panose="02000000000000000000" pitchFamily="2" charset="0"/>
+                          <a:ea typeface="Roboto" panose="02000000000000000000" pitchFamily="2" charset="0"/>
+                        </a:rPr>
+                        <a:t>Tấn</a:t>
+                      </a:r>
+                      <a:r>
+                        <a:rPr lang="en-US" sz="2400" u="none" strike="noStrike" dirty="0">
+                          <a:effectLst/>
+                          <a:latin typeface="Roboto" panose="02000000000000000000" pitchFamily="2" charset="0"/>
+                          <a:ea typeface="Roboto" panose="02000000000000000000" pitchFamily="2" charset="0"/>
+                        </a:rPr>
+                        <a:t> </a:t>
+                      </a:r>
+                      <a:r>
+                        <a:rPr lang="en-US" sz="2400" u="none" strike="noStrike" dirty="0" err="1">
+                          <a:effectLst/>
+                          <a:latin typeface="Roboto" panose="02000000000000000000" pitchFamily="2" charset="0"/>
+                          <a:ea typeface="Roboto" panose="02000000000000000000" pitchFamily="2" charset="0"/>
+                        </a:rPr>
+                        <a:t>công</a:t>
+                      </a:r>
+                      <a:r>
+                        <a:rPr lang="en-US" sz="2400" u="none" strike="noStrike" dirty="0">
+                          <a:effectLst/>
+                          <a:latin typeface="Roboto" panose="02000000000000000000" pitchFamily="2" charset="0"/>
+                          <a:ea typeface="Roboto" panose="02000000000000000000" pitchFamily="2" charset="0"/>
+                        </a:rPr>
+                        <a:t> </a:t>
+                      </a:r>
+                      <a:r>
+                        <a:rPr lang="en-US" sz="2400" u="none" strike="noStrike" dirty="0" err="1">
+                          <a:effectLst/>
+                          <a:latin typeface="Roboto" panose="02000000000000000000" pitchFamily="2" charset="0"/>
+                          <a:ea typeface="Roboto" panose="02000000000000000000" pitchFamily="2" charset="0"/>
+                        </a:rPr>
+                        <a:t>ghi</a:t>
+                      </a:r>
+                      <a:r>
+                        <a:rPr lang="en-US" sz="2400" u="none" strike="noStrike" dirty="0">
+                          <a:effectLst/>
+                          <a:latin typeface="Roboto" panose="02000000000000000000" pitchFamily="2" charset="0"/>
+                          <a:ea typeface="Roboto" panose="02000000000000000000" pitchFamily="2" charset="0"/>
+                        </a:rPr>
+                        <a:t> </a:t>
+                      </a:r>
+                      <a:r>
+                        <a:rPr lang="en-US" sz="2400" u="none" strike="noStrike" dirty="0" err="1">
+                          <a:effectLst/>
+                          <a:latin typeface="Roboto" panose="02000000000000000000" pitchFamily="2" charset="0"/>
+                          <a:ea typeface="Roboto" panose="02000000000000000000" pitchFamily="2" charset="0"/>
+                        </a:rPr>
+                        <a:t>bàn</a:t>
+                      </a:r>
+                      <a:r>
+                        <a:rPr lang="en-US" sz="2400" u="none" strike="noStrike" dirty="0">
+                          <a:effectLst/>
+                          <a:latin typeface="Roboto" panose="02000000000000000000" pitchFamily="2" charset="0"/>
+                          <a:ea typeface="Roboto" panose="02000000000000000000" pitchFamily="2" charset="0"/>
+                        </a:rPr>
+                        <a:t> -&gt; </a:t>
+                      </a:r>
+                      <a:r>
+                        <a:rPr lang="en-US" sz="2400" u="none" strike="noStrike" dirty="0" err="1">
+                          <a:effectLst/>
+                          <a:latin typeface="Roboto" panose="02000000000000000000" pitchFamily="2" charset="0"/>
+                          <a:ea typeface="Roboto" panose="02000000000000000000" pitchFamily="2" charset="0"/>
+                        </a:rPr>
+                        <a:t>Việt</a:t>
+                      </a:r>
+                      <a:r>
+                        <a:rPr lang="en-US" sz="2400" u="none" strike="noStrike" dirty="0">
+                          <a:effectLst/>
+                          <a:latin typeface="Roboto" panose="02000000000000000000" pitchFamily="2" charset="0"/>
+                          <a:ea typeface="Roboto" panose="02000000000000000000" pitchFamily="2" charset="0"/>
+                        </a:rPr>
+                        <a:t> </a:t>
+                      </a:r>
+                      <a:r>
+                        <a:rPr lang="en-US" sz="2400" u="none" strike="noStrike" dirty="0" err="1">
+                          <a:effectLst/>
+                          <a:latin typeface="Roboto" panose="02000000000000000000" pitchFamily="2" charset="0"/>
+                          <a:ea typeface="Roboto" panose="02000000000000000000" pitchFamily="2" charset="0"/>
+                        </a:rPr>
+                        <a:t>vị</a:t>
+                      </a:r>
+                      <a:r>
+                        <a:rPr lang="en-US" sz="2400" u="none" strike="noStrike" dirty="0">
+                          <a:effectLst/>
+                          <a:latin typeface="Roboto" panose="02000000000000000000" pitchFamily="2" charset="0"/>
+                          <a:ea typeface="Roboto" panose="02000000000000000000" pitchFamily="2" charset="0"/>
+                        </a:rPr>
+                        <a:t>, </a:t>
+                      </a:r>
+                      <a:r>
+                        <a:rPr lang="en-US" sz="2400" u="none" strike="noStrike" dirty="0" err="1">
+                          <a:effectLst/>
+                          <a:latin typeface="Roboto" panose="02000000000000000000" pitchFamily="2" charset="0"/>
+                          <a:ea typeface="Roboto" panose="02000000000000000000" pitchFamily="2" charset="0"/>
+                        </a:rPr>
+                        <a:t>phạm</a:t>
+                      </a:r>
+                      <a:r>
+                        <a:rPr lang="en-US" sz="2400" u="none" strike="noStrike" dirty="0">
+                          <a:effectLst/>
+                          <a:latin typeface="Roboto" panose="02000000000000000000" pitchFamily="2" charset="0"/>
+                          <a:ea typeface="Roboto" panose="02000000000000000000" pitchFamily="2" charset="0"/>
+                        </a:rPr>
+                        <a:t> </a:t>
+                      </a:r>
+                      <a:r>
+                        <a:rPr lang="en-US" sz="2400" u="none" strike="noStrike" dirty="0" err="1">
+                          <a:effectLst/>
+                          <a:latin typeface="Roboto" panose="02000000000000000000" pitchFamily="2" charset="0"/>
+                          <a:ea typeface="Roboto" panose="02000000000000000000" pitchFamily="2" charset="0"/>
+                        </a:rPr>
+                        <a:t>lỗi</a:t>
+                      </a:r>
+                      <a:r>
+                        <a:rPr lang="en-US" sz="2400" u="none" strike="noStrike" dirty="0">
+                          <a:effectLst/>
+                          <a:latin typeface="Roboto" panose="02000000000000000000" pitchFamily="2" charset="0"/>
+                          <a:ea typeface="Roboto" panose="02000000000000000000" pitchFamily="2" charset="0"/>
+                        </a:rPr>
+                        <a:t> -&gt; </a:t>
+                      </a:r>
+                      <a:r>
+                        <a:rPr lang="en-US" sz="2400" u="none" strike="noStrike" dirty="0" err="1">
+                          <a:effectLst/>
+                          <a:latin typeface="Roboto" panose="02000000000000000000" pitchFamily="2" charset="0"/>
+                          <a:ea typeface="Roboto" panose="02000000000000000000" pitchFamily="2" charset="0"/>
+                        </a:rPr>
+                        <a:t>Không</a:t>
+                      </a:r>
+                      <a:r>
+                        <a:rPr lang="en-US" sz="2400" u="none" strike="noStrike" dirty="0">
+                          <a:effectLst/>
+                          <a:latin typeface="Roboto" panose="02000000000000000000" pitchFamily="2" charset="0"/>
+                          <a:ea typeface="Roboto" panose="02000000000000000000" pitchFamily="2" charset="0"/>
+                        </a:rPr>
+                        <a:t> </a:t>
+                      </a:r>
+                      <a:r>
+                        <a:rPr lang="en-US" sz="2400" u="none" strike="noStrike" dirty="0" err="1">
+                          <a:effectLst/>
+                          <a:latin typeface="Roboto" panose="02000000000000000000" pitchFamily="2" charset="0"/>
+                          <a:ea typeface="Roboto" panose="02000000000000000000" pitchFamily="2" charset="0"/>
+                        </a:rPr>
+                        <a:t>công</a:t>
+                      </a:r>
+                      <a:r>
+                        <a:rPr lang="en-US" sz="2400" u="none" strike="noStrike" dirty="0">
+                          <a:effectLst/>
+                          <a:latin typeface="Roboto" panose="02000000000000000000" pitchFamily="2" charset="0"/>
+                          <a:ea typeface="Roboto" panose="02000000000000000000" pitchFamily="2" charset="0"/>
+                        </a:rPr>
+                        <a:t> </a:t>
+                      </a:r>
+                      <a:r>
+                        <a:rPr lang="en-US" sz="2400" u="none" strike="noStrike" dirty="0" err="1">
+                          <a:effectLst/>
+                          <a:latin typeface="Roboto" panose="02000000000000000000" pitchFamily="2" charset="0"/>
+                          <a:ea typeface="Roboto" panose="02000000000000000000" pitchFamily="2" charset="0"/>
+                        </a:rPr>
+                        <a:t>nhận</a:t>
+                      </a:r>
+                      <a:r>
+                        <a:rPr lang="en-US" sz="2400" u="none" strike="noStrike" dirty="0">
+                          <a:effectLst/>
+                          <a:latin typeface="Roboto" panose="02000000000000000000" pitchFamily="2" charset="0"/>
+                          <a:ea typeface="Roboto" panose="02000000000000000000" pitchFamily="2" charset="0"/>
+                        </a:rPr>
+                        <a:t> </a:t>
+                      </a:r>
+                      <a:r>
+                        <a:rPr lang="en-US" sz="2400" u="none" strike="noStrike" dirty="0" err="1">
+                          <a:effectLst/>
+                          <a:latin typeface="Roboto" panose="02000000000000000000" pitchFamily="2" charset="0"/>
+                          <a:ea typeface="Roboto" panose="02000000000000000000" pitchFamily="2" charset="0"/>
+                        </a:rPr>
+                        <a:t>bàn</a:t>
+                      </a:r>
+                      <a:r>
+                        <a:rPr lang="en-US" sz="2400" u="none" strike="noStrike" dirty="0">
+                          <a:effectLst/>
+                          <a:latin typeface="Roboto" panose="02000000000000000000" pitchFamily="2" charset="0"/>
+                          <a:ea typeface="Roboto" panose="02000000000000000000" pitchFamily="2" charset="0"/>
+                        </a:rPr>
+                        <a:t> </a:t>
+                      </a:r>
+                      <a:r>
+                        <a:rPr lang="en-US" sz="2400" u="none" strike="noStrike" dirty="0" err="1">
+                          <a:effectLst/>
+                          <a:latin typeface="Roboto" panose="02000000000000000000" pitchFamily="2" charset="0"/>
+                          <a:ea typeface="Roboto" panose="02000000000000000000" pitchFamily="2" charset="0"/>
+                        </a:rPr>
+                        <a:t>thắng</a:t>
+                      </a:r>
+                      <a:endParaRPr lang="en-US" sz="2400" b="0" i="0" u="none" strike="noStrike" dirty="0">
+                        <a:solidFill>
+                          <a:srgbClr val="000000"/>
+                        </a:solidFill>
+                        <a:effectLst/>
+                        <a:latin typeface="Roboto" panose="02000000000000000000" pitchFamily="2" charset="0"/>
+                        <a:ea typeface="Roboto" panose="02000000000000000000" pitchFamily="2" charset="0"/>
+                      </a:endParaRPr>
+                    </a:p>
+                  </a:txBody>
+                  <a:tcPr marL="9525" marR="9525" marT="9525" marB="0" anchor="ctr"/>
+                </a:tc>
+                <a:tc>
+                  <a:txBody>
+                    <a:bodyPr/>
+                    <a:lstStyle/>
+                    <a:p>
+                      <a:pPr algn="l" fontAlgn="b"/>
+                      <a:r>
+                        <a:rPr lang="en-US" sz="2400" u="none" strike="noStrike" dirty="0">
+                          <a:effectLst/>
+                          <a:latin typeface="Roboto" panose="02000000000000000000" pitchFamily="2" charset="0"/>
+                          <a:ea typeface="Roboto" panose="02000000000000000000" pitchFamily="2" charset="0"/>
+                        </a:rPr>
+                        <a:t> </a:t>
+                      </a:r>
+                      <a:endParaRPr lang="en-US" sz="2400" b="0" i="0" u="none" strike="noStrike" dirty="0">
+                        <a:solidFill>
+                          <a:srgbClr val="000000"/>
+                        </a:solidFill>
+                        <a:effectLst/>
+                        <a:latin typeface="Roboto" panose="02000000000000000000" pitchFamily="2" charset="0"/>
+                        <a:ea typeface="Roboto" panose="02000000000000000000" pitchFamily="2" charset="0"/>
+                      </a:endParaRPr>
+                    </a:p>
+                  </a:txBody>
+                  <a:tcPr marL="9525" marR="9525" marT="9525" marB="0" anchor="ctr"/>
+                </a:tc>
+                <a:extLst>
+                  <a:ext uri="{0D108BD9-81ED-4DB2-BD59-A6C34878D82A}">
+                    <a16:rowId xmlns:a16="http://schemas.microsoft.com/office/drawing/2014/main" val="1337316295"/>
+                  </a:ext>
+                </a:extLst>
+              </a:tr>
+              <a:tr h="1714501">
+                <a:tc>
+                  <a:txBody>
+                    <a:bodyPr/>
+                    <a:lstStyle/>
+                    <a:p>
+                      <a:pPr algn="ctr" fontAlgn="ctr"/>
+                      <a:r>
                         <a:rPr lang="en-US" sz="2400" u="none" strike="noStrike">
                           <a:effectLst/>
-                        </a:rPr>
-                        <a:t>2</a:t>
+                          <a:latin typeface="Roboto" panose="02000000000000000000" pitchFamily="2" charset="0"/>
+                          <a:ea typeface="Roboto" panose="02000000000000000000" pitchFamily="2" charset="0"/>
+                        </a:rPr>
+                        <a:t>4</a:t>
                       </a:r>
                       <a:endParaRPr lang="en-US" sz="2400" b="0" i="0" u="none" strike="noStrike">
                         <a:solidFill>
@@ -6758,46 +7809,974 @@
                     <a:p>
                       <a:pPr algn="l" fontAlgn="ctr"/>
                       <a:r>
-                        <a:rPr lang="en-US" sz="2400" u="none" strike="noStrike" dirty="0" err="1">
-                          <a:effectLst/>
-                        </a:rPr>
-                        <a:t>Tấn</a:t>
-                      </a:r>
-                      <a:r>
-                        <a:rPr lang="en-US" sz="2400" u="none" strike="noStrike" dirty="0">
-                          <a:effectLst/>
+                        <a:rPr lang="en-US" sz="2400" u="none" strike="noStrike">
+                          <a:effectLst/>
+                          <a:latin typeface="Roboto" panose="02000000000000000000" pitchFamily="2" charset="0"/>
+                          <a:ea typeface="Roboto" panose="02000000000000000000" pitchFamily="2" charset="0"/>
+                        </a:rPr>
+                        <a:t>Tấn công nguy hiểm</a:t>
+                      </a:r>
+                      <a:endParaRPr lang="en-US" sz="2400" b="0" i="0" u="none" strike="noStrike">
+                        <a:solidFill>
+                          <a:srgbClr val="000000"/>
+                        </a:solidFill>
+                        <a:effectLst/>
+                        <a:latin typeface="Roboto" panose="02000000000000000000" pitchFamily="2" charset="0"/>
+                        <a:ea typeface="Roboto" panose="02000000000000000000" pitchFamily="2" charset="0"/>
+                      </a:endParaRPr>
+                    </a:p>
+                  </a:txBody>
+                  <a:tcPr marL="9525" marR="9525" marT="9525" marB="0" anchor="ctr"/>
+                </a:tc>
+                <a:tc>
+                  <a:txBody>
+                    <a:bodyPr/>
+                    <a:lstStyle/>
+                    <a:p>
+                      <a:pPr algn="l" fontAlgn="ctr"/>
+                      <a:r>
+                        <a:rPr lang="en-US" sz="2400" u="none" strike="noStrike" dirty="0">
+                          <a:effectLst/>
+                          <a:latin typeface="Roboto" panose="02000000000000000000" pitchFamily="2" charset="0"/>
+                          <a:ea typeface="Roboto" panose="02000000000000000000" pitchFamily="2" charset="0"/>
+                        </a:rPr>
+                        <a:t>- </a:t>
+                      </a:r>
+                      <a:r>
+                        <a:rPr lang="en-US" sz="2400" u="none" strike="noStrike" dirty="0" err="1">
+                          <a:effectLst/>
+                          <a:latin typeface="Roboto" panose="02000000000000000000" pitchFamily="2" charset="0"/>
+                          <a:ea typeface="Roboto" panose="02000000000000000000" pitchFamily="2" charset="0"/>
+                        </a:rPr>
+                        <a:t>Chuyền</a:t>
+                      </a:r>
+                      <a:r>
+                        <a:rPr lang="en-US" sz="2400" u="none" strike="noStrike" dirty="0">
+                          <a:effectLst/>
+                          <a:latin typeface="Roboto" panose="02000000000000000000" pitchFamily="2" charset="0"/>
+                          <a:ea typeface="Roboto" panose="02000000000000000000" pitchFamily="2" charset="0"/>
+                        </a:rPr>
+                        <a:t>(</a:t>
+                      </a:r>
+                      <a:r>
+                        <a:rPr lang="en-US" sz="2400" u="none" strike="noStrike" dirty="0" err="1">
+                          <a:effectLst/>
+                          <a:latin typeface="Roboto" panose="02000000000000000000" pitchFamily="2" charset="0"/>
+                          <a:ea typeface="Roboto" panose="02000000000000000000" pitchFamily="2" charset="0"/>
+                        </a:rPr>
+                        <a:t>phạt</a:t>
+                      </a:r>
+                      <a:r>
+                        <a:rPr lang="en-US" sz="2400" u="none" strike="noStrike" dirty="0">
+                          <a:effectLst/>
+                          <a:latin typeface="Roboto" panose="02000000000000000000" pitchFamily="2" charset="0"/>
+                          <a:ea typeface="Roboto" panose="02000000000000000000" pitchFamily="2" charset="0"/>
                         </a:rPr>
                         <a:t> </a:t>
                       </a:r>
                       <a:r>
                         <a:rPr lang="en-US" sz="2400" u="none" strike="noStrike" dirty="0" err="1">
                           <a:effectLst/>
-                        </a:rPr>
-                        <a:t>công</a:t>
-                      </a:r>
-                      <a:r>
-                        <a:rPr lang="en-US" sz="2400" u="none" strike="noStrike" dirty="0">
-                          <a:effectLst/>
+                          <a:latin typeface="Roboto" panose="02000000000000000000" pitchFamily="2" charset="0"/>
+                          <a:ea typeface="Roboto" panose="02000000000000000000" pitchFamily="2" charset="0"/>
+                        </a:rPr>
+                        <a:t>góc</a:t>
+                      </a:r>
+                      <a:r>
+                        <a:rPr lang="en-US" sz="2400" u="none" strike="noStrike" dirty="0">
+                          <a:effectLst/>
+                          <a:latin typeface="Roboto" panose="02000000000000000000" pitchFamily="2" charset="0"/>
+                          <a:ea typeface="Roboto" panose="02000000000000000000" pitchFamily="2" charset="0"/>
+                        </a:rPr>
+                        <a:t>, </a:t>
+                      </a:r>
+                      <a:r>
+                        <a:rPr lang="en-US" sz="2400" u="none" strike="noStrike" dirty="0" err="1">
+                          <a:effectLst/>
+                          <a:latin typeface="Roboto" panose="02000000000000000000" pitchFamily="2" charset="0"/>
+                          <a:ea typeface="Roboto" panose="02000000000000000000" pitchFamily="2" charset="0"/>
+                        </a:rPr>
+                        <a:t>ném</a:t>
+                      </a:r>
+                      <a:r>
+                        <a:rPr lang="en-US" sz="2400" u="none" strike="noStrike" dirty="0">
+                          <a:effectLst/>
+                          <a:latin typeface="Roboto" panose="02000000000000000000" pitchFamily="2" charset="0"/>
+                          <a:ea typeface="Roboto" panose="02000000000000000000" pitchFamily="2" charset="0"/>
                         </a:rPr>
                         <a:t> </a:t>
                       </a:r>
                       <a:r>
                         <a:rPr lang="en-US" sz="2400" u="none" strike="noStrike" dirty="0" err="1">
                           <a:effectLst/>
-                        </a:rPr>
-                        <a:t>ghi</a:t>
-                      </a:r>
-                      <a:r>
-                        <a:rPr lang="en-US" sz="2400" u="none" strike="noStrike" dirty="0">
-                          <a:effectLst/>
+                          <a:latin typeface="Roboto" panose="02000000000000000000" pitchFamily="2" charset="0"/>
+                          <a:ea typeface="Roboto" panose="02000000000000000000" pitchFamily="2" charset="0"/>
+                        </a:rPr>
+                        <a:t>biên</a:t>
+                      </a:r>
+                      <a:r>
+                        <a:rPr lang="en-US" sz="2400" u="none" strike="noStrike" dirty="0">
+                          <a:effectLst/>
+                          <a:latin typeface="Roboto" panose="02000000000000000000" pitchFamily="2" charset="0"/>
+                          <a:ea typeface="Roboto" panose="02000000000000000000" pitchFamily="2" charset="0"/>
+                        </a:rPr>
+                        <a:t>) -&gt; </a:t>
+                      </a:r>
+                      <a:r>
+                        <a:rPr lang="en-US" sz="2400" u="none" strike="noStrike" dirty="0" err="1">
+                          <a:effectLst/>
+                          <a:latin typeface="Roboto" panose="02000000000000000000" pitchFamily="2" charset="0"/>
+                          <a:ea typeface="Roboto" panose="02000000000000000000" pitchFamily="2" charset="0"/>
+                        </a:rPr>
+                        <a:t>Sút</a:t>
+                      </a:r>
+                      <a:r>
+                        <a:rPr lang="en-US" sz="2400" u="none" strike="noStrike" dirty="0">
+                          <a:effectLst/>
+                          <a:latin typeface="Roboto" panose="02000000000000000000" pitchFamily="2" charset="0"/>
+                          <a:ea typeface="Roboto" panose="02000000000000000000" pitchFamily="2" charset="0"/>
+                        </a:rPr>
+                        <a:t> (</a:t>
+                      </a:r>
+                      <a:r>
+                        <a:rPr lang="en-US" sz="2400" u="none" strike="noStrike" dirty="0" err="1">
+                          <a:effectLst/>
+                          <a:latin typeface="Roboto" panose="02000000000000000000" pitchFamily="2" charset="0"/>
+                          <a:ea typeface="Roboto" panose="02000000000000000000" pitchFamily="2" charset="0"/>
+                        </a:rPr>
+                        <a:t>đánh</a:t>
+                      </a:r>
+                      <a:r>
+                        <a:rPr lang="en-US" sz="2400" u="none" strike="noStrike" dirty="0">
+                          <a:effectLst/>
+                          <a:latin typeface="Roboto" panose="02000000000000000000" pitchFamily="2" charset="0"/>
+                          <a:ea typeface="Roboto" panose="02000000000000000000" pitchFamily="2" charset="0"/>
                         </a:rPr>
                         <a:t> </a:t>
                       </a:r>
                       <a:r>
                         <a:rPr lang="en-US" sz="2400" u="none" strike="noStrike" dirty="0" err="1">
                           <a:effectLst/>
-                        </a:rPr>
-                        <a:t>bàn</a:t>
+                          <a:latin typeface="Roboto" panose="02000000000000000000" pitchFamily="2" charset="0"/>
+                          <a:ea typeface="Roboto" panose="02000000000000000000" pitchFamily="2" charset="0"/>
+                        </a:rPr>
+                        <a:t>đầu</a:t>
+                      </a:r>
+                      <a:r>
+                        <a:rPr lang="en-US" sz="2400" u="none" strike="noStrike" dirty="0">
+                          <a:effectLst/>
+                          <a:latin typeface="Roboto" panose="02000000000000000000" pitchFamily="2" charset="0"/>
+                          <a:ea typeface="Roboto" panose="02000000000000000000" pitchFamily="2" charset="0"/>
+                        </a:rPr>
+                        <a:t>) -&gt; </a:t>
+                      </a:r>
+                      <a:r>
+                        <a:rPr lang="en-US" sz="2400" u="none" strike="noStrike" dirty="0" err="1">
+                          <a:effectLst/>
+                          <a:latin typeface="Roboto" panose="02000000000000000000" pitchFamily="2" charset="0"/>
+                          <a:ea typeface="Roboto" panose="02000000000000000000" pitchFamily="2" charset="0"/>
+                        </a:rPr>
+                        <a:t>Bị</a:t>
+                      </a:r>
+                      <a:r>
+                        <a:rPr lang="en-US" sz="2400" u="none" strike="noStrike" dirty="0">
+                          <a:effectLst/>
+                          <a:latin typeface="Roboto" panose="02000000000000000000" pitchFamily="2" charset="0"/>
+                          <a:ea typeface="Roboto" panose="02000000000000000000" pitchFamily="2" charset="0"/>
+                        </a:rPr>
+                        <a:t> </a:t>
+                      </a:r>
+                      <a:r>
+                        <a:rPr lang="en-US" sz="2400" u="none" strike="noStrike" dirty="0" err="1">
+                          <a:effectLst/>
+                          <a:latin typeface="Roboto" panose="02000000000000000000" pitchFamily="2" charset="0"/>
+                          <a:ea typeface="Roboto" panose="02000000000000000000" pitchFamily="2" charset="0"/>
+                        </a:rPr>
+                        <a:t>thủ</a:t>
+                      </a:r>
+                      <a:r>
+                        <a:rPr lang="en-US" sz="2400" u="none" strike="noStrike" dirty="0">
+                          <a:effectLst/>
+                          <a:latin typeface="Roboto" panose="02000000000000000000" pitchFamily="2" charset="0"/>
+                          <a:ea typeface="Roboto" panose="02000000000000000000" pitchFamily="2" charset="0"/>
+                        </a:rPr>
+                        <a:t> </a:t>
+                      </a:r>
+                      <a:r>
+                        <a:rPr lang="en-US" sz="2400" u="none" strike="noStrike" dirty="0" err="1">
+                          <a:effectLst/>
+                          <a:latin typeface="Roboto" panose="02000000000000000000" pitchFamily="2" charset="0"/>
+                          <a:ea typeface="Roboto" panose="02000000000000000000" pitchFamily="2" charset="0"/>
+                        </a:rPr>
+                        <a:t>môn</a:t>
+                      </a:r>
+                      <a:r>
+                        <a:rPr lang="en-US" sz="2400" u="none" strike="noStrike" dirty="0">
+                          <a:effectLst/>
+                          <a:latin typeface="Roboto" panose="02000000000000000000" pitchFamily="2" charset="0"/>
+                          <a:ea typeface="Roboto" panose="02000000000000000000" pitchFamily="2" charset="0"/>
+                        </a:rPr>
+                        <a:t> (</a:t>
+                      </a:r>
+                      <a:r>
+                        <a:rPr lang="en-US" sz="2400" u="none" strike="noStrike" dirty="0" err="1">
+                          <a:effectLst/>
+                          <a:latin typeface="Roboto" panose="02000000000000000000" pitchFamily="2" charset="0"/>
+                          <a:ea typeface="Roboto" panose="02000000000000000000" pitchFamily="2" charset="0"/>
+                        </a:rPr>
+                        <a:t>hậu</a:t>
+                      </a:r>
+                      <a:r>
+                        <a:rPr lang="en-US" sz="2400" u="none" strike="noStrike" dirty="0">
+                          <a:effectLst/>
+                          <a:latin typeface="Roboto" panose="02000000000000000000" pitchFamily="2" charset="0"/>
+                          <a:ea typeface="Roboto" panose="02000000000000000000" pitchFamily="2" charset="0"/>
+                        </a:rPr>
+                        <a:t> </a:t>
+                      </a:r>
+                      <a:r>
+                        <a:rPr lang="en-US" sz="2400" u="none" strike="noStrike" dirty="0" err="1">
+                          <a:effectLst/>
+                          <a:latin typeface="Roboto" panose="02000000000000000000" pitchFamily="2" charset="0"/>
+                          <a:ea typeface="Roboto" panose="02000000000000000000" pitchFamily="2" charset="0"/>
+                        </a:rPr>
+                        <a:t>vệ</a:t>
+                      </a:r>
+                      <a:r>
+                        <a:rPr lang="en-US" sz="2400" u="none" strike="noStrike" dirty="0">
+                          <a:effectLst/>
+                          <a:latin typeface="Roboto" panose="02000000000000000000" pitchFamily="2" charset="0"/>
+                          <a:ea typeface="Roboto" panose="02000000000000000000" pitchFamily="2" charset="0"/>
+                        </a:rPr>
+                        <a:t>) </a:t>
+                      </a:r>
+                      <a:r>
+                        <a:rPr lang="en-US" sz="2400" u="none" strike="noStrike" dirty="0" err="1">
+                          <a:effectLst/>
+                          <a:latin typeface="Roboto" panose="02000000000000000000" pitchFamily="2" charset="0"/>
+                          <a:ea typeface="Roboto" panose="02000000000000000000" pitchFamily="2" charset="0"/>
+                        </a:rPr>
+                        <a:t>cản</a:t>
+                      </a:r>
+                      <a:r>
+                        <a:rPr lang="en-US" sz="2400" u="none" strike="noStrike" dirty="0">
+                          <a:effectLst/>
+                          <a:latin typeface="Roboto" panose="02000000000000000000" pitchFamily="2" charset="0"/>
+                          <a:ea typeface="Roboto" panose="02000000000000000000" pitchFamily="2" charset="0"/>
+                        </a:rPr>
+                        <a:t> </a:t>
+                      </a:r>
+                      <a:r>
+                        <a:rPr lang="en-US" sz="2400" u="none" strike="noStrike" dirty="0" err="1">
+                          <a:effectLst/>
+                          <a:latin typeface="Roboto" panose="02000000000000000000" pitchFamily="2" charset="0"/>
+                          <a:ea typeface="Roboto" panose="02000000000000000000" pitchFamily="2" charset="0"/>
+                        </a:rPr>
+                        <a:t>phá</a:t>
+                      </a:r>
+                      <a:r>
+                        <a:rPr lang="en-US" sz="2400" u="none" strike="noStrike" dirty="0">
+                          <a:effectLst/>
+                          <a:latin typeface="Roboto" panose="02000000000000000000" pitchFamily="2" charset="0"/>
+                          <a:ea typeface="Roboto" panose="02000000000000000000" pitchFamily="2" charset="0"/>
+                        </a:rPr>
+                        <a:t/>
+                      </a:r>
+                      <a:br>
+                        <a:rPr lang="en-US" sz="2400" u="none" strike="noStrike" dirty="0">
+                          <a:effectLst/>
+                          <a:latin typeface="Roboto" panose="02000000000000000000" pitchFamily="2" charset="0"/>
+                          <a:ea typeface="Roboto" panose="02000000000000000000" pitchFamily="2" charset="0"/>
+                        </a:rPr>
+                      </a:br>
+                      <a:r>
+                        <a:rPr lang="en-US" sz="2400" u="none" strike="noStrike" dirty="0">
+                          <a:effectLst/>
+                          <a:latin typeface="Roboto" panose="02000000000000000000" pitchFamily="2" charset="0"/>
+                          <a:ea typeface="Roboto" panose="02000000000000000000" pitchFamily="2" charset="0"/>
+                        </a:rPr>
+                        <a:t>- </a:t>
+                      </a:r>
+                      <a:r>
+                        <a:rPr lang="en-US" sz="2400" u="none" strike="noStrike" dirty="0" err="1">
+                          <a:effectLst/>
+                          <a:latin typeface="Roboto" panose="02000000000000000000" pitchFamily="2" charset="0"/>
+                          <a:ea typeface="Roboto" panose="02000000000000000000" pitchFamily="2" charset="0"/>
+                        </a:rPr>
+                        <a:t>Chuyền</a:t>
+                      </a:r>
+                      <a:r>
+                        <a:rPr lang="en-US" sz="2400" u="none" strike="noStrike" dirty="0">
+                          <a:effectLst/>
+                          <a:latin typeface="Roboto" panose="02000000000000000000" pitchFamily="2" charset="0"/>
+                          <a:ea typeface="Roboto" panose="02000000000000000000" pitchFamily="2" charset="0"/>
+                        </a:rPr>
+                        <a:t>(</a:t>
+                      </a:r>
+                      <a:r>
+                        <a:rPr lang="en-US" sz="2400" u="none" strike="noStrike" dirty="0" err="1">
+                          <a:effectLst/>
+                          <a:latin typeface="Roboto" panose="02000000000000000000" pitchFamily="2" charset="0"/>
+                          <a:ea typeface="Roboto" panose="02000000000000000000" pitchFamily="2" charset="0"/>
+                        </a:rPr>
+                        <a:t>phạt</a:t>
+                      </a:r>
+                      <a:r>
+                        <a:rPr lang="en-US" sz="2400" u="none" strike="noStrike" dirty="0">
+                          <a:effectLst/>
+                          <a:latin typeface="Roboto" panose="02000000000000000000" pitchFamily="2" charset="0"/>
+                          <a:ea typeface="Roboto" panose="02000000000000000000" pitchFamily="2" charset="0"/>
+                        </a:rPr>
+                        <a:t> </a:t>
+                      </a:r>
+                      <a:r>
+                        <a:rPr lang="en-US" sz="2400" u="none" strike="noStrike" dirty="0" err="1">
+                          <a:effectLst/>
+                          <a:latin typeface="Roboto" panose="02000000000000000000" pitchFamily="2" charset="0"/>
+                          <a:ea typeface="Roboto" panose="02000000000000000000" pitchFamily="2" charset="0"/>
+                        </a:rPr>
+                        <a:t>góc</a:t>
+                      </a:r>
+                      <a:r>
+                        <a:rPr lang="en-US" sz="2400" u="none" strike="noStrike" dirty="0">
+                          <a:effectLst/>
+                          <a:latin typeface="Roboto" panose="02000000000000000000" pitchFamily="2" charset="0"/>
+                          <a:ea typeface="Roboto" panose="02000000000000000000" pitchFamily="2" charset="0"/>
+                        </a:rPr>
+                        <a:t>, </a:t>
+                      </a:r>
+                      <a:r>
+                        <a:rPr lang="en-US" sz="2400" u="none" strike="noStrike" dirty="0" err="1">
+                          <a:effectLst/>
+                          <a:latin typeface="Roboto" panose="02000000000000000000" pitchFamily="2" charset="0"/>
+                          <a:ea typeface="Roboto" panose="02000000000000000000" pitchFamily="2" charset="0"/>
+                        </a:rPr>
+                        <a:t>ném</a:t>
+                      </a:r>
+                      <a:r>
+                        <a:rPr lang="en-US" sz="2400" u="none" strike="noStrike" dirty="0">
+                          <a:effectLst/>
+                          <a:latin typeface="Roboto" panose="02000000000000000000" pitchFamily="2" charset="0"/>
+                          <a:ea typeface="Roboto" panose="02000000000000000000" pitchFamily="2" charset="0"/>
+                        </a:rPr>
+                        <a:t> </a:t>
+                      </a:r>
+                      <a:r>
+                        <a:rPr lang="en-US" sz="2400" u="none" strike="noStrike" dirty="0" err="1">
+                          <a:effectLst/>
+                          <a:latin typeface="Roboto" panose="02000000000000000000" pitchFamily="2" charset="0"/>
+                          <a:ea typeface="Roboto" panose="02000000000000000000" pitchFamily="2" charset="0"/>
+                        </a:rPr>
+                        <a:t>biên</a:t>
+                      </a:r>
+                      <a:r>
+                        <a:rPr lang="en-US" sz="2400" u="none" strike="noStrike" dirty="0">
+                          <a:effectLst/>
+                          <a:latin typeface="Roboto" panose="02000000000000000000" pitchFamily="2" charset="0"/>
+                          <a:ea typeface="Roboto" panose="02000000000000000000" pitchFamily="2" charset="0"/>
+                        </a:rPr>
+                        <a:t>) -&gt; </a:t>
+                      </a:r>
+                      <a:r>
+                        <a:rPr lang="en-US" sz="2400" u="none" strike="noStrike" dirty="0" err="1">
+                          <a:effectLst/>
+                          <a:latin typeface="Roboto" panose="02000000000000000000" pitchFamily="2" charset="0"/>
+                          <a:ea typeface="Roboto" panose="02000000000000000000" pitchFamily="2" charset="0"/>
+                        </a:rPr>
+                        <a:t>Sút</a:t>
+                      </a:r>
+                      <a:r>
+                        <a:rPr lang="en-US" sz="2400" u="none" strike="noStrike" dirty="0">
+                          <a:effectLst/>
+                          <a:latin typeface="Roboto" panose="02000000000000000000" pitchFamily="2" charset="0"/>
+                          <a:ea typeface="Roboto" panose="02000000000000000000" pitchFamily="2" charset="0"/>
+                        </a:rPr>
+                        <a:t> (</a:t>
+                      </a:r>
+                      <a:r>
+                        <a:rPr lang="en-US" sz="2400" u="none" strike="noStrike" dirty="0" err="1">
+                          <a:effectLst/>
+                          <a:latin typeface="Roboto" panose="02000000000000000000" pitchFamily="2" charset="0"/>
+                          <a:ea typeface="Roboto" panose="02000000000000000000" pitchFamily="2" charset="0"/>
+                        </a:rPr>
+                        <a:t>đánh</a:t>
+                      </a:r>
+                      <a:r>
+                        <a:rPr lang="en-US" sz="2400" u="none" strike="noStrike" dirty="0">
+                          <a:effectLst/>
+                          <a:latin typeface="Roboto" panose="02000000000000000000" pitchFamily="2" charset="0"/>
+                          <a:ea typeface="Roboto" panose="02000000000000000000" pitchFamily="2" charset="0"/>
+                        </a:rPr>
+                        <a:t> </a:t>
+                      </a:r>
+                      <a:r>
+                        <a:rPr lang="en-US" sz="2400" u="none" strike="noStrike" dirty="0" err="1">
+                          <a:effectLst/>
+                          <a:latin typeface="Roboto" panose="02000000000000000000" pitchFamily="2" charset="0"/>
+                          <a:ea typeface="Roboto" panose="02000000000000000000" pitchFamily="2" charset="0"/>
+                        </a:rPr>
+                        <a:t>đầu</a:t>
+                      </a:r>
+                      <a:r>
+                        <a:rPr lang="en-US" sz="2400" u="none" strike="noStrike" dirty="0">
+                          <a:effectLst/>
+                          <a:latin typeface="Roboto" panose="02000000000000000000" pitchFamily="2" charset="0"/>
+                          <a:ea typeface="Roboto" panose="02000000000000000000" pitchFamily="2" charset="0"/>
+                        </a:rPr>
+                        <a:t>) -&gt; </a:t>
+                      </a:r>
+                      <a:r>
+                        <a:rPr lang="en-US" sz="2400" u="none" strike="noStrike" dirty="0" err="1">
+                          <a:effectLst/>
+                          <a:latin typeface="Roboto" panose="02000000000000000000" pitchFamily="2" charset="0"/>
+                          <a:ea typeface="Roboto" panose="02000000000000000000" pitchFamily="2" charset="0"/>
+                        </a:rPr>
+                        <a:t>Bóng</a:t>
+                      </a:r>
+                      <a:r>
+                        <a:rPr lang="en-US" sz="2400" u="none" strike="noStrike" dirty="0">
+                          <a:effectLst/>
+                          <a:latin typeface="Roboto" panose="02000000000000000000" pitchFamily="2" charset="0"/>
+                          <a:ea typeface="Roboto" panose="02000000000000000000" pitchFamily="2" charset="0"/>
+                        </a:rPr>
+                        <a:t> </a:t>
+                      </a:r>
+                      <a:r>
+                        <a:rPr lang="en-US" sz="2400" u="none" strike="noStrike" dirty="0" err="1">
+                          <a:effectLst/>
+                          <a:latin typeface="Roboto" panose="02000000000000000000" pitchFamily="2" charset="0"/>
+                          <a:ea typeface="Roboto" panose="02000000000000000000" pitchFamily="2" charset="0"/>
+                        </a:rPr>
+                        <a:t>chệch</a:t>
+                      </a:r>
+                      <a:r>
+                        <a:rPr lang="en-US" sz="2400" u="none" strike="noStrike" dirty="0">
+                          <a:effectLst/>
+                          <a:latin typeface="Roboto" panose="02000000000000000000" pitchFamily="2" charset="0"/>
+                          <a:ea typeface="Roboto" panose="02000000000000000000" pitchFamily="2" charset="0"/>
+                        </a:rPr>
+                        <a:t> </a:t>
+                      </a:r>
+                      <a:r>
+                        <a:rPr lang="en-US" sz="2400" u="none" strike="noStrike" dirty="0" err="1">
+                          <a:effectLst/>
+                          <a:latin typeface="Roboto" panose="02000000000000000000" pitchFamily="2" charset="0"/>
+                          <a:ea typeface="Roboto" panose="02000000000000000000" pitchFamily="2" charset="0"/>
+                        </a:rPr>
+                        <a:t>khung</a:t>
+                      </a:r>
+                      <a:r>
+                        <a:rPr lang="en-US" sz="2400" u="none" strike="noStrike" dirty="0">
+                          <a:effectLst/>
+                          <a:latin typeface="Roboto" panose="02000000000000000000" pitchFamily="2" charset="0"/>
+                          <a:ea typeface="Roboto" panose="02000000000000000000" pitchFamily="2" charset="0"/>
+                        </a:rPr>
+                        <a:t> </a:t>
+                      </a:r>
+                      <a:r>
+                        <a:rPr lang="en-US" sz="2400" u="none" strike="noStrike" dirty="0" err="1">
+                          <a:effectLst/>
+                          <a:latin typeface="Roboto" panose="02000000000000000000" pitchFamily="2" charset="0"/>
+                          <a:ea typeface="Roboto" panose="02000000000000000000" pitchFamily="2" charset="0"/>
+                        </a:rPr>
+                        <a:t>thành</a:t>
+                      </a:r>
+                      <a:r>
+                        <a:rPr lang="en-US" sz="2400" u="none" strike="noStrike" dirty="0">
+                          <a:effectLst/>
+                          <a:latin typeface="Roboto" panose="02000000000000000000" pitchFamily="2" charset="0"/>
+                          <a:ea typeface="Roboto" panose="02000000000000000000" pitchFamily="2" charset="0"/>
+                        </a:rPr>
+                        <a:t/>
+                      </a:r>
+                      <a:br>
+                        <a:rPr lang="en-US" sz="2400" u="none" strike="noStrike" dirty="0">
+                          <a:effectLst/>
+                          <a:latin typeface="Roboto" panose="02000000000000000000" pitchFamily="2" charset="0"/>
+                          <a:ea typeface="Roboto" panose="02000000000000000000" pitchFamily="2" charset="0"/>
+                        </a:rPr>
+                      </a:br>
+                      <a:r>
+                        <a:rPr lang="en-US" sz="2400" u="none" strike="noStrike" dirty="0">
+                          <a:effectLst/>
+                          <a:latin typeface="Roboto" panose="02000000000000000000" pitchFamily="2" charset="0"/>
+                          <a:ea typeface="Roboto" panose="02000000000000000000" pitchFamily="2" charset="0"/>
+                        </a:rPr>
+                        <a:t>- </a:t>
+                      </a:r>
+                      <a:r>
+                        <a:rPr lang="en-US" sz="2400" u="none" strike="noStrike" dirty="0" err="1">
+                          <a:effectLst/>
+                          <a:latin typeface="Roboto" panose="02000000000000000000" pitchFamily="2" charset="0"/>
+                          <a:ea typeface="Roboto" panose="02000000000000000000" pitchFamily="2" charset="0"/>
+                        </a:rPr>
+                        <a:t>Phạm</a:t>
+                      </a:r>
+                      <a:r>
+                        <a:rPr lang="en-US" sz="2400" u="none" strike="noStrike" dirty="0">
+                          <a:effectLst/>
+                          <a:latin typeface="Roboto" panose="02000000000000000000" pitchFamily="2" charset="0"/>
+                          <a:ea typeface="Roboto" panose="02000000000000000000" pitchFamily="2" charset="0"/>
+                        </a:rPr>
+                        <a:t> </a:t>
+                      </a:r>
+                      <a:r>
+                        <a:rPr lang="en-US" sz="2400" u="none" strike="noStrike" dirty="0" err="1">
+                          <a:effectLst/>
+                          <a:latin typeface="Roboto" panose="02000000000000000000" pitchFamily="2" charset="0"/>
+                          <a:ea typeface="Roboto" panose="02000000000000000000" pitchFamily="2" charset="0"/>
+                        </a:rPr>
+                        <a:t>lỗi</a:t>
+                      </a:r>
+                      <a:r>
+                        <a:rPr lang="en-US" sz="2400" u="none" strike="noStrike" dirty="0">
+                          <a:effectLst/>
+                          <a:latin typeface="Roboto" panose="02000000000000000000" pitchFamily="2" charset="0"/>
+                          <a:ea typeface="Roboto" panose="02000000000000000000" pitchFamily="2" charset="0"/>
+                        </a:rPr>
+                        <a:t> -&gt; </a:t>
+                      </a:r>
+                      <a:r>
+                        <a:rPr lang="en-US" sz="2400" u="none" strike="noStrike" dirty="0" err="1">
+                          <a:effectLst/>
+                          <a:latin typeface="Roboto" panose="02000000000000000000" pitchFamily="2" charset="0"/>
+                          <a:ea typeface="Roboto" panose="02000000000000000000" pitchFamily="2" charset="0"/>
+                        </a:rPr>
+                        <a:t>Phạt</a:t>
+                      </a:r>
+                      <a:r>
+                        <a:rPr lang="en-US" sz="2400" u="none" strike="noStrike" dirty="0">
+                          <a:effectLst/>
+                          <a:latin typeface="Roboto" panose="02000000000000000000" pitchFamily="2" charset="0"/>
+                          <a:ea typeface="Roboto" panose="02000000000000000000" pitchFamily="2" charset="0"/>
+                        </a:rPr>
+                        <a:t> </a:t>
+                      </a:r>
+                      <a:r>
+                        <a:rPr lang="en-US" sz="2400" u="none" strike="noStrike" dirty="0" err="1">
+                          <a:effectLst/>
+                          <a:latin typeface="Roboto" panose="02000000000000000000" pitchFamily="2" charset="0"/>
+                          <a:ea typeface="Roboto" panose="02000000000000000000" pitchFamily="2" charset="0"/>
+                        </a:rPr>
+                        <a:t>trực</a:t>
+                      </a:r>
+                      <a:r>
+                        <a:rPr lang="en-US" sz="2400" u="none" strike="noStrike" dirty="0">
+                          <a:effectLst/>
+                          <a:latin typeface="Roboto" panose="02000000000000000000" pitchFamily="2" charset="0"/>
+                          <a:ea typeface="Roboto" panose="02000000000000000000" pitchFamily="2" charset="0"/>
+                        </a:rPr>
+                        <a:t> </a:t>
+                      </a:r>
+                      <a:r>
+                        <a:rPr lang="en-US" sz="2400" u="none" strike="noStrike" dirty="0" err="1">
+                          <a:effectLst/>
+                          <a:latin typeface="Roboto" panose="02000000000000000000" pitchFamily="2" charset="0"/>
+                          <a:ea typeface="Roboto" panose="02000000000000000000" pitchFamily="2" charset="0"/>
+                        </a:rPr>
+                        <a:t>tiếp</a:t>
+                      </a:r>
+                      <a:r>
+                        <a:rPr lang="en-US" sz="2400" u="none" strike="noStrike" dirty="0">
+                          <a:effectLst/>
+                          <a:latin typeface="Roboto" panose="02000000000000000000" pitchFamily="2" charset="0"/>
+                          <a:ea typeface="Roboto" panose="02000000000000000000" pitchFamily="2" charset="0"/>
+                        </a:rPr>
+                        <a:t> -&gt; </a:t>
+                      </a:r>
+                      <a:r>
+                        <a:rPr lang="en-US" sz="2400" u="none" strike="noStrike" dirty="0" err="1">
+                          <a:effectLst/>
+                          <a:latin typeface="Roboto" panose="02000000000000000000" pitchFamily="2" charset="0"/>
+                          <a:ea typeface="Roboto" panose="02000000000000000000" pitchFamily="2" charset="0"/>
+                        </a:rPr>
+                        <a:t>Bị</a:t>
+                      </a:r>
+                      <a:r>
+                        <a:rPr lang="en-US" sz="2400" u="none" strike="noStrike" dirty="0">
+                          <a:effectLst/>
+                          <a:latin typeface="Roboto" panose="02000000000000000000" pitchFamily="2" charset="0"/>
+                          <a:ea typeface="Roboto" panose="02000000000000000000" pitchFamily="2" charset="0"/>
+                        </a:rPr>
+                        <a:t> </a:t>
+                      </a:r>
+                      <a:r>
+                        <a:rPr lang="en-US" sz="2400" u="none" strike="noStrike" dirty="0" err="1">
+                          <a:effectLst/>
+                          <a:latin typeface="Roboto" panose="02000000000000000000" pitchFamily="2" charset="0"/>
+                          <a:ea typeface="Roboto" panose="02000000000000000000" pitchFamily="2" charset="0"/>
+                        </a:rPr>
+                        <a:t>thủ</a:t>
+                      </a:r>
+                      <a:r>
+                        <a:rPr lang="en-US" sz="2400" u="none" strike="noStrike" dirty="0">
+                          <a:effectLst/>
+                          <a:latin typeface="Roboto" panose="02000000000000000000" pitchFamily="2" charset="0"/>
+                          <a:ea typeface="Roboto" panose="02000000000000000000" pitchFamily="2" charset="0"/>
+                        </a:rPr>
+                        <a:t> </a:t>
+                      </a:r>
+                      <a:r>
+                        <a:rPr lang="en-US" sz="2400" u="none" strike="noStrike" dirty="0" err="1">
+                          <a:effectLst/>
+                          <a:latin typeface="Roboto" panose="02000000000000000000" pitchFamily="2" charset="0"/>
+                          <a:ea typeface="Roboto" panose="02000000000000000000" pitchFamily="2" charset="0"/>
+                        </a:rPr>
+                        <a:t>môn</a:t>
+                      </a:r>
+                      <a:r>
+                        <a:rPr lang="en-US" sz="2400" u="none" strike="noStrike" dirty="0">
+                          <a:effectLst/>
+                          <a:latin typeface="Roboto" panose="02000000000000000000" pitchFamily="2" charset="0"/>
+                          <a:ea typeface="Roboto" panose="02000000000000000000" pitchFamily="2" charset="0"/>
+                        </a:rPr>
+                        <a:t> </a:t>
+                      </a:r>
+                      <a:r>
+                        <a:rPr lang="en-US" sz="2400" u="none" strike="noStrike" dirty="0" err="1">
+                          <a:effectLst/>
+                          <a:latin typeface="Roboto" panose="02000000000000000000" pitchFamily="2" charset="0"/>
+                          <a:ea typeface="Roboto" panose="02000000000000000000" pitchFamily="2" charset="0"/>
+                        </a:rPr>
+                        <a:t>cản</a:t>
+                      </a:r>
+                      <a:r>
+                        <a:rPr lang="en-US" sz="2400" u="none" strike="noStrike" dirty="0">
+                          <a:effectLst/>
+                          <a:latin typeface="Roboto" panose="02000000000000000000" pitchFamily="2" charset="0"/>
+                          <a:ea typeface="Roboto" panose="02000000000000000000" pitchFamily="2" charset="0"/>
+                        </a:rPr>
+                        <a:t> </a:t>
+                      </a:r>
+                      <a:r>
+                        <a:rPr lang="en-US" sz="2400" u="none" strike="noStrike" dirty="0" err="1">
+                          <a:effectLst/>
+                          <a:latin typeface="Roboto" panose="02000000000000000000" pitchFamily="2" charset="0"/>
+                          <a:ea typeface="Roboto" panose="02000000000000000000" pitchFamily="2" charset="0"/>
+                        </a:rPr>
+                        <a:t>phá</a:t>
+                      </a:r>
+                      <a:r>
+                        <a:rPr lang="en-US" sz="2400" u="none" strike="noStrike" dirty="0">
+                          <a:effectLst/>
+                          <a:latin typeface="Roboto" panose="02000000000000000000" pitchFamily="2" charset="0"/>
+                          <a:ea typeface="Roboto" panose="02000000000000000000" pitchFamily="2" charset="0"/>
+                        </a:rPr>
+                        <a:t> (</a:t>
+                      </a:r>
+                      <a:r>
+                        <a:rPr lang="en-US" sz="2400" u="none" strike="noStrike" dirty="0" err="1">
+                          <a:effectLst/>
+                          <a:latin typeface="Roboto" panose="02000000000000000000" pitchFamily="2" charset="0"/>
+                          <a:ea typeface="Roboto" panose="02000000000000000000" pitchFamily="2" charset="0"/>
+                        </a:rPr>
+                        <a:t>Bóng</a:t>
+                      </a:r>
+                      <a:r>
+                        <a:rPr lang="en-US" sz="2400" u="none" strike="noStrike" dirty="0">
+                          <a:effectLst/>
+                          <a:latin typeface="Roboto" panose="02000000000000000000" pitchFamily="2" charset="0"/>
+                          <a:ea typeface="Roboto" panose="02000000000000000000" pitchFamily="2" charset="0"/>
+                        </a:rPr>
+                        <a:t> </a:t>
+                      </a:r>
+                      <a:r>
+                        <a:rPr lang="en-US" sz="2400" u="none" strike="noStrike" dirty="0" err="1">
+                          <a:effectLst/>
+                          <a:latin typeface="Roboto" panose="02000000000000000000" pitchFamily="2" charset="0"/>
+                          <a:ea typeface="Roboto" panose="02000000000000000000" pitchFamily="2" charset="0"/>
+                        </a:rPr>
+                        <a:t>chệch</a:t>
+                      </a:r>
+                      <a:r>
+                        <a:rPr lang="en-US" sz="2400" u="none" strike="noStrike" dirty="0">
+                          <a:effectLst/>
+                          <a:latin typeface="Roboto" panose="02000000000000000000" pitchFamily="2" charset="0"/>
+                          <a:ea typeface="Roboto" panose="02000000000000000000" pitchFamily="2" charset="0"/>
+                        </a:rPr>
+                        <a:t> </a:t>
+                      </a:r>
+                      <a:r>
+                        <a:rPr lang="en-US" sz="2400" u="none" strike="noStrike" dirty="0" err="1">
+                          <a:effectLst/>
+                          <a:latin typeface="Roboto" panose="02000000000000000000" pitchFamily="2" charset="0"/>
+                          <a:ea typeface="Roboto" panose="02000000000000000000" pitchFamily="2" charset="0"/>
+                        </a:rPr>
+                        <a:t>khung</a:t>
+                      </a:r>
+                      <a:r>
+                        <a:rPr lang="en-US" sz="2400" u="none" strike="noStrike" dirty="0">
+                          <a:effectLst/>
+                          <a:latin typeface="Roboto" panose="02000000000000000000" pitchFamily="2" charset="0"/>
+                          <a:ea typeface="Roboto" panose="02000000000000000000" pitchFamily="2" charset="0"/>
+                        </a:rPr>
+                        <a:t> </a:t>
+                      </a:r>
+                      <a:r>
+                        <a:rPr lang="en-US" sz="2400" u="none" strike="noStrike" dirty="0" err="1">
+                          <a:effectLst/>
+                          <a:latin typeface="Roboto" panose="02000000000000000000" pitchFamily="2" charset="0"/>
+                          <a:ea typeface="Roboto" panose="02000000000000000000" pitchFamily="2" charset="0"/>
+                        </a:rPr>
+                        <a:t>thành</a:t>
+                      </a:r>
+                      <a:r>
+                        <a:rPr lang="en-US" sz="2400" u="none" strike="noStrike" dirty="0">
+                          <a:effectLst/>
+                          <a:latin typeface="Roboto" panose="02000000000000000000" pitchFamily="2" charset="0"/>
+                          <a:ea typeface="Roboto" panose="02000000000000000000" pitchFamily="2" charset="0"/>
+                        </a:rPr>
+                        <a:t>)</a:t>
+                      </a:r>
+                      <a:br>
+                        <a:rPr lang="en-US" sz="2400" u="none" strike="noStrike" dirty="0">
+                          <a:effectLst/>
+                          <a:latin typeface="Roboto" panose="02000000000000000000" pitchFamily="2" charset="0"/>
+                          <a:ea typeface="Roboto" panose="02000000000000000000" pitchFamily="2" charset="0"/>
+                        </a:rPr>
+                      </a:br>
+                      <a:r>
+                        <a:rPr lang="en-US" sz="2400" u="none" strike="noStrike" dirty="0">
+                          <a:effectLst/>
+                          <a:latin typeface="Roboto" panose="02000000000000000000" pitchFamily="2" charset="0"/>
+                          <a:ea typeface="Roboto" panose="02000000000000000000" pitchFamily="2" charset="0"/>
+                        </a:rPr>
+                        <a:t>- </a:t>
+                      </a:r>
+                      <a:r>
+                        <a:rPr lang="en-US" sz="2400" u="none" strike="noStrike" dirty="0" err="1">
+                          <a:effectLst/>
+                          <a:latin typeface="Roboto" panose="02000000000000000000" pitchFamily="2" charset="0"/>
+                          <a:ea typeface="Roboto" panose="02000000000000000000" pitchFamily="2" charset="0"/>
+                        </a:rPr>
+                        <a:t>Phạm</a:t>
+                      </a:r>
+                      <a:r>
+                        <a:rPr lang="en-US" sz="2400" u="none" strike="noStrike" dirty="0">
+                          <a:effectLst/>
+                          <a:latin typeface="Roboto" panose="02000000000000000000" pitchFamily="2" charset="0"/>
+                          <a:ea typeface="Roboto" panose="02000000000000000000" pitchFamily="2" charset="0"/>
+                        </a:rPr>
+                        <a:t> </a:t>
+                      </a:r>
+                      <a:r>
+                        <a:rPr lang="en-US" sz="2400" u="none" strike="noStrike" dirty="0" err="1">
+                          <a:effectLst/>
+                          <a:latin typeface="Roboto" panose="02000000000000000000" pitchFamily="2" charset="0"/>
+                          <a:ea typeface="Roboto" panose="02000000000000000000" pitchFamily="2" charset="0"/>
+                        </a:rPr>
+                        <a:t>lỗi</a:t>
+                      </a:r>
+                      <a:r>
+                        <a:rPr lang="en-US" sz="2400" u="none" strike="noStrike" dirty="0">
+                          <a:effectLst/>
+                          <a:latin typeface="Roboto" panose="02000000000000000000" pitchFamily="2" charset="0"/>
+                          <a:ea typeface="Roboto" panose="02000000000000000000" pitchFamily="2" charset="0"/>
+                        </a:rPr>
+                        <a:t> -&gt; Penalty -&gt; </a:t>
+                      </a:r>
+                      <a:r>
+                        <a:rPr lang="en-US" sz="2400" u="none" strike="noStrike" dirty="0" err="1">
+                          <a:effectLst/>
+                          <a:latin typeface="Roboto" panose="02000000000000000000" pitchFamily="2" charset="0"/>
+                          <a:ea typeface="Roboto" panose="02000000000000000000" pitchFamily="2" charset="0"/>
+                        </a:rPr>
+                        <a:t>Bị</a:t>
+                      </a:r>
+                      <a:r>
+                        <a:rPr lang="en-US" sz="2400" u="none" strike="noStrike" dirty="0">
+                          <a:effectLst/>
+                          <a:latin typeface="Roboto" panose="02000000000000000000" pitchFamily="2" charset="0"/>
+                          <a:ea typeface="Roboto" panose="02000000000000000000" pitchFamily="2" charset="0"/>
+                        </a:rPr>
+                        <a:t> </a:t>
+                      </a:r>
+                      <a:r>
+                        <a:rPr lang="en-US" sz="2400" u="none" strike="noStrike" dirty="0" err="1">
+                          <a:effectLst/>
+                          <a:latin typeface="Roboto" panose="02000000000000000000" pitchFamily="2" charset="0"/>
+                          <a:ea typeface="Roboto" panose="02000000000000000000" pitchFamily="2" charset="0"/>
+                        </a:rPr>
+                        <a:t>thủ</a:t>
+                      </a:r>
+                      <a:r>
+                        <a:rPr lang="en-US" sz="2400" u="none" strike="noStrike" dirty="0">
+                          <a:effectLst/>
+                          <a:latin typeface="Roboto" panose="02000000000000000000" pitchFamily="2" charset="0"/>
+                          <a:ea typeface="Roboto" panose="02000000000000000000" pitchFamily="2" charset="0"/>
+                        </a:rPr>
+                        <a:t> </a:t>
+                      </a:r>
+                      <a:r>
+                        <a:rPr lang="en-US" sz="2400" u="none" strike="noStrike" dirty="0" err="1">
+                          <a:effectLst/>
+                          <a:latin typeface="Roboto" panose="02000000000000000000" pitchFamily="2" charset="0"/>
+                          <a:ea typeface="Roboto" panose="02000000000000000000" pitchFamily="2" charset="0"/>
+                        </a:rPr>
+                        <a:t>môn</a:t>
+                      </a:r>
+                      <a:r>
+                        <a:rPr lang="en-US" sz="2400" u="none" strike="noStrike" dirty="0">
+                          <a:effectLst/>
+                          <a:latin typeface="Roboto" panose="02000000000000000000" pitchFamily="2" charset="0"/>
+                          <a:ea typeface="Roboto" panose="02000000000000000000" pitchFamily="2" charset="0"/>
+                        </a:rPr>
+                        <a:t> </a:t>
+                      </a:r>
+                      <a:r>
+                        <a:rPr lang="en-US" sz="2400" u="none" strike="noStrike" dirty="0" err="1">
+                          <a:effectLst/>
+                          <a:latin typeface="Roboto" panose="02000000000000000000" pitchFamily="2" charset="0"/>
+                          <a:ea typeface="Roboto" panose="02000000000000000000" pitchFamily="2" charset="0"/>
+                        </a:rPr>
+                        <a:t>cản</a:t>
+                      </a:r>
+                      <a:r>
+                        <a:rPr lang="en-US" sz="2400" u="none" strike="noStrike" dirty="0">
+                          <a:effectLst/>
+                          <a:latin typeface="Roboto" panose="02000000000000000000" pitchFamily="2" charset="0"/>
+                          <a:ea typeface="Roboto" panose="02000000000000000000" pitchFamily="2" charset="0"/>
+                        </a:rPr>
+                        <a:t> </a:t>
+                      </a:r>
+                      <a:r>
+                        <a:rPr lang="en-US" sz="2400" u="none" strike="noStrike" dirty="0" err="1">
+                          <a:effectLst/>
+                          <a:latin typeface="Roboto" panose="02000000000000000000" pitchFamily="2" charset="0"/>
+                          <a:ea typeface="Roboto" panose="02000000000000000000" pitchFamily="2" charset="0"/>
+                        </a:rPr>
+                        <a:t>phá</a:t>
+                      </a:r>
+                      <a:r>
+                        <a:rPr lang="en-US" sz="2400" u="none" strike="noStrike" dirty="0">
+                          <a:effectLst/>
+                          <a:latin typeface="Roboto" panose="02000000000000000000" pitchFamily="2" charset="0"/>
+                          <a:ea typeface="Roboto" panose="02000000000000000000" pitchFamily="2" charset="0"/>
+                        </a:rPr>
+                        <a:t> (</a:t>
+                      </a:r>
+                      <a:r>
+                        <a:rPr lang="en-US" sz="2400" u="none" strike="noStrike" dirty="0" err="1">
+                          <a:effectLst/>
+                          <a:latin typeface="Roboto" panose="02000000000000000000" pitchFamily="2" charset="0"/>
+                          <a:ea typeface="Roboto" panose="02000000000000000000" pitchFamily="2" charset="0"/>
+                        </a:rPr>
+                        <a:t>Bóng</a:t>
+                      </a:r>
+                      <a:r>
+                        <a:rPr lang="en-US" sz="2400" u="none" strike="noStrike" dirty="0">
+                          <a:effectLst/>
+                          <a:latin typeface="Roboto" panose="02000000000000000000" pitchFamily="2" charset="0"/>
+                          <a:ea typeface="Roboto" panose="02000000000000000000" pitchFamily="2" charset="0"/>
+                        </a:rPr>
+                        <a:t> </a:t>
+                      </a:r>
+                      <a:r>
+                        <a:rPr lang="en-US" sz="2400" u="none" strike="noStrike" dirty="0" err="1">
+                          <a:effectLst/>
+                          <a:latin typeface="Roboto" panose="02000000000000000000" pitchFamily="2" charset="0"/>
+                          <a:ea typeface="Roboto" panose="02000000000000000000" pitchFamily="2" charset="0"/>
+                        </a:rPr>
+                        <a:t>chệch</a:t>
+                      </a:r>
+                      <a:r>
+                        <a:rPr lang="en-US" sz="2400" u="none" strike="noStrike" dirty="0">
+                          <a:effectLst/>
+                          <a:latin typeface="Roboto" panose="02000000000000000000" pitchFamily="2" charset="0"/>
+                          <a:ea typeface="Roboto" panose="02000000000000000000" pitchFamily="2" charset="0"/>
+                        </a:rPr>
+                        <a:t> </a:t>
+                      </a:r>
+                      <a:r>
+                        <a:rPr lang="en-US" sz="2400" u="none" strike="noStrike" dirty="0" err="1">
+                          <a:effectLst/>
+                          <a:latin typeface="Roboto" panose="02000000000000000000" pitchFamily="2" charset="0"/>
+                          <a:ea typeface="Roboto" panose="02000000000000000000" pitchFamily="2" charset="0"/>
+                        </a:rPr>
+                        <a:t>khung</a:t>
+                      </a:r>
+                      <a:r>
+                        <a:rPr lang="en-US" sz="2400" u="none" strike="noStrike" dirty="0">
+                          <a:effectLst/>
+                          <a:latin typeface="Roboto" panose="02000000000000000000" pitchFamily="2" charset="0"/>
+                          <a:ea typeface="Roboto" panose="02000000000000000000" pitchFamily="2" charset="0"/>
+                        </a:rPr>
+                        <a:t> </a:t>
+                      </a:r>
+                      <a:r>
+                        <a:rPr lang="en-US" sz="2400" u="none" strike="noStrike" dirty="0" err="1">
+                          <a:effectLst/>
+                          <a:latin typeface="Roboto" panose="02000000000000000000" pitchFamily="2" charset="0"/>
+                          <a:ea typeface="Roboto" panose="02000000000000000000" pitchFamily="2" charset="0"/>
+                        </a:rPr>
+                        <a:t>thành</a:t>
+                      </a:r>
+                      <a:r>
+                        <a:rPr lang="en-US" sz="2400" u="none" strike="noStrike" dirty="0">
+                          <a:effectLst/>
+                          <a:latin typeface="Roboto" panose="02000000000000000000" pitchFamily="2" charset="0"/>
+                          <a:ea typeface="Roboto" panose="02000000000000000000" pitchFamily="2" charset="0"/>
+                        </a:rPr>
+                        <a:t>)</a:t>
+                      </a:r>
+                      <a:endParaRPr lang="en-US" sz="2400" b="0" i="0" u="none" strike="noStrike" dirty="0">
+                        <a:solidFill>
+                          <a:srgbClr val="000000"/>
+                        </a:solidFill>
+                        <a:effectLst/>
+                        <a:latin typeface="Roboto" panose="02000000000000000000" pitchFamily="2" charset="0"/>
+                        <a:ea typeface="Roboto" panose="02000000000000000000" pitchFamily="2" charset="0"/>
+                      </a:endParaRPr>
+                    </a:p>
+                  </a:txBody>
+                  <a:tcPr marL="9525" marR="9525" marT="9525" marB="0" anchor="ctr"/>
+                </a:tc>
+                <a:tc>
+                  <a:txBody>
+                    <a:bodyPr/>
+                    <a:lstStyle/>
+                    <a:p>
+                      <a:pPr algn="l" fontAlgn="b"/>
+                      <a:r>
+                        <a:rPr lang="en-US" sz="2400" u="none" strike="noStrike">
+                          <a:effectLst/>
+                          <a:latin typeface="Roboto" panose="02000000000000000000" pitchFamily="2" charset="0"/>
+                          <a:ea typeface="Roboto" panose="02000000000000000000" pitchFamily="2" charset="0"/>
+                        </a:rPr>
+                        <a:t> </a:t>
+                      </a:r>
+                      <a:endParaRPr lang="en-US" sz="2400" b="0" i="0" u="none" strike="noStrike">
+                        <a:solidFill>
+                          <a:srgbClr val="000000"/>
+                        </a:solidFill>
+                        <a:effectLst/>
+                        <a:latin typeface="Roboto" panose="02000000000000000000" pitchFamily="2" charset="0"/>
+                        <a:ea typeface="Roboto" panose="02000000000000000000" pitchFamily="2" charset="0"/>
+                      </a:endParaRPr>
+                    </a:p>
+                  </a:txBody>
+                  <a:tcPr marL="9525" marR="9525" marT="9525" marB="0" anchor="ctr"/>
+                </a:tc>
+                <a:extLst>
+                  <a:ext uri="{0D108BD9-81ED-4DB2-BD59-A6C34878D82A}">
+                    <a16:rowId xmlns:a16="http://schemas.microsoft.com/office/drawing/2014/main" val="3457930145"/>
+                  </a:ext>
+                </a:extLst>
+              </a:tr>
+              <a:tr h="512064">
+                <a:tc>
+                  <a:txBody>
+                    <a:bodyPr/>
+                    <a:lstStyle/>
+                    <a:p>
+                      <a:pPr algn="ctr" fontAlgn="ctr"/>
+                      <a:r>
+                        <a:rPr lang="en-US" sz="2400" u="none" strike="noStrike" dirty="0">
+                          <a:effectLst/>
+                          <a:latin typeface="Roboto" panose="02000000000000000000" pitchFamily="2" charset="0"/>
+                          <a:ea typeface="Roboto" panose="02000000000000000000" pitchFamily="2" charset="0"/>
+                        </a:rPr>
+                        <a:t>5</a:t>
                       </a:r>
                       <a:endParaRPr lang="en-US" sz="2400" b="0" i="0" u="none" strike="noStrike" dirty="0">
                         <a:solidFill>
@@ -6818,427 +8797,12 @@
                     <a:p>
                       <a:pPr algn="l" fontAlgn="ctr"/>
                       <a:r>
-                        <a:rPr lang="en-US" sz="2400" u="none" strike="noStrike" dirty="0">
-                          <a:effectLst/>
-                        </a:rPr>
-                        <a:t>- </a:t>
-                      </a:r>
-                      <a:r>
-                        <a:rPr lang="en-US" sz="2400" u="none" strike="noStrike" dirty="0" err="1">
-                          <a:effectLst/>
-                        </a:rPr>
-                        <a:t>Chuyền</a:t>
-                      </a:r>
-                      <a:r>
-                        <a:rPr lang="en-US" sz="2400" u="none" strike="noStrike" dirty="0">
-                          <a:effectLst/>
-                        </a:rPr>
-                        <a:t> -&gt; </a:t>
-                      </a:r>
-                      <a:r>
-                        <a:rPr lang="en-US" sz="2400" u="none" strike="noStrike" dirty="0" err="1">
-                          <a:effectLst/>
-                        </a:rPr>
-                        <a:t>Sút</a:t>
-                      </a:r>
-                      <a:r>
-                        <a:rPr lang="en-US" sz="2400" u="none" strike="noStrike" dirty="0">
-                          <a:effectLst/>
-                        </a:rPr>
-                        <a:t> -&gt; </a:t>
-                      </a:r>
-                      <a:r>
-                        <a:rPr lang="en-US" sz="2400" u="none" strike="noStrike" dirty="0" err="1">
-                          <a:effectLst/>
-                        </a:rPr>
-                        <a:t>Bàn</a:t>
-                      </a:r>
-                      <a:r>
-                        <a:rPr lang="en-US" sz="2400" u="none" strike="noStrike" dirty="0">
-                          <a:effectLst/>
-                        </a:rPr>
-                        <a:t> </a:t>
-                      </a:r>
-                      <a:r>
-                        <a:rPr lang="en-US" sz="2400" u="none" strike="noStrike" dirty="0" err="1">
-                          <a:effectLst/>
-                        </a:rPr>
-                        <a:t>thắng</a:t>
-                      </a:r>
-                      <a:r>
-                        <a:rPr lang="en-US" sz="2400" u="none" strike="noStrike" dirty="0">
-                          <a:effectLst/>
-                        </a:rPr>
-                        <a:t/>
-                      </a:r>
-                      <a:br>
-                        <a:rPr lang="en-US" sz="2400" u="none" strike="noStrike" dirty="0">
-                          <a:effectLst/>
-                        </a:rPr>
-                      </a:br>
-                      <a:r>
-                        <a:rPr lang="en-US" sz="2400" u="none" strike="noStrike" dirty="0">
-                          <a:effectLst/>
-                        </a:rPr>
-                        <a:t>- </a:t>
-                      </a:r>
-                      <a:r>
-                        <a:rPr lang="en-US" sz="2400" u="none" strike="noStrike" dirty="0" err="1">
-                          <a:effectLst/>
-                        </a:rPr>
-                        <a:t>Phạt</a:t>
-                      </a:r>
-                      <a:r>
-                        <a:rPr lang="en-US" sz="2400" u="none" strike="noStrike" dirty="0">
-                          <a:effectLst/>
-                        </a:rPr>
-                        <a:t> </a:t>
-                      </a:r>
-                      <a:r>
-                        <a:rPr lang="en-US" sz="2400" u="none" strike="noStrike" dirty="0" err="1">
-                          <a:effectLst/>
-                        </a:rPr>
-                        <a:t>góc</a:t>
-                      </a:r>
-                      <a:r>
-                        <a:rPr lang="en-US" sz="2400" u="none" strike="noStrike" dirty="0">
-                          <a:effectLst/>
-                        </a:rPr>
-                        <a:t> -&gt; </a:t>
-                      </a:r>
-                      <a:r>
-                        <a:rPr lang="en-US" sz="2400" u="none" strike="noStrike" dirty="0" err="1">
-                          <a:effectLst/>
-                        </a:rPr>
-                        <a:t>Sút</a:t>
-                      </a:r>
-                      <a:r>
-                        <a:rPr lang="en-US" sz="2400" u="none" strike="noStrike" dirty="0">
-                          <a:effectLst/>
-                        </a:rPr>
-                        <a:t> (</a:t>
-                      </a:r>
-                      <a:r>
-                        <a:rPr lang="en-US" sz="2400" u="none" strike="noStrike" dirty="0" err="1">
-                          <a:effectLst/>
-                        </a:rPr>
-                        <a:t>đánh</a:t>
-                      </a:r>
-                      <a:r>
-                        <a:rPr lang="en-US" sz="2400" u="none" strike="noStrike" dirty="0">
-                          <a:effectLst/>
-                        </a:rPr>
-                        <a:t> </a:t>
-                      </a:r>
-                      <a:r>
-                        <a:rPr lang="en-US" sz="2400" u="none" strike="noStrike" dirty="0" err="1">
-                          <a:effectLst/>
-                        </a:rPr>
-                        <a:t>đầu</a:t>
-                      </a:r>
-                      <a:r>
-                        <a:rPr lang="en-US" sz="2400" u="none" strike="noStrike" dirty="0">
-                          <a:effectLst/>
-                        </a:rPr>
-                        <a:t>) -&gt; </a:t>
-                      </a:r>
-                      <a:r>
-                        <a:rPr lang="en-US" sz="2400" u="none" strike="noStrike" dirty="0" err="1">
-                          <a:effectLst/>
-                        </a:rPr>
-                        <a:t>Bàn</a:t>
-                      </a:r>
-                      <a:r>
-                        <a:rPr lang="en-US" sz="2400" u="none" strike="noStrike" dirty="0">
-                          <a:effectLst/>
-                        </a:rPr>
-                        <a:t> </a:t>
-                      </a:r>
-                      <a:r>
-                        <a:rPr lang="en-US" sz="2400" u="none" strike="noStrike" dirty="0" err="1">
-                          <a:effectLst/>
-                        </a:rPr>
-                        <a:t>thắng</a:t>
-                      </a:r>
-                      <a:r>
-                        <a:rPr lang="en-US" sz="2400" u="none" strike="noStrike" dirty="0">
-                          <a:effectLst/>
-                        </a:rPr>
-                        <a:t/>
-                      </a:r>
-                      <a:br>
-                        <a:rPr lang="en-US" sz="2400" u="none" strike="noStrike" dirty="0">
-                          <a:effectLst/>
-                        </a:rPr>
-                      </a:br>
-                      <a:r>
-                        <a:rPr lang="en-US" sz="2400" u="none" strike="noStrike" dirty="0">
-                          <a:effectLst/>
-                        </a:rPr>
-                        <a:t>- </a:t>
-                      </a:r>
-                      <a:r>
-                        <a:rPr lang="en-US" sz="2400" u="none" strike="noStrike" dirty="0" err="1">
-                          <a:effectLst/>
-                        </a:rPr>
-                        <a:t>Ném</a:t>
-                      </a:r>
-                      <a:r>
-                        <a:rPr lang="en-US" sz="2400" u="none" strike="noStrike" dirty="0">
-                          <a:effectLst/>
-                        </a:rPr>
-                        <a:t> </a:t>
-                      </a:r>
-                      <a:r>
-                        <a:rPr lang="en-US" sz="2400" u="none" strike="noStrike" dirty="0" err="1">
-                          <a:effectLst/>
-                        </a:rPr>
-                        <a:t>biên</a:t>
-                      </a:r>
-                      <a:r>
-                        <a:rPr lang="en-US" sz="2400" u="none" strike="noStrike" dirty="0">
-                          <a:effectLst/>
-                        </a:rPr>
-                        <a:t> -&gt; </a:t>
-                      </a:r>
-                      <a:r>
-                        <a:rPr lang="en-US" sz="2400" u="none" strike="noStrike" dirty="0" err="1">
-                          <a:effectLst/>
-                        </a:rPr>
-                        <a:t>Sút</a:t>
-                      </a:r>
-                      <a:r>
-                        <a:rPr lang="en-US" sz="2400" u="none" strike="noStrike" dirty="0">
-                          <a:effectLst/>
-                        </a:rPr>
-                        <a:t> (</a:t>
-                      </a:r>
-                      <a:r>
-                        <a:rPr lang="en-US" sz="2400" u="none" strike="noStrike" dirty="0" err="1">
-                          <a:effectLst/>
-                        </a:rPr>
-                        <a:t>đánh</a:t>
-                      </a:r>
-                      <a:r>
-                        <a:rPr lang="en-US" sz="2400" u="none" strike="noStrike" dirty="0">
-                          <a:effectLst/>
-                        </a:rPr>
-                        <a:t> </a:t>
-                      </a:r>
-                      <a:r>
-                        <a:rPr lang="en-US" sz="2400" u="none" strike="noStrike" dirty="0" err="1">
-                          <a:effectLst/>
-                        </a:rPr>
-                        <a:t>đầu</a:t>
-                      </a:r>
-                      <a:r>
-                        <a:rPr lang="en-US" sz="2400" u="none" strike="noStrike" dirty="0">
-                          <a:effectLst/>
-                        </a:rPr>
-                        <a:t>) -&gt; </a:t>
-                      </a:r>
-                      <a:r>
-                        <a:rPr lang="en-US" sz="2400" u="none" strike="noStrike" dirty="0" err="1">
-                          <a:effectLst/>
-                        </a:rPr>
-                        <a:t>Bàn</a:t>
-                      </a:r>
-                      <a:r>
-                        <a:rPr lang="en-US" sz="2400" u="none" strike="noStrike" dirty="0">
-                          <a:effectLst/>
-                        </a:rPr>
-                        <a:t> </a:t>
-                      </a:r>
-                      <a:r>
-                        <a:rPr lang="en-US" sz="2400" u="none" strike="noStrike" dirty="0" err="1">
-                          <a:effectLst/>
-                        </a:rPr>
-                        <a:t>thắng</a:t>
-                      </a:r>
-                      <a:r>
-                        <a:rPr lang="en-US" sz="2400" u="none" strike="noStrike" dirty="0">
-                          <a:effectLst/>
-                        </a:rPr>
-                        <a:t/>
-                      </a:r>
-                      <a:br>
-                        <a:rPr lang="en-US" sz="2400" u="none" strike="noStrike" dirty="0">
-                          <a:effectLst/>
-                        </a:rPr>
-                      </a:br>
-                      <a:r>
-                        <a:rPr lang="en-US" sz="2400" u="none" strike="noStrike" dirty="0">
-                          <a:effectLst/>
-                        </a:rPr>
-                        <a:t>- </a:t>
-                      </a:r>
-                      <a:r>
-                        <a:rPr lang="en-US" sz="2400" u="none" strike="noStrike" dirty="0" err="1">
-                          <a:effectLst/>
-                        </a:rPr>
-                        <a:t>Phạm</a:t>
-                      </a:r>
-                      <a:r>
-                        <a:rPr lang="en-US" sz="2400" u="none" strike="noStrike" dirty="0">
-                          <a:effectLst/>
-                        </a:rPr>
-                        <a:t> </a:t>
-                      </a:r>
-                      <a:r>
-                        <a:rPr lang="en-US" sz="2400" u="none" strike="noStrike" dirty="0" err="1">
-                          <a:effectLst/>
-                        </a:rPr>
-                        <a:t>lỗi</a:t>
-                      </a:r>
-                      <a:r>
-                        <a:rPr lang="en-US" sz="2400" u="none" strike="noStrike" dirty="0">
-                          <a:effectLst/>
-                        </a:rPr>
-                        <a:t> -&gt; </a:t>
-                      </a:r>
-                      <a:r>
-                        <a:rPr lang="en-US" sz="2400" u="none" strike="noStrike" dirty="0" err="1">
-                          <a:effectLst/>
-                        </a:rPr>
-                        <a:t>Phạt</a:t>
-                      </a:r>
-                      <a:r>
-                        <a:rPr lang="en-US" sz="2400" u="none" strike="noStrike" dirty="0">
-                          <a:effectLst/>
-                        </a:rPr>
-                        <a:t> </a:t>
-                      </a:r>
-                      <a:r>
-                        <a:rPr lang="en-US" sz="2400" u="none" strike="noStrike" dirty="0" err="1">
-                          <a:effectLst/>
-                        </a:rPr>
-                        <a:t>trực</a:t>
-                      </a:r>
-                      <a:r>
-                        <a:rPr lang="en-US" sz="2400" u="none" strike="noStrike" dirty="0">
-                          <a:effectLst/>
-                        </a:rPr>
-                        <a:t> </a:t>
-                      </a:r>
-                      <a:r>
-                        <a:rPr lang="en-US" sz="2400" u="none" strike="noStrike" dirty="0" err="1">
-                          <a:effectLst/>
-                        </a:rPr>
-                        <a:t>tiếp</a:t>
-                      </a:r>
-                      <a:r>
-                        <a:rPr lang="en-US" sz="2400" u="none" strike="noStrike" dirty="0">
-                          <a:effectLst/>
-                        </a:rPr>
-                        <a:t> -&gt; </a:t>
-                      </a:r>
-                      <a:r>
-                        <a:rPr lang="en-US" sz="2400" u="none" strike="noStrike" dirty="0" err="1">
-                          <a:effectLst/>
-                        </a:rPr>
-                        <a:t>Bàn</a:t>
-                      </a:r>
-                      <a:r>
-                        <a:rPr lang="en-US" sz="2400" u="none" strike="noStrike" dirty="0">
-                          <a:effectLst/>
-                        </a:rPr>
-                        <a:t> </a:t>
-                      </a:r>
-                      <a:r>
-                        <a:rPr lang="en-US" sz="2400" u="none" strike="noStrike" dirty="0" err="1">
-                          <a:effectLst/>
-                        </a:rPr>
-                        <a:t>thắng</a:t>
-                      </a:r>
-                      <a:r>
-                        <a:rPr lang="en-US" sz="2400" u="none" strike="noStrike" dirty="0">
-                          <a:effectLst/>
-                        </a:rPr>
-                        <a:t/>
-                      </a:r>
-                      <a:br>
-                        <a:rPr lang="en-US" sz="2400" u="none" strike="noStrike" dirty="0">
-                          <a:effectLst/>
-                        </a:rPr>
-                      </a:br>
-                      <a:r>
-                        <a:rPr lang="en-US" sz="2400" u="none" strike="noStrike" dirty="0">
-                          <a:effectLst/>
-                        </a:rPr>
-                        <a:t>- </a:t>
-                      </a:r>
-                      <a:r>
-                        <a:rPr lang="en-US" sz="2400" u="none" strike="noStrike" dirty="0" err="1">
-                          <a:effectLst/>
-                        </a:rPr>
-                        <a:t>Phạm</a:t>
-                      </a:r>
-                      <a:r>
-                        <a:rPr lang="en-US" sz="2400" u="none" strike="noStrike" dirty="0">
-                          <a:effectLst/>
-                        </a:rPr>
-                        <a:t> </a:t>
-                      </a:r>
-                      <a:r>
-                        <a:rPr lang="en-US" sz="2400" u="none" strike="noStrike" dirty="0" err="1">
-                          <a:effectLst/>
-                        </a:rPr>
-                        <a:t>lỗi</a:t>
-                      </a:r>
-                      <a:r>
-                        <a:rPr lang="en-US" sz="2400" u="none" strike="noStrike" dirty="0">
-                          <a:effectLst/>
-                        </a:rPr>
-                        <a:t> -&gt; Penalty -&gt; </a:t>
-                      </a:r>
-                      <a:r>
-                        <a:rPr lang="en-US" sz="2400" u="none" strike="noStrike" dirty="0" err="1">
-                          <a:effectLst/>
-                        </a:rPr>
-                        <a:t>Bàn</a:t>
-                      </a:r>
-                      <a:r>
-                        <a:rPr lang="en-US" sz="2400" u="none" strike="noStrike" dirty="0">
-                          <a:effectLst/>
-                        </a:rPr>
-                        <a:t> </a:t>
-                      </a:r>
-                      <a:r>
-                        <a:rPr lang="en-US" sz="2400" u="none" strike="noStrike" dirty="0" err="1">
-                          <a:effectLst/>
-                        </a:rPr>
-                        <a:t>thắng</a:t>
-                      </a:r>
-                      <a:endParaRPr lang="en-US" sz="2400" b="0" i="0" u="none" strike="noStrike" dirty="0">
-                        <a:solidFill>
-                          <a:srgbClr val="000000"/>
-                        </a:solidFill>
-                        <a:effectLst/>
-                        <a:latin typeface="Roboto" panose="02000000000000000000" pitchFamily="2" charset="0"/>
-                        <a:ea typeface="Roboto" panose="02000000000000000000" pitchFamily="2" charset="0"/>
-                      </a:endParaRPr>
-                    </a:p>
-                  </a:txBody>
-                  <a:tcPr marL="9525" marR="9525" marT="9525" marB="0" anchor="ctr"/>
-                </a:tc>
-                <a:extLst>
-                  <a:ext uri="{0D108BD9-81ED-4DB2-BD59-A6C34878D82A}">
-                    <a16:rowId xmlns:a16="http://schemas.microsoft.com/office/drawing/2014/main" val="4206782148"/>
-                  </a:ext>
-                </a:extLst>
-              </a:tr>
-              <a:tr h="495092">
-                <a:tc>
-                  <a:txBody>
-                    <a:bodyPr/>
-                    <a:lstStyle/>
-                    <a:p>
-                      <a:pPr algn="ctr" fontAlgn="ctr"/>
-                      <a:r>
                         <a:rPr lang="en-US" sz="2400" u="none" strike="noStrike">
                           <a:effectLst/>
-                        </a:rPr>
-                        <a:t>3</a:t>
+                          <a:latin typeface="Roboto" panose="02000000000000000000" pitchFamily="2" charset="0"/>
+                          <a:ea typeface="Roboto" panose="02000000000000000000" pitchFamily="2" charset="0"/>
+                        </a:rPr>
+                        <a:t>Phạm lỗi thẻ đỏ</a:t>
                       </a:r>
                       <a:endParaRPr lang="en-US" sz="2400" b="0" i="0" u="none" strike="noStrike">
                         <a:solidFill>
@@ -7261,8 +8825,10 @@
                       <a:r>
                         <a:rPr lang="en-US" sz="2400" u="none" strike="noStrike">
                           <a:effectLst/>
-                        </a:rPr>
-                        <a:t>Tấn công ghi bàn không hợp lệ</a:t>
+                          <a:latin typeface="Roboto" panose="02000000000000000000" pitchFamily="2" charset="0"/>
+                          <a:ea typeface="Roboto" panose="02000000000000000000" pitchFamily="2" charset="0"/>
+                        </a:rPr>
+                        <a:t>Phạm lỗi - Trọng tài rút thẻ đỏ</a:t>
                       </a:r>
                       <a:endParaRPr lang="en-US" sz="2400" b="0" i="0" u="none" strike="noStrike">
                         <a:solidFill>
@@ -7281,158 +8847,16 @@
                     <a:bodyPr/>
                     <a:lstStyle/>
                     <a:p>
-                      <a:pPr algn="l" fontAlgn="ctr"/>
-                      <a:r>
-                        <a:rPr lang="en-US" sz="2400" u="none" strike="noStrike" dirty="0" err="1">
-                          <a:effectLst/>
-                        </a:rPr>
-                        <a:t>Tấn</a:t>
-                      </a:r>
-                      <a:r>
-                        <a:rPr lang="en-US" sz="2400" u="none" strike="noStrike" dirty="0">
-                          <a:effectLst/>
-                        </a:rPr>
-                        <a:t> </a:t>
-                      </a:r>
-                      <a:r>
-                        <a:rPr lang="en-US" sz="2400" u="none" strike="noStrike" dirty="0" err="1">
-                          <a:effectLst/>
-                        </a:rPr>
-                        <a:t>công</a:t>
-                      </a:r>
-                      <a:r>
-                        <a:rPr lang="en-US" sz="2400" u="none" strike="noStrike" dirty="0">
-                          <a:effectLst/>
-                        </a:rPr>
-                        <a:t> </a:t>
-                      </a:r>
-                      <a:r>
-                        <a:rPr lang="en-US" sz="2400" u="none" strike="noStrike" dirty="0" err="1">
-                          <a:effectLst/>
-                        </a:rPr>
-                        <a:t>ghi</a:t>
-                      </a:r>
-                      <a:r>
-                        <a:rPr lang="en-US" sz="2400" u="none" strike="noStrike" dirty="0">
-                          <a:effectLst/>
-                        </a:rPr>
-                        <a:t> </a:t>
-                      </a:r>
-                      <a:r>
-                        <a:rPr lang="en-US" sz="2400" u="none" strike="noStrike" dirty="0" err="1">
-                          <a:effectLst/>
-                        </a:rPr>
-                        <a:t>bàn</a:t>
-                      </a:r>
-                      <a:r>
-                        <a:rPr lang="en-US" sz="2400" u="none" strike="noStrike" dirty="0">
-                          <a:effectLst/>
-                        </a:rPr>
-                        <a:t> -&gt; </a:t>
-                      </a:r>
-                      <a:r>
-                        <a:rPr lang="en-US" sz="2400" u="none" strike="noStrike" dirty="0" err="1">
-                          <a:effectLst/>
-                        </a:rPr>
-                        <a:t>Việt</a:t>
-                      </a:r>
-                      <a:r>
-                        <a:rPr lang="en-US" sz="2400" u="none" strike="noStrike" dirty="0">
-                          <a:effectLst/>
-                        </a:rPr>
-                        <a:t> </a:t>
-                      </a:r>
-                      <a:r>
-                        <a:rPr lang="en-US" sz="2400" u="none" strike="noStrike" dirty="0" err="1">
-                          <a:effectLst/>
-                        </a:rPr>
-                        <a:t>vị</a:t>
-                      </a:r>
-                      <a:r>
-                        <a:rPr lang="en-US" sz="2400" u="none" strike="noStrike" dirty="0">
-                          <a:effectLst/>
-                        </a:rPr>
-                        <a:t>, </a:t>
-                      </a:r>
-                      <a:r>
-                        <a:rPr lang="en-US" sz="2400" u="none" strike="noStrike" dirty="0" err="1">
-                          <a:effectLst/>
-                        </a:rPr>
-                        <a:t>phạm</a:t>
-                      </a:r>
-                      <a:r>
-                        <a:rPr lang="en-US" sz="2400" u="none" strike="noStrike" dirty="0">
-                          <a:effectLst/>
-                        </a:rPr>
-                        <a:t> </a:t>
-                      </a:r>
-                      <a:r>
-                        <a:rPr lang="en-US" sz="2400" u="none" strike="noStrike" dirty="0" err="1">
-                          <a:effectLst/>
-                        </a:rPr>
-                        <a:t>lỗi</a:t>
-                      </a:r>
-                      <a:r>
-                        <a:rPr lang="en-US" sz="2400" u="none" strike="noStrike" dirty="0">
-                          <a:effectLst/>
-                        </a:rPr>
-                        <a:t> -&gt; </a:t>
-                      </a:r>
-                      <a:r>
-                        <a:rPr lang="en-US" sz="2400" u="none" strike="noStrike" dirty="0" err="1">
-                          <a:effectLst/>
-                        </a:rPr>
-                        <a:t>Không</a:t>
-                      </a:r>
-                      <a:r>
-                        <a:rPr lang="en-US" sz="2400" u="none" strike="noStrike" dirty="0">
-                          <a:effectLst/>
-                        </a:rPr>
-                        <a:t> </a:t>
-                      </a:r>
-                      <a:r>
-                        <a:rPr lang="en-US" sz="2400" u="none" strike="noStrike" dirty="0" err="1">
-                          <a:effectLst/>
-                        </a:rPr>
-                        <a:t>công</a:t>
-                      </a:r>
-                      <a:r>
-                        <a:rPr lang="en-US" sz="2400" u="none" strike="noStrike" dirty="0">
-                          <a:effectLst/>
-                        </a:rPr>
-                        <a:t> </a:t>
-                      </a:r>
-                      <a:r>
-                        <a:rPr lang="en-US" sz="2400" u="none" strike="noStrike" dirty="0" err="1">
-                          <a:effectLst/>
-                        </a:rPr>
-                        <a:t>nhận</a:t>
-                      </a:r>
-                      <a:r>
-                        <a:rPr lang="en-US" sz="2400" u="none" strike="noStrike" dirty="0">
-                          <a:effectLst/>
-                        </a:rPr>
-                        <a:t> </a:t>
-                      </a:r>
-                      <a:r>
-                        <a:rPr lang="en-US" sz="2400" u="none" strike="noStrike" dirty="0" err="1">
-                          <a:effectLst/>
-                        </a:rPr>
-                        <a:t>bàn</a:t>
-                      </a:r>
-                      <a:r>
-                        <a:rPr lang="en-US" sz="2400" u="none" strike="noStrike" dirty="0">
-                          <a:effectLst/>
-                        </a:rPr>
-                        <a:t> </a:t>
-                      </a:r>
-                      <a:r>
-                        <a:rPr lang="en-US" sz="2400" u="none" strike="noStrike" dirty="0" err="1">
-                          <a:effectLst/>
-                        </a:rPr>
-                        <a:t>thắng</a:t>
-                      </a:r>
-                      <a:endParaRPr lang="en-US" sz="2400" b="0" i="0" u="none" strike="noStrike" dirty="0">
+                      <a:pPr algn="l" fontAlgn="b"/>
+                      <a:r>
+                        <a:rPr lang="en-US" sz="2400" u="none" strike="noStrike">
+                          <a:effectLst/>
+                          <a:latin typeface="Roboto" panose="02000000000000000000" pitchFamily="2" charset="0"/>
+                          <a:ea typeface="Roboto" panose="02000000000000000000" pitchFamily="2" charset="0"/>
+                        </a:rPr>
+                        <a:t> </a:t>
+                      </a:r>
+                      <a:endParaRPr lang="en-US" sz="2400" b="0" i="0" u="none" strike="noStrike">
                         <a:solidFill>
                           <a:srgbClr val="000000"/>
                         </a:solidFill>
@@ -7446,11 +8870,11 @@
                 </a:tc>
                 <a:extLst>
                   <a:ext uri="{0D108BD9-81ED-4DB2-BD59-A6C34878D82A}">
-                    <a16:rowId xmlns:a16="http://schemas.microsoft.com/office/drawing/2014/main" val="3656773874"/>
+                    <a16:rowId xmlns:a16="http://schemas.microsoft.com/office/drawing/2014/main" val="1502546422"/>
                   </a:ext>
                 </a:extLst>
               </a:tr>
-              <a:tr h="1791445">
+              <a:tr h="512064">
                 <a:tc>
                   <a:txBody>
                     <a:bodyPr/>
@@ -7458,70 +8882,12 @@
                     <a:p>
                       <a:pPr algn="ctr" fontAlgn="ctr"/>
                       <a:r>
-                        <a:rPr lang="en-US" sz="2400" u="none" strike="noStrike">
-                          <a:effectLst/>
-                        </a:rPr>
-                        <a:t>4</a:t>
-                      </a:r>
-                      <a:endParaRPr lang="en-US" sz="2400" b="0" i="0" u="none" strike="noStrike">
-                        <a:solidFill>
-                          <a:srgbClr val="000000"/>
-                        </a:solidFill>
-                        <a:effectLst/>
-                        <a:latin typeface="Roboto" panose="02000000000000000000" pitchFamily="2" charset="0"/>
-                        <a:ea typeface="Roboto" panose="02000000000000000000" pitchFamily="2" charset="0"/>
-                      </a:endParaRPr>
-                    </a:p>
-                  </a:txBody>
-                  <a:tcPr marL="9525" marR="9525" marT="9525" marB="0" anchor="ctr"/>
-                </a:tc>
-                <a:tc>
-                  <a:txBody>
-                    <a:bodyPr/>
-                    <a:lstStyle/>
-                    <a:p>
-                      <a:pPr algn="l" fontAlgn="ctr"/>
-                      <a:r>
-                        <a:rPr lang="en-US" sz="2400" u="none" strike="noStrike" dirty="0" err="1">
-                          <a:effectLst/>
-                        </a:rPr>
-                        <a:t>Tấn</a:t>
-                      </a:r>
-                      <a:r>
-                        <a:rPr lang="en-US" sz="2400" u="none" strike="noStrike" dirty="0">
-                          <a:effectLst/>
-                        </a:rPr>
-                        <a:t> </a:t>
-                      </a:r>
-                      <a:r>
-                        <a:rPr lang="en-US" sz="2400" u="none" strike="noStrike" dirty="0" err="1">
-                          <a:effectLst/>
-                        </a:rPr>
-                        <a:t>công</a:t>
-                      </a:r>
-                      <a:r>
-                        <a:rPr lang="en-US" sz="2400" u="none" strike="noStrike" dirty="0">
-                          <a:effectLst/>
-                        </a:rPr>
-                        <a:t> </a:t>
-                      </a:r>
-                      <a:r>
-                        <a:rPr lang="en-US" sz="2400" u="none" strike="noStrike" dirty="0" err="1">
-                          <a:effectLst/>
-                        </a:rPr>
-                        <a:t>nguy</a:t>
-                      </a:r>
-                      <a:r>
-                        <a:rPr lang="en-US" sz="2400" u="none" strike="noStrike" dirty="0">
-                          <a:effectLst/>
-                        </a:rPr>
-                        <a:t> </a:t>
-                      </a:r>
-                      <a:r>
-                        <a:rPr lang="en-US" sz="2400" u="none" strike="noStrike" dirty="0" err="1">
-                          <a:effectLst/>
-                        </a:rPr>
-                        <a:t>hiểm</a:t>
+                        <a:rPr lang="en-US" sz="2400" u="none" strike="noStrike" dirty="0">
+                          <a:effectLst/>
+                          <a:latin typeface="Roboto" panose="02000000000000000000" pitchFamily="2" charset="0"/>
+                          <a:ea typeface="Roboto" panose="02000000000000000000" pitchFamily="2" charset="0"/>
+                        </a:rPr>
+                        <a:t>6</a:t>
                       </a:r>
                       <a:endParaRPr lang="en-US" sz="2400" b="0" i="0" u="none" strike="noStrike" dirty="0">
                         <a:solidFill>
@@ -7542,988 +8908,60 @@
                     <a:p>
                       <a:pPr algn="l" fontAlgn="ctr"/>
                       <a:r>
-                        <a:rPr lang="en-US" sz="2400" u="none" strike="noStrike" dirty="0">
-                          <a:effectLst/>
-                        </a:rPr>
-                        <a:t>- </a:t>
-                      </a:r>
-                      <a:r>
-                        <a:rPr lang="en-US" sz="2400" u="none" strike="noStrike" dirty="0" err="1">
-                          <a:effectLst/>
-                        </a:rPr>
-                        <a:t>Chuyền</a:t>
-                      </a:r>
-                      <a:r>
-                        <a:rPr lang="en-US" sz="2400" u="none" strike="noStrike" dirty="0">
-                          <a:effectLst/>
-                        </a:rPr>
-                        <a:t>(</a:t>
-                      </a:r>
-                      <a:r>
-                        <a:rPr lang="en-US" sz="2400" u="none" strike="noStrike" dirty="0" err="1">
-                          <a:effectLst/>
-                        </a:rPr>
-                        <a:t>phạt</a:t>
-                      </a:r>
-                      <a:r>
-                        <a:rPr lang="en-US" sz="2400" u="none" strike="noStrike" dirty="0">
-                          <a:effectLst/>
+                        <a:rPr lang="en-US" sz="2400" u="none" strike="noStrike" dirty="0" err="1">
+                          <a:effectLst/>
+                          <a:latin typeface="Roboto" panose="02000000000000000000" pitchFamily="2" charset="0"/>
+                          <a:ea typeface="Roboto" panose="02000000000000000000" pitchFamily="2" charset="0"/>
+                        </a:rPr>
+                        <a:t>Phạm</a:t>
+                      </a:r>
+                      <a:r>
+                        <a:rPr lang="en-US" sz="2400" u="none" strike="noStrike" dirty="0">
+                          <a:effectLst/>
+                          <a:latin typeface="Roboto" panose="02000000000000000000" pitchFamily="2" charset="0"/>
+                          <a:ea typeface="Roboto" panose="02000000000000000000" pitchFamily="2" charset="0"/>
                         </a:rPr>
                         <a:t> </a:t>
                       </a:r>
                       <a:r>
                         <a:rPr lang="en-US" sz="2400" u="none" strike="noStrike" dirty="0" err="1">
                           <a:effectLst/>
-                        </a:rPr>
-                        <a:t>góc</a:t>
-                      </a:r>
-                      <a:r>
-                        <a:rPr lang="en-US" sz="2400" u="none" strike="noStrike" dirty="0">
-                          <a:effectLst/>
-                        </a:rPr>
-                        <a:t>, </a:t>
-                      </a:r>
-                      <a:r>
-                        <a:rPr lang="en-US" sz="2400" u="none" strike="noStrike" dirty="0" err="1">
-                          <a:effectLst/>
-                        </a:rPr>
-                        <a:t>ném</a:t>
-                      </a:r>
-                      <a:r>
-                        <a:rPr lang="en-US" sz="2400" u="none" strike="noStrike" dirty="0">
-                          <a:effectLst/>
+                          <a:latin typeface="Roboto" panose="02000000000000000000" pitchFamily="2" charset="0"/>
+                          <a:ea typeface="Roboto" panose="02000000000000000000" pitchFamily="2" charset="0"/>
+                        </a:rPr>
+                        <a:t>lỗi</a:t>
+                      </a:r>
+                      <a:r>
+                        <a:rPr lang="en-US" sz="2400" u="none" strike="noStrike" dirty="0">
+                          <a:effectLst/>
+                          <a:latin typeface="Roboto" panose="02000000000000000000" pitchFamily="2" charset="0"/>
+                          <a:ea typeface="Roboto" panose="02000000000000000000" pitchFamily="2" charset="0"/>
                         </a:rPr>
                         <a:t> </a:t>
                       </a:r>
                       <a:r>
                         <a:rPr lang="en-US" sz="2400" u="none" strike="noStrike" dirty="0" err="1">
                           <a:effectLst/>
-                        </a:rPr>
-                        <a:t>biên</a:t>
-                      </a:r>
-                      <a:r>
-                        <a:rPr lang="en-US" sz="2400" u="none" strike="noStrike" dirty="0">
-                          <a:effectLst/>
-                        </a:rPr>
-                        <a:t>) -&gt; </a:t>
-                      </a:r>
-                      <a:r>
-                        <a:rPr lang="en-US" sz="2400" u="none" strike="noStrike" dirty="0" err="1">
-                          <a:effectLst/>
-                        </a:rPr>
-                        <a:t>Sút</a:t>
-                      </a:r>
-                      <a:r>
-                        <a:rPr lang="en-US" sz="2400" u="none" strike="noStrike" dirty="0">
-                          <a:effectLst/>
-                        </a:rPr>
-                        <a:t> (</a:t>
-                      </a:r>
-                      <a:r>
-                        <a:rPr lang="en-US" sz="2400" u="none" strike="noStrike" dirty="0" err="1">
-                          <a:effectLst/>
-                        </a:rPr>
-                        <a:t>đánh</a:t>
-                      </a:r>
-                      <a:r>
-                        <a:rPr lang="en-US" sz="2400" u="none" strike="noStrike" dirty="0">
-                          <a:effectLst/>
+                          <a:latin typeface="Roboto" panose="02000000000000000000" pitchFamily="2" charset="0"/>
+                          <a:ea typeface="Roboto" panose="02000000000000000000" pitchFamily="2" charset="0"/>
+                        </a:rPr>
+                        <a:t>thẻ</a:t>
+                      </a:r>
+                      <a:r>
+                        <a:rPr lang="en-US" sz="2400" u="none" strike="noStrike" dirty="0">
+                          <a:effectLst/>
+                          <a:latin typeface="Roboto" panose="02000000000000000000" pitchFamily="2" charset="0"/>
+                          <a:ea typeface="Roboto" panose="02000000000000000000" pitchFamily="2" charset="0"/>
                         </a:rPr>
                         <a:t> </a:t>
                       </a:r>
                       <a:r>
                         <a:rPr lang="en-US" sz="2400" u="none" strike="noStrike" dirty="0" err="1">
                           <a:effectLst/>
-                        </a:rPr>
-                        <a:t>đầu</a:t>
-                      </a:r>
-                      <a:r>
-                        <a:rPr lang="en-US" sz="2400" u="none" strike="noStrike" dirty="0">
-                          <a:effectLst/>
-                        </a:rPr>
-                        <a:t>) -&gt; </a:t>
-                      </a:r>
-                      <a:r>
-                        <a:rPr lang="en-US" sz="2400" u="none" strike="noStrike" dirty="0" err="1">
-                          <a:effectLst/>
-                        </a:rPr>
-                        <a:t>Bị</a:t>
-                      </a:r>
-                      <a:r>
-                        <a:rPr lang="en-US" sz="2400" u="none" strike="noStrike" dirty="0">
-                          <a:effectLst/>
-                        </a:rPr>
-                        <a:t> </a:t>
-                      </a:r>
-                      <a:r>
-                        <a:rPr lang="en-US" sz="2400" u="none" strike="noStrike" dirty="0" err="1">
-                          <a:effectLst/>
-                        </a:rPr>
-                        <a:t>thủ</a:t>
-                      </a:r>
-                      <a:r>
-                        <a:rPr lang="en-US" sz="2400" u="none" strike="noStrike" dirty="0">
-                          <a:effectLst/>
-                        </a:rPr>
-                        <a:t> </a:t>
-                      </a:r>
-                      <a:r>
-                        <a:rPr lang="en-US" sz="2400" u="none" strike="noStrike" dirty="0" err="1">
-                          <a:effectLst/>
-                        </a:rPr>
-                        <a:t>môn</a:t>
-                      </a:r>
-                      <a:r>
-                        <a:rPr lang="en-US" sz="2400" u="none" strike="noStrike" dirty="0">
-                          <a:effectLst/>
-                        </a:rPr>
-                        <a:t> (</a:t>
-                      </a:r>
-                      <a:r>
-                        <a:rPr lang="en-US" sz="2400" u="none" strike="noStrike" dirty="0" err="1">
-                          <a:effectLst/>
-                        </a:rPr>
-                        <a:t>hậu</a:t>
-                      </a:r>
-                      <a:r>
-                        <a:rPr lang="en-US" sz="2400" u="none" strike="noStrike" dirty="0">
-                          <a:effectLst/>
-                        </a:rPr>
-                        <a:t> </a:t>
-                      </a:r>
-                      <a:r>
-                        <a:rPr lang="en-US" sz="2400" u="none" strike="noStrike" dirty="0" err="1">
-                          <a:effectLst/>
-                        </a:rPr>
-                        <a:t>vệ</a:t>
-                      </a:r>
-                      <a:r>
-                        <a:rPr lang="en-US" sz="2400" u="none" strike="noStrike" dirty="0">
-                          <a:effectLst/>
-                        </a:rPr>
-                        <a:t>) </a:t>
-                      </a:r>
-                      <a:r>
-                        <a:rPr lang="en-US" sz="2400" u="none" strike="noStrike" dirty="0" err="1">
-                          <a:effectLst/>
-                        </a:rPr>
-                        <a:t>cản</a:t>
-                      </a:r>
-                      <a:r>
-                        <a:rPr lang="en-US" sz="2400" u="none" strike="noStrike" dirty="0">
-                          <a:effectLst/>
-                        </a:rPr>
-                        <a:t> </a:t>
-                      </a:r>
-                      <a:r>
-                        <a:rPr lang="en-US" sz="2400" u="none" strike="noStrike" dirty="0" err="1">
-                          <a:effectLst/>
-                        </a:rPr>
-                        <a:t>phá</a:t>
-                      </a:r>
-                      <a:r>
-                        <a:rPr lang="en-US" sz="2400" u="none" strike="noStrike" dirty="0">
-                          <a:effectLst/>
-                        </a:rPr>
-                        <a:t/>
-                      </a:r>
-                      <a:br>
-                        <a:rPr lang="en-US" sz="2400" u="none" strike="noStrike" dirty="0">
-                          <a:effectLst/>
-                        </a:rPr>
-                      </a:br>
-                      <a:r>
-                        <a:rPr lang="en-US" sz="2400" u="none" strike="noStrike" dirty="0">
-                          <a:effectLst/>
-                        </a:rPr>
-                        <a:t>- </a:t>
-                      </a:r>
-                      <a:r>
-                        <a:rPr lang="en-US" sz="2400" u="none" strike="noStrike" dirty="0" err="1">
-                          <a:effectLst/>
-                        </a:rPr>
-                        <a:t>Chuyền</a:t>
-                      </a:r>
-                      <a:r>
-                        <a:rPr lang="en-US" sz="2400" u="none" strike="noStrike" dirty="0">
-                          <a:effectLst/>
-                        </a:rPr>
-                        <a:t>(</a:t>
-                      </a:r>
-                      <a:r>
-                        <a:rPr lang="en-US" sz="2400" u="none" strike="noStrike" dirty="0" err="1">
-                          <a:effectLst/>
-                        </a:rPr>
-                        <a:t>phạt</a:t>
-                      </a:r>
-                      <a:r>
-                        <a:rPr lang="en-US" sz="2400" u="none" strike="noStrike" dirty="0">
-                          <a:effectLst/>
-                        </a:rPr>
-                        <a:t> </a:t>
-                      </a:r>
-                      <a:r>
-                        <a:rPr lang="en-US" sz="2400" u="none" strike="noStrike" dirty="0" err="1">
-                          <a:effectLst/>
-                        </a:rPr>
-                        <a:t>góc</a:t>
-                      </a:r>
-                      <a:r>
-                        <a:rPr lang="en-US" sz="2400" u="none" strike="noStrike" dirty="0">
-                          <a:effectLst/>
-                        </a:rPr>
-                        <a:t>, </a:t>
-                      </a:r>
-                      <a:r>
-                        <a:rPr lang="en-US" sz="2400" u="none" strike="noStrike" dirty="0" err="1">
-                          <a:effectLst/>
-                        </a:rPr>
-                        <a:t>ném</a:t>
-                      </a:r>
-                      <a:r>
-                        <a:rPr lang="en-US" sz="2400" u="none" strike="noStrike" dirty="0">
-                          <a:effectLst/>
-                        </a:rPr>
-                        <a:t> </a:t>
-                      </a:r>
-                      <a:r>
-                        <a:rPr lang="en-US" sz="2400" u="none" strike="noStrike" dirty="0" err="1">
-                          <a:effectLst/>
-                        </a:rPr>
-                        <a:t>biên</a:t>
-                      </a:r>
-                      <a:r>
-                        <a:rPr lang="en-US" sz="2400" u="none" strike="noStrike" dirty="0">
-                          <a:effectLst/>
-                        </a:rPr>
-                        <a:t>) -&gt; </a:t>
-                      </a:r>
-                      <a:r>
-                        <a:rPr lang="en-US" sz="2400" u="none" strike="noStrike" dirty="0" err="1">
-                          <a:effectLst/>
-                        </a:rPr>
-                        <a:t>Sút</a:t>
-                      </a:r>
-                      <a:r>
-                        <a:rPr lang="en-US" sz="2400" u="none" strike="noStrike" dirty="0">
-                          <a:effectLst/>
-                        </a:rPr>
-                        <a:t> (</a:t>
-                      </a:r>
-                      <a:r>
-                        <a:rPr lang="en-US" sz="2400" u="none" strike="noStrike" dirty="0" err="1">
-                          <a:effectLst/>
-                        </a:rPr>
-                        <a:t>đánh</a:t>
-                      </a:r>
-                      <a:r>
-                        <a:rPr lang="en-US" sz="2400" u="none" strike="noStrike" dirty="0">
-                          <a:effectLst/>
-                        </a:rPr>
-                        <a:t> </a:t>
-                      </a:r>
-                      <a:r>
-                        <a:rPr lang="en-US" sz="2400" u="none" strike="noStrike" dirty="0" err="1">
-                          <a:effectLst/>
-                        </a:rPr>
-                        <a:t>đầu</a:t>
-                      </a:r>
-                      <a:r>
-                        <a:rPr lang="en-US" sz="2400" u="none" strike="noStrike" dirty="0">
-                          <a:effectLst/>
-                        </a:rPr>
-                        <a:t>) -&gt; </a:t>
-                      </a:r>
-                      <a:r>
-                        <a:rPr lang="en-US" sz="2400" u="none" strike="noStrike" dirty="0" err="1">
-                          <a:effectLst/>
-                        </a:rPr>
-                        <a:t>Bóng</a:t>
-                      </a:r>
-                      <a:r>
-                        <a:rPr lang="en-US" sz="2400" u="none" strike="noStrike" dirty="0">
-                          <a:effectLst/>
-                        </a:rPr>
-                        <a:t> </a:t>
-                      </a:r>
-                      <a:r>
-                        <a:rPr lang="en-US" sz="2400" u="none" strike="noStrike" dirty="0" err="1">
-                          <a:effectLst/>
-                        </a:rPr>
-                        <a:t>chệch</a:t>
-                      </a:r>
-                      <a:r>
-                        <a:rPr lang="en-US" sz="2400" u="none" strike="noStrike" dirty="0">
-                          <a:effectLst/>
-                        </a:rPr>
-                        <a:t> </a:t>
-                      </a:r>
-                      <a:r>
-                        <a:rPr lang="en-US" sz="2400" u="none" strike="noStrike" dirty="0" err="1">
-                          <a:effectLst/>
-                        </a:rPr>
-                        <a:t>khung</a:t>
-                      </a:r>
-                      <a:r>
-                        <a:rPr lang="en-US" sz="2400" u="none" strike="noStrike" dirty="0">
-                          <a:effectLst/>
-                        </a:rPr>
-                        <a:t> </a:t>
-                      </a:r>
-                      <a:r>
-                        <a:rPr lang="en-US" sz="2400" u="none" strike="noStrike" dirty="0" err="1">
-                          <a:effectLst/>
-                        </a:rPr>
-                        <a:t>thành</a:t>
-                      </a:r>
-                      <a:r>
-                        <a:rPr lang="en-US" sz="2400" u="none" strike="noStrike" dirty="0">
-                          <a:effectLst/>
-                        </a:rPr>
-                        <a:t/>
-                      </a:r>
-                      <a:br>
-                        <a:rPr lang="en-US" sz="2400" u="none" strike="noStrike" dirty="0">
-                          <a:effectLst/>
-                        </a:rPr>
-                      </a:br>
-                      <a:r>
-                        <a:rPr lang="en-US" sz="2400" u="none" strike="noStrike" dirty="0">
-                          <a:effectLst/>
-                        </a:rPr>
-                        <a:t>- </a:t>
-                      </a:r>
-                      <a:r>
-                        <a:rPr lang="en-US" sz="2400" u="none" strike="noStrike" dirty="0" err="1">
-                          <a:effectLst/>
-                        </a:rPr>
-                        <a:t>Phạm</a:t>
-                      </a:r>
-                      <a:r>
-                        <a:rPr lang="en-US" sz="2400" u="none" strike="noStrike" dirty="0">
-                          <a:effectLst/>
-                        </a:rPr>
-                        <a:t> </a:t>
-                      </a:r>
-                      <a:r>
-                        <a:rPr lang="en-US" sz="2400" u="none" strike="noStrike" dirty="0" err="1">
-                          <a:effectLst/>
-                        </a:rPr>
-                        <a:t>lỗi</a:t>
-                      </a:r>
-                      <a:r>
-                        <a:rPr lang="en-US" sz="2400" u="none" strike="noStrike" dirty="0">
-                          <a:effectLst/>
-                        </a:rPr>
-                        <a:t> -&gt; </a:t>
-                      </a:r>
-                      <a:r>
-                        <a:rPr lang="en-US" sz="2400" u="none" strike="noStrike" dirty="0" err="1">
-                          <a:effectLst/>
-                        </a:rPr>
-                        <a:t>Phạt</a:t>
-                      </a:r>
-                      <a:r>
-                        <a:rPr lang="en-US" sz="2400" u="none" strike="noStrike" dirty="0">
-                          <a:effectLst/>
-                        </a:rPr>
-                        <a:t> </a:t>
-                      </a:r>
-                      <a:r>
-                        <a:rPr lang="en-US" sz="2400" u="none" strike="noStrike" dirty="0" err="1">
-                          <a:effectLst/>
-                        </a:rPr>
-                        <a:t>trực</a:t>
-                      </a:r>
-                      <a:r>
-                        <a:rPr lang="en-US" sz="2400" u="none" strike="noStrike" dirty="0">
-                          <a:effectLst/>
-                        </a:rPr>
-                        <a:t> </a:t>
-                      </a:r>
-                      <a:r>
-                        <a:rPr lang="en-US" sz="2400" u="none" strike="noStrike" dirty="0" err="1">
-                          <a:effectLst/>
-                        </a:rPr>
-                        <a:t>tiếp</a:t>
-                      </a:r>
-                      <a:r>
-                        <a:rPr lang="en-US" sz="2400" u="none" strike="noStrike" dirty="0">
-                          <a:effectLst/>
-                        </a:rPr>
-                        <a:t> -&gt; </a:t>
-                      </a:r>
-                      <a:r>
-                        <a:rPr lang="en-US" sz="2400" u="none" strike="noStrike" dirty="0" err="1">
-                          <a:effectLst/>
-                        </a:rPr>
-                        <a:t>Bị</a:t>
-                      </a:r>
-                      <a:r>
-                        <a:rPr lang="en-US" sz="2400" u="none" strike="noStrike" dirty="0">
-                          <a:effectLst/>
-                        </a:rPr>
-                        <a:t> </a:t>
-                      </a:r>
-                      <a:r>
-                        <a:rPr lang="en-US" sz="2400" u="none" strike="noStrike" dirty="0" err="1">
-                          <a:effectLst/>
-                        </a:rPr>
-                        <a:t>thủ</a:t>
-                      </a:r>
-                      <a:r>
-                        <a:rPr lang="en-US" sz="2400" u="none" strike="noStrike" dirty="0">
-                          <a:effectLst/>
-                        </a:rPr>
-                        <a:t> </a:t>
-                      </a:r>
-                      <a:r>
-                        <a:rPr lang="en-US" sz="2400" u="none" strike="noStrike" dirty="0" err="1">
-                          <a:effectLst/>
-                        </a:rPr>
-                        <a:t>môn</a:t>
-                      </a:r>
-                      <a:r>
-                        <a:rPr lang="en-US" sz="2400" u="none" strike="noStrike" dirty="0">
-                          <a:effectLst/>
-                        </a:rPr>
-                        <a:t> </a:t>
-                      </a:r>
-                      <a:r>
-                        <a:rPr lang="en-US" sz="2400" u="none" strike="noStrike" dirty="0" err="1">
-                          <a:effectLst/>
-                        </a:rPr>
-                        <a:t>cản</a:t>
-                      </a:r>
-                      <a:r>
-                        <a:rPr lang="en-US" sz="2400" u="none" strike="noStrike" dirty="0">
-                          <a:effectLst/>
-                        </a:rPr>
-                        <a:t> </a:t>
-                      </a:r>
-                      <a:r>
-                        <a:rPr lang="en-US" sz="2400" u="none" strike="noStrike" dirty="0" err="1">
-                          <a:effectLst/>
-                        </a:rPr>
-                        <a:t>phá</a:t>
-                      </a:r>
-                      <a:r>
-                        <a:rPr lang="en-US" sz="2400" u="none" strike="noStrike" dirty="0">
-                          <a:effectLst/>
-                        </a:rPr>
-                        <a:t> (</a:t>
-                      </a:r>
-                      <a:r>
-                        <a:rPr lang="en-US" sz="2400" u="none" strike="noStrike" dirty="0" err="1">
-                          <a:effectLst/>
-                        </a:rPr>
-                        <a:t>Bóng</a:t>
-                      </a:r>
-                      <a:r>
-                        <a:rPr lang="en-US" sz="2400" u="none" strike="noStrike" dirty="0">
-                          <a:effectLst/>
-                        </a:rPr>
-                        <a:t> </a:t>
-                      </a:r>
-                      <a:r>
-                        <a:rPr lang="en-US" sz="2400" u="none" strike="noStrike" dirty="0" err="1">
-                          <a:effectLst/>
-                        </a:rPr>
-                        <a:t>chệch</a:t>
-                      </a:r>
-                      <a:r>
-                        <a:rPr lang="en-US" sz="2400" u="none" strike="noStrike" dirty="0">
-                          <a:effectLst/>
-                        </a:rPr>
-                        <a:t> </a:t>
-                      </a:r>
-                      <a:r>
-                        <a:rPr lang="en-US" sz="2400" u="none" strike="noStrike" dirty="0" err="1">
-                          <a:effectLst/>
-                        </a:rPr>
-                        <a:t>khung</a:t>
-                      </a:r>
-                      <a:r>
-                        <a:rPr lang="en-US" sz="2400" u="none" strike="noStrike" dirty="0">
-                          <a:effectLst/>
-                        </a:rPr>
-                        <a:t> </a:t>
-                      </a:r>
-                      <a:r>
-                        <a:rPr lang="en-US" sz="2400" u="none" strike="noStrike" dirty="0" err="1">
-                          <a:effectLst/>
-                        </a:rPr>
-                        <a:t>thành</a:t>
-                      </a:r>
-                      <a:r>
-                        <a:rPr lang="en-US" sz="2400" u="none" strike="noStrike" dirty="0">
-                          <a:effectLst/>
-                        </a:rPr>
-                        <a:t>)</a:t>
-                      </a:r>
-                      <a:br>
-                        <a:rPr lang="en-US" sz="2400" u="none" strike="noStrike" dirty="0">
-                          <a:effectLst/>
-                        </a:rPr>
-                      </a:br>
-                      <a:r>
-                        <a:rPr lang="en-US" sz="2400" u="none" strike="noStrike" dirty="0">
-                          <a:effectLst/>
-                        </a:rPr>
-                        <a:t>- </a:t>
-                      </a:r>
-                      <a:r>
-                        <a:rPr lang="en-US" sz="2400" u="none" strike="noStrike" dirty="0" err="1">
-                          <a:effectLst/>
-                        </a:rPr>
-                        <a:t>Phạm</a:t>
-                      </a:r>
-                      <a:r>
-                        <a:rPr lang="en-US" sz="2400" u="none" strike="noStrike" dirty="0">
-                          <a:effectLst/>
-                        </a:rPr>
-                        <a:t> </a:t>
-                      </a:r>
-                      <a:r>
-                        <a:rPr lang="en-US" sz="2400" u="none" strike="noStrike" dirty="0" err="1">
-                          <a:effectLst/>
-                        </a:rPr>
-                        <a:t>lỗi</a:t>
-                      </a:r>
-                      <a:r>
-                        <a:rPr lang="en-US" sz="2400" u="none" strike="noStrike" dirty="0">
-                          <a:effectLst/>
-                        </a:rPr>
-                        <a:t> -&gt; Penalty -&gt; </a:t>
-                      </a:r>
-                      <a:r>
-                        <a:rPr lang="en-US" sz="2400" u="none" strike="noStrike" dirty="0" err="1">
-                          <a:effectLst/>
-                        </a:rPr>
-                        <a:t>Bị</a:t>
-                      </a:r>
-                      <a:r>
-                        <a:rPr lang="en-US" sz="2400" u="none" strike="noStrike" dirty="0">
-                          <a:effectLst/>
-                        </a:rPr>
-                        <a:t> </a:t>
-                      </a:r>
-                      <a:r>
-                        <a:rPr lang="en-US" sz="2400" u="none" strike="noStrike" dirty="0" err="1">
-                          <a:effectLst/>
-                        </a:rPr>
-                        <a:t>thủ</a:t>
-                      </a:r>
-                      <a:r>
-                        <a:rPr lang="en-US" sz="2400" u="none" strike="noStrike" dirty="0">
-                          <a:effectLst/>
-                        </a:rPr>
-                        <a:t> </a:t>
-                      </a:r>
-                      <a:r>
-                        <a:rPr lang="en-US" sz="2400" u="none" strike="noStrike" dirty="0" err="1">
-                          <a:effectLst/>
-                        </a:rPr>
-                        <a:t>môn</a:t>
-                      </a:r>
-                      <a:r>
-                        <a:rPr lang="en-US" sz="2400" u="none" strike="noStrike" dirty="0">
-                          <a:effectLst/>
-                        </a:rPr>
-                        <a:t> </a:t>
-                      </a:r>
-                      <a:r>
-                        <a:rPr lang="en-US" sz="2400" u="none" strike="noStrike" dirty="0" err="1">
-                          <a:effectLst/>
-                        </a:rPr>
-                        <a:t>cản</a:t>
-                      </a:r>
-                      <a:r>
-                        <a:rPr lang="en-US" sz="2400" u="none" strike="noStrike" dirty="0">
-                          <a:effectLst/>
-                        </a:rPr>
-                        <a:t> </a:t>
-                      </a:r>
-                      <a:r>
-                        <a:rPr lang="en-US" sz="2400" u="none" strike="noStrike" dirty="0" err="1">
-                          <a:effectLst/>
-                        </a:rPr>
-                        <a:t>phá</a:t>
-                      </a:r>
-                      <a:r>
-                        <a:rPr lang="en-US" sz="2400" u="none" strike="noStrike" dirty="0">
-                          <a:effectLst/>
-                        </a:rPr>
-                        <a:t> (</a:t>
-                      </a:r>
-                      <a:r>
-                        <a:rPr lang="en-US" sz="2400" u="none" strike="noStrike" dirty="0" err="1">
-                          <a:effectLst/>
-                        </a:rPr>
-                        <a:t>Bóng</a:t>
-                      </a:r>
-                      <a:r>
-                        <a:rPr lang="en-US" sz="2400" u="none" strike="noStrike" dirty="0">
-                          <a:effectLst/>
-                        </a:rPr>
-                        <a:t> </a:t>
-                      </a:r>
-                      <a:r>
-                        <a:rPr lang="en-US" sz="2400" u="none" strike="noStrike" dirty="0" err="1">
-                          <a:effectLst/>
-                        </a:rPr>
-                        <a:t>chệch</a:t>
-                      </a:r>
-                      <a:r>
-                        <a:rPr lang="en-US" sz="2400" u="none" strike="noStrike" dirty="0">
-                          <a:effectLst/>
-                        </a:rPr>
-                        <a:t> </a:t>
-                      </a:r>
-                      <a:r>
-                        <a:rPr lang="en-US" sz="2400" u="none" strike="noStrike" dirty="0" err="1">
-                          <a:effectLst/>
-                        </a:rPr>
-                        <a:t>khung</a:t>
-                      </a:r>
-                      <a:r>
-                        <a:rPr lang="en-US" sz="2400" u="none" strike="noStrike" dirty="0">
-                          <a:effectLst/>
-                        </a:rPr>
-                        <a:t> </a:t>
-                      </a:r>
-                      <a:r>
-                        <a:rPr lang="en-US" sz="2400" u="none" strike="noStrike" dirty="0" err="1">
-                          <a:effectLst/>
-                        </a:rPr>
-                        <a:t>thành</a:t>
-                      </a:r>
-                      <a:r>
-                        <a:rPr lang="en-US" sz="2400" u="none" strike="noStrike" dirty="0">
-                          <a:effectLst/>
-                        </a:rPr>
-                        <a:t>)</a:t>
-                      </a:r>
-                      <a:endParaRPr lang="en-US" sz="2400" b="0" i="0" u="none" strike="noStrike" dirty="0">
-                        <a:solidFill>
-                          <a:srgbClr val="000000"/>
-                        </a:solidFill>
-                        <a:effectLst/>
-                        <a:latin typeface="Roboto" panose="02000000000000000000" pitchFamily="2" charset="0"/>
-                        <a:ea typeface="Roboto" panose="02000000000000000000" pitchFamily="2" charset="0"/>
-                      </a:endParaRPr>
-                    </a:p>
-                  </a:txBody>
-                  <a:tcPr marL="9525" marR="9525" marT="9525" marB="0" anchor="ctr"/>
-                </a:tc>
-                <a:extLst>
-                  <a:ext uri="{0D108BD9-81ED-4DB2-BD59-A6C34878D82A}">
-                    <a16:rowId xmlns:a16="http://schemas.microsoft.com/office/drawing/2014/main" val="3164284274"/>
-                  </a:ext>
-                </a:extLst>
-              </a:tr>
-              <a:tr h="190500">
-                <a:tc>
-                  <a:txBody>
-                    <a:bodyPr/>
-                    <a:lstStyle/>
-                    <a:p>
-                      <a:pPr algn="ctr" fontAlgn="ctr"/>
-                      <a:r>
-                        <a:rPr lang="en-US" sz="2400" u="none" strike="noStrike">
-                          <a:effectLst/>
-                        </a:rPr>
-                        <a:t>5</a:t>
-                      </a:r>
-                      <a:endParaRPr lang="en-US" sz="2400" b="0" i="0" u="none" strike="noStrike">
-                        <a:solidFill>
-                          <a:srgbClr val="000000"/>
-                        </a:solidFill>
-                        <a:effectLst/>
-                        <a:latin typeface="Roboto" panose="02000000000000000000" pitchFamily="2" charset="0"/>
-                        <a:ea typeface="Roboto" panose="02000000000000000000" pitchFamily="2" charset="0"/>
-                      </a:endParaRPr>
-                    </a:p>
-                  </a:txBody>
-                  <a:tcPr marL="9525" marR="9525" marT="9525" marB="0" anchor="ctr"/>
-                </a:tc>
-                <a:tc>
-                  <a:txBody>
-                    <a:bodyPr/>
-                    <a:lstStyle/>
-                    <a:p>
-                      <a:pPr algn="l" fontAlgn="ctr"/>
-                      <a:r>
-                        <a:rPr lang="en-US" sz="2400" u="none" strike="noStrike">
-                          <a:effectLst/>
-                        </a:rPr>
-                        <a:t>Phạm lỗi thẻ đỏ</a:t>
-                      </a:r>
-                      <a:endParaRPr lang="en-US" sz="2400" b="0" i="0" u="none" strike="noStrike">
-                        <a:solidFill>
-                          <a:srgbClr val="000000"/>
-                        </a:solidFill>
-                        <a:effectLst/>
-                        <a:latin typeface="Roboto" panose="02000000000000000000" pitchFamily="2" charset="0"/>
-                        <a:ea typeface="Roboto" panose="02000000000000000000" pitchFamily="2" charset="0"/>
-                      </a:endParaRPr>
-                    </a:p>
-                  </a:txBody>
-                  <a:tcPr marL="9525" marR="9525" marT="9525" marB="0" anchor="ctr"/>
-                </a:tc>
-                <a:tc>
-                  <a:txBody>
-                    <a:bodyPr/>
-                    <a:lstStyle/>
-                    <a:p>
-                      <a:pPr algn="l" fontAlgn="ctr"/>
-                      <a:r>
-                        <a:rPr lang="en-US" sz="2400" u="none" strike="noStrike">
-                          <a:effectLst/>
-                        </a:rPr>
-                        <a:t>Phạm lỗi - Trọng tài rút thẻ đỏ</a:t>
-                      </a:r>
-                      <a:endParaRPr lang="en-US" sz="2400" b="0" i="0" u="none" strike="noStrike">
-                        <a:solidFill>
-                          <a:srgbClr val="000000"/>
-                        </a:solidFill>
-                        <a:effectLst/>
-                        <a:latin typeface="Roboto" panose="02000000000000000000" pitchFamily="2" charset="0"/>
-                        <a:ea typeface="Roboto" panose="02000000000000000000" pitchFamily="2" charset="0"/>
-                      </a:endParaRPr>
-                    </a:p>
-                  </a:txBody>
-                  <a:tcPr marL="9525" marR="9525" marT="9525" marB="0" anchor="ctr"/>
-                </a:tc>
-                <a:extLst>
-                  <a:ext uri="{0D108BD9-81ED-4DB2-BD59-A6C34878D82A}">
-                    <a16:rowId xmlns:a16="http://schemas.microsoft.com/office/drawing/2014/main" val="782667918"/>
-                  </a:ext>
-                </a:extLst>
-              </a:tr>
-              <a:tr h="190500">
-                <a:tc>
-                  <a:txBody>
-                    <a:bodyPr/>
-                    <a:lstStyle/>
-                    <a:p>
-                      <a:pPr algn="ctr" fontAlgn="ctr"/>
-                      <a:r>
-                        <a:rPr lang="en-US" sz="2400" u="none" strike="noStrike">
-                          <a:effectLst/>
-                        </a:rPr>
-                        <a:t>6</a:t>
-                      </a:r>
-                      <a:endParaRPr lang="en-US" sz="2400" b="0" i="0" u="none" strike="noStrike">
-                        <a:solidFill>
-                          <a:srgbClr val="000000"/>
-                        </a:solidFill>
-                        <a:effectLst/>
-                        <a:latin typeface="Roboto" panose="02000000000000000000" pitchFamily="2" charset="0"/>
-                        <a:ea typeface="Roboto" panose="02000000000000000000" pitchFamily="2" charset="0"/>
-                      </a:endParaRPr>
-                    </a:p>
-                  </a:txBody>
-                  <a:tcPr marL="9525" marR="9525" marT="9525" marB="0" anchor="ctr"/>
-                </a:tc>
-                <a:tc>
-                  <a:txBody>
-                    <a:bodyPr/>
-                    <a:lstStyle/>
-                    <a:p>
-                      <a:pPr algn="l" fontAlgn="ctr"/>
-                      <a:r>
-                        <a:rPr lang="en-US" sz="2400" u="none" strike="noStrike">
-                          <a:effectLst/>
-                        </a:rPr>
-                        <a:t>Phạm lỗi thẻ vàng</a:t>
-                      </a:r>
-                      <a:endParaRPr lang="en-US" sz="2400" b="0" i="0" u="none" strike="noStrike">
-                        <a:solidFill>
-                          <a:srgbClr val="000000"/>
-                        </a:solidFill>
-                        <a:effectLst/>
-                        <a:latin typeface="Roboto" panose="02000000000000000000" pitchFamily="2" charset="0"/>
-                        <a:ea typeface="Roboto" panose="02000000000000000000" pitchFamily="2" charset="0"/>
-                      </a:endParaRPr>
-                    </a:p>
-                  </a:txBody>
-                  <a:tcPr marL="9525" marR="9525" marT="9525" marB="0" anchor="ctr"/>
-                </a:tc>
-                <a:tc>
-                  <a:txBody>
-                    <a:bodyPr/>
-                    <a:lstStyle/>
-                    <a:p>
-                      <a:pPr algn="l" fontAlgn="ctr"/>
-                      <a:r>
-                        <a:rPr lang="en-US" sz="2400" u="none" strike="noStrike" dirty="0" err="1">
-                          <a:effectLst/>
-                        </a:rPr>
-                        <a:t>Phạm</a:t>
-                      </a:r>
-                      <a:r>
-                        <a:rPr lang="en-US" sz="2400" u="none" strike="noStrike" dirty="0">
-                          <a:effectLst/>
-                        </a:rPr>
-                        <a:t> </a:t>
-                      </a:r>
-                      <a:r>
-                        <a:rPr lang="en-US" sz="2400" u="none" strike="noStrike" dirty="0" err="1">
-                          <a:effectLst/>
-                        </a:rPr>
-                        <a:t>lỗi</a:t>
-                      </a:r>
-                      <a:r>
-                        <a:rPr lang="en-US" sz="2400" u="none" strike="noStrike" dirty="0">
-                          <a:effectLst/>
-                        </a:rPr>
-                        <a:t> - </a:t>
-                      </a:r>
-                      <a:r>
-                        <a:rPr lang="en-US" sz="2400" u="none" strike="noStrike" dirty="0" err="1">
-                          <a:effectLst/>
-                        </a:rPr>
-                        <a:t>Trọng</a:t>
-                      </a:r>
-                      <a:r>
-                        <a:rPr lang="en-US" sz="2400" u="none" strike="noStrike" dirty="0">
-                          <a:effectLst/>
-                        </a:rPr>
-                        <a:t> </a:t>
-                      </a:r>
-                      <a:r>
-                        <a:rPr lang="en-US" sz="2400" u="none" strike="noStrike" dirty="0" err="1">
-                          <a:effectLst/>
-                        </a:rPr>
-                        <a:t>tài</a:t>
-                      </a:r>
-                      <a:r>
-                        <a:rPr lang="en-US" sz="2400" u="none" strike="noStrike" dirty="0">
-                          <a:effectLst/>
-                        </a:rPr>
-                        <a:t> </a:t>
-                      </a:r>
-                      <a:r>
-                        <a:rPr lang="en-US" sz="2400" u="none" strike="noStrike" dirty="0" err="1">
-                          <a:effectLst/>
-                        </a:rPr>
-                        <a:t>rút</a:t>
-                      </a:r>
-                      <a:r>
-                        <a:rPr lang="en-US" sz="2400" u="none" strike="noStrike" dirty="0">
-                          <a:effectLst/>
-                        </a:rPr>
-                        <a:t> </a:t>
-                      </a:r>
-                      <a:r>
-                        <a:rPr lang="en-US" sz="2400" u="none" strike="noStrike" dirty="0" err="1">
-                          <a:effectLst/>
-                        </a:rPr>
-                        <a:t>thẻ</a:t>
-                      </a:r>
-                      <a:r>
-                        <a:rPr lang="en-US" sz="2400" u="none" strike="noStrike" dirty="0">
-                          <a:effectLst/>
-                        </a:rPr>
-                        <a:t> </a:t>
-                      </a:r>
-                      <a:r>
-                        <a:rPr lang="en-US" sz="2400" u="none" strike="noStrike" dirty="0" err="1">
-                          <a:effectLst/>
+                          <a:latin typeface="Roboto" panose="02000000000000000000" pitchFamily="2" charset="0"/>
+                          <a:ea typeface="Roboto" panose="02000000000000000000" pitchFamily="2" charset="0"/>
                         </a:rPr>
                         <a:t>vàng</a:t>
-                      </a:r>
-                      <a:endParaRPr lang="en-US" sz="2400" b="0" i="0" u="none" strike="noStrike" dirty="0">
-                        <a:solidFill>
-                          <a:srgbClr val="000000"/>
-                        </a:solidFill>
-                        <a:effectLst/>
-                        <a:latin typeface="Roboto" panose="02000000000000000000" pitchFamily="2" charset="0"/>
-                        <a:ea typeface="Roboto" panose="02000000000000000000" pitchFamily="2" charset="0"/>
-                      </a:endParaRPr>
-                    </a:p>
-                  </a:txBody>
-                  <a:tcPr marL="9525" marR="9525" marT="9525" marB="0" anchor="ctr"/>
-                </a:tc>
-                <a:extLst>
-                  <a:ext uri="{0D108BD9-81ED-4DB2-BD59-A6C34878D82A}">
-                    <a16:rowId xmlns:a16="http://schemas.microsoft.com/office/drawing/2014/main" val="2601130076"/>
-                  </a:ext>
-                </a:extLst>
-              </a:tr>
-              <a:tr h="190500">
-                <a:tc>
-                  <a:txBody>
-                    <a:bodyPr/>
-                    <a:lstStyle/>
-                    <a:p>
-                      <a:pPr algn="ctr" fontAlgn="ctr"/>
-                      <a:r>
-                        <a:rPr lang="en-US" sz="2400" u="none" strike="noStrike">
-                          <a:effectLst/>
-                        </a:rPr>
-                        <a:t>7</a:t>
-                      </a:r>
-                      <a:endParaRPr lang="en-US" sz="2400" b="0" i="0" u="none" strike="noStrike">
-                        <a:solidFill>
-                          <a:srgbClr val="000000"/>
-                        </a:solidFill>
-                        <a:effectLst/>
-                        <a:latin typeface="Roboto" panose="02000000000000000000" pitchFamily="2" charset="0"/>
-                        <a:ea typeface="Roboto" panose="02000000000000000000" pitchFamily="2" charset="0"/>
-                      </a:endParaRPr>
-                    </a:p>
-                  </a:txBody>
-                  <a:tcPr marL="9525" marR="9525" marT="9525" marB="0" anchor="ctr"/>
-                </a:tc>
-                <a:tc>
-                  <a:txBody>
-                    <a:bodyPr/>
-                    <a:lstStyle/>
-                    <a:p>
-                      <a:pPr algn="l" fontAlgn="ctr"/>
-                      <a:r>
-                        <a:rPr lang="en-US" sz="2400" u="none" strike="noStrike" dirty="0" err="1">
-                          <a:effectLst/>
-                        </a:rPr>
-                        <a:t>Biểu</a:t>
-                      </a:r>
-                      <a:r>
-                        <a:rPr lang="en-US" sz="2400" u="none" strike="noStrike" dirty="0">
-                          <a:effectLst/>
-                        </a:rPr>
-                        <a:t> </a:t>
-                      </a:r>
-                      <a:r>
-                        <a:rPr lang="en-US" sz="2400" u="none" strike="noStrike" dirty="0" err="1">
-                          <a:effectLst/>
-                        </a:rPr>
-                        <a:t>diễn</a:t>
-                      </a:r>
-                      <a:r>
-                        <a:rPr lang="en-US" sz="2400" u="none" strike="noStrike" dirty="0">
-                          <a:effectLst/>
-                        </a:rPr>
-                        <a:t> </a:t>
-                      </a:r>
-                      <a:r>
-                        <a:rPr lang="en-US" sz="2400" u="none" strike="noStrike" dirty="0" err="1">
-                          <a:effectLst/>
-                        </a:rPr>
-                        <a:t>kỹ</a:t>
-                      </a:r>
-                      <a:r>
-                        <a:rPr lang="en-US" sz="2400" u="none" strike="noStrike" dirty="0">
-                          <a:effectLst/>
-                        </a:rPr>
-                        <a:t> </a:t>
-                      </a:r>
-                      <a:r>
-                        <a:rPr lang="en-US" sz="2400" u="none" strike="noStrike" dirty="0" err="1">
-                          <a:effectLst/>
-                        </a:rPr>
-                        <a:t>năng</a:t>
                       </a:r>
                       <a:endParaRPr lang="en-US" sz="2400" b="0" i="0" u="none" strike="noStrike" dirty="0">
                         <a:solidFill>
@@ -8544,8 +8982,132 @@
                     <a:p>
                       <a:pPr algn="l" fontAlgn="ctr"/>
                       <a:r>
-                        <a:rPr lang="en-US" sz="2400" u="none" strike="noStrike" dirty="0">
-                          <a:effectLst/>
+                        <a:rPr lang="en-US" sz="2400" u="none" strike="noStrike" dirty="0" err="1">
+                          <a:effectLst/>
+                          <a:latin typeface="Roboto" panose="02000000000000000000" pitchFamily="2" charset="0"/>
+                          <a:ea typeface="Roboto" panose="02000000000000000000" pitchFamily="2" charset="0"/>
+                        </a:rPr>
+                        <a:t>Phạm</a:t>
+                      </a:r>
+                      <a:r>
+                        <a:rPr lang="en-US" sz="2400" u="none" strike="noStrike" dirty="0">
+                          <a:effectLst/>
+                          <a:latin typeface="Roboto" panose="02000000000000000000" pitchFamily="2" charset="0"/>
+                          <a:ea typeface="Roboto" panose="02000000000000000000" pitchFamily="2" charset="0"/>
+                        </a:rPr>
+                        <a:t> </a:t>
+                      </a:r>
+                      <a:r>
+                        <a:rPr lang="en-US" sz="2400" u="none" strike="noStrike" dirty="0" err="1">
+                          <a:effectLst/>
+                          <a:latin typeface="Roboto" panose="02000000000000000000" pitchFamily="2" charset="0"/>
+                          <a:ea typeface="Roboto" panose="02000000000000000000" pitchFamily="2" charset="0"/>
+                        </a:rPr>
+                        <a:t>lỗi</a:t>
+                      </a:r>
+                      <a:r>
+                        <a:rPr lang="en-US" sz="2400" u="none" strike="noStrike" dirty="0">
+                          <a:effectLst/>
+                          <a:latin typeface="Roboto" panose="02000000000000000000" pitchFamily="2" charset="0"/>
+                          <a:ea typeface="Roboto" panose="02000000000000000000" pitchFamily="2" charset="0"/>
+                        </a:rPr>
+                        <a:t> - </a:t>
+                      </a:r>
+                      <a:r>
+                        <a:rPr lang="en-US" sz="2400" u="none" strike="noStrike" dirty="0" err="1">
+                          <a:effectLst/>
+                          <a:latin typeface="Roboto" panose="02000000000000000000" pitchFamily="2" charset="0"/>
+                          <a:ea typeface="Roboto" panose="02000000000000000000" pitchFamily="2" charset="0"/>
+                        </a:rPr>
+                        <a:t>Trọng</a:t>
+                      </a:r>
+                      <a:r>
+                        <a:rPr lang="en-US" sz="2400" u="none" strike="noStrike" dirty="0">
+                          <a:effectLst/>
+                          <a:latin typeface="Roboto" panose="02000000000000000000" pitchFamily="2" charset="0"/>
+                          <a:ea typeface="Roboto" panose="02000000000000000000" pitchFamily="2" charset="0"/>
+                        </a:rPr>
+                        <a:t> </a:t>
+                      </a:r>
+                      <a:r>
+                        <a:rPr lang="en-US" sz="2400" u="none" strike="noStrike" dirty="0" err="1">
+                          <a:effectLst/>
+                          <a:latin typeface="Roboto" panose="02000000000000000000" pitchFamily="2" charset="0"/>
+                          <a:ea typeface="Roboto" panose="02000000000000000000" pitchFamily="2" charset="0"/>
+                        </a:rPr>
+                        <a:t>tài</a:t>
+                      </a:r>
+                      <a:r>
+                        <a:rPr lang="en-US" sz="2400" u="none" strike="noStrike" dirty="0">
+                          <a:effectLst/>
+                          <a:latin typeface="Roboto" panose="02000000000000000000" pitchFamily="2" charset="0"/>
+                          <a:ea typeface="Roboto" panose="02000000000000000000" pitchFamily="2" charset="0"/>
+                        </a:rPr>
+                        <a:t> </a:t>
+                      </a:r>
+                      <a:r>
+                        <a:rPr lang="en-US" sz="2400" u="none" strike="noStrike" dirty="0" err="1">
+                          <a:effectLst/>
+                          <a:latin typeface="Roboto" panose="02000000000000000000" pitchFamily="2" charset="0"/>
+                          <a:ea typeface="Roboto" panose="02000000000000000000" pitchFamily="2" charset="0"/>
+                        </a:rPr>
+                        <a:t>rút</a:t>
+                      </a:r>
+                      <a:r>
+                        <a:rPr lang="en-US" sz="2400" u="none" strike="noStrike" dirty="0">
+                          <a:effectLst/>
+                          <a:latin typeface="Roboto" panose="02000000000000000000" pitchFamily="2" charset="0"/>
+                          <a:ea typeface="Roboto" panose="02000000000000000000" pitchFamily="2" charset="0"/>
+                        </a:rPr>
+                        <a:t> </a:t>
+                      </a:r>
+                      <a:r>
+                        <a:rPr lang="en-US" sz="2400" u="none" strike="noStrike" dirty="0" err="1">
+                          <a:effectLst/>
+                          <a:latin typeface="Roboto" panose="02000000000000000000" pitchFamily="2" charset="0"/>
+                          <a:ea typeface="Roboto" panose="02000000000000000000" pitchFamily="2" charset="0"/>
+                        </a:rPr>
+                        <a:t>thẻ</a:t>
+                      </a:r>
+                      <a:r>
+                        <a:rPr lang="en-US" sz="2400" u="none" strike="noStrike" dirty="0">
+                          <a:effectLst/>
+                          <a:latin typeface="Roboto" panose="02000000000000000000" pitchFamily="2" charset="0"/>
+                          <a:ea typeface="Roboto" panose="02000000000000000000" pitchFamily="2" charset="0"/>
+                        </a:rPr>
+                        <a:t> </a:t>
+                      </a:r>
+                      <a:r>
+                        <a:rPr lang="en-US" sz="2400" u="none" strike="noStrike" dirty="0" err="1">
+                          <a:effectLst/>
+                          <a:latin typeface="Roboto" panose="02000000000000000000" pitchFamily="2" charset="0"/>
+                          <a:ea typeface="Roboto" panose="02000000000000000000" pitchFamily="2" charset="0"/>
+                        </a:rPr>
+                        <a:t>vàng</a:t>
+                      </a:r>
+                      <a:endParaRPr lang="en-US" sz="2400" b="0" i="0" u="none" strike="noStrike" dirty="0">
+                        <a:solidFill>
+                          <a:srgbClr val="000000"/>
+                        </a:solidFill>
+                        <a:effectLst/>
+                        <a:latin typeface="Roboto" panose="02000000000000000000" pitchFamily="2" charset="0"/>
+                        <a:ea typeface="Roboto" panose="02000000000000000000" pitchFamily="2" charset="0"/>
+                      </a:endParaRPr>
+                    </a:p>
+                  </a:txBody>
+                  <a:tcPr marL="9525" marR="9525" marT="9525" marB="0" anchor="ctr"/>
+                </a:tc>
+                <a:tc>
+                  <a:txBody>
+                    <a:bodyPr/>
+                    <a:lstStyle/>
+                    <a:p>
+                      <a:pPr algn="l" fontAlgn="b"/>
+                      <a:r>
+                        <a:rPr lang="en-US" sz="2400" u="none" strike="noStrike" dirty="0">
+                          <a:effectLst/>
+                          <a:latin typeface="Roboto" panose="02000000000000000000" pitchFamily="2" charset="0"/>
+                          <a:ea typeface="Roboto" panose="02000000000000000000" pitchFamily="2" charset="0"/>
                         </a:rPr>
                         <a:t> </a:t>
                       </a:r>
@@ -8563,7 +9125,277 @@
                 </a:tc>
                 <a:extLst>
                   <a:ext uri="{0D108BD9-81ED-4DB2-BD59-A6C34878D82A}">
-                    <a16:rowId xmlns:a16="http://schemas.microsoft.com/office/drawing/2014/main" val="2523648012"/>
+                    <a16:rowId xmlns:a16="http://schemas.microsoft.com/office/drawing/2014/main" val="4250685660"/>
+                  </a:ext>
+                </a:extLst>
+              </a:tr>
+              <a:tr h="512064">
+                <a:tc>
+                  <a:txBody>
+                    <a:bodyPr/>
+                    <a:lstStyle/>
+                    <a:p>
+                      <a:pPr algn="ctr" fontAlgn="ctr"/>
+                      <a:r>
+                        <a:rPr lang="en-US" sz="2400" u="none" strike="noStrike" dirty="0">
+                          <a:effectLst/>
+                          <a:latin typeface="Roboto" panose="02000000000000000000" pitchFamily="2" charset="0"/>
+                          <a:ea typeface="Roboto" panose="02000000000000000000" pitchFamily="2" charset="0"/>
+                        </a:rPr>
+                        <a:t>7</a:t>
+                      </a:r>
+                      <a:endParaRPr lang="en-US" sz="2400" b="0" i="0" u="none" strike="noStrike" dirty="0">
+                        <a:solidFill>
+                          <a:srgbClr val="000000"/>
+                        </a:solidFill>
+                        <a:effectLst/>
+                        <a:latin typeface="Roboto" panose="02000000000000000000" pitchFamily="2" charset="0"/>
+                        <a:ea typeface="Roboto" panose="02000000000000000000" pitchFamily="2" charset="0"/>
+                      </a:endParaRPr>
+                    </a:p>
+                  </a:txBody>
+                  <a:tcPr marL="9525" marR="9525" marT="9525" marB="0" anchor="ctr"/>
+                </a:tc>
+                <a:tc>
+                  <a:txBody>
+                    <a:bodyPr/>
+                    <a:lstStyle/>
+                    <a:p>
+                      <a:pPr algn="l" fontAlgn="ctr"/>
+                      <a:r>
+                        <a:rPr lang="vi-VN" sz="2400" u="none" strike="noStrike" dirty="0">
+                          <a:effectLst/>
+                          <a:latin typeface="Roboto" panose="02000000000000000000" pitchFamily="2" charset="0"/>
+                          <a:ea typeface="Roboto" panose="02000000000000000000" pitchFamily="2" charset="0"/>
+                        </a:rPr>
+                        <a:t>Thay người</a:t>
+                      </a:r>
+                      <a:endParaRPr lang="vi-VN" sz="2400" b="0" i="0" u="none" strike="noStrike" dirty="0">
+                        <a:solidFill>
+                          <a:srgbClr val="000000"/>
+                        </a:solidFill>
+                        <a:effectLst/>
+                        <a:latin typeface="Roboto" panose="02000000000000000000" pitchFamily="2" charset="0"/>
+                        <a:ea typeface="Roboto" panose="02000000000000000000" pitchFamily="2" charset="0"/>
+                      </a:endParaRPr>
+                    </a:p>
+                  </a:txBody>
+                  <a:tcPr marL="9525" marR="9525" marT="9525" marB="0" anchor="ctr"/>
+                </a:tc>
+                <a:tc>
+                  <a:txBody>
+                    <a:bodyPr/>
+                    <a:lstStyle/>
+                    <a:p>
+                      <a:pPr algn="l" fontAlgn="ctr"/>
+                      <a:r>
+                        <a:rPr lang="en-US" sz="2400" u="none" strike="noStrike" dirty="0">
+                          <a:effectLst/>
+                          <a:latin typeface="Roboto" panose="02000000000000000000" pitchFamily="2" charset="0"/>
+                          <a:ea typeface="Roboto" panose="02000000000000000000" pitchFamily="2" charset="0"/>
+                        </a:rPr>
+                        <a:t> </a:t>
+                      </a:r>
+                      <a:endParaRPr lang="en-US" sz="2400" b="0" i="0" u="none" strike="noStrike" dirty="0">
+                        <a:solidFill>
+                          <a:srgbClr val="000000"/>
+                        </a:solidFill>
+                        <a:effectLst/>
+                        <a:latin typeface="Roboto" panose="02000000000000000000" pitchFamily="2" charset="0"/>
+                        <a:ea typeface="Roboto" panose="02000000000000000000" pitchFamily="2" charset="0"/>
+                      </a:endParaRPr>
+                    </a:p>
+                  </a:txBody>
+                  <a:tcPr marL="9525" marR="9525" marT="9525" marB="0" anchor="ctr"/>
+                </a:tc>
+                <a:tc>
+                  <a:txBody>
+                    <a:bodyPr/>
+                    <a:lstStyle/>
+                    <a:p>
+                      <a:pPr algn="l" fontAlgn="b"/>
+                      <a:r>
+                        <a:rPr lang="en-US" sz="2400" u="none" strike="noStrike" dirty="0">
+                          <a:effectLst/>
+                          <a:latin typeface="Roboto" panose="02000000000000000000" pitchFamily="2" charset="0"/>
+                          <a:ea typeface="Roboto" panose="02000000000000000000" pitchFamily="2" charset="0"/>
+                        </a:rPr>
+                        <a:t> </a:t>
+                      </a:r>
+                      <a:endParaRPr lang="en-US" sz="2400" b="0" i="0" u="none" strike="noStrike" dirty="0">
+                        <a:solidFill>
+                          <a:srgbClr val="000000"/>
+                        </a:solidFill>
+                        <a:effectLst/>
+                        <a:latin typeface="Roboto" panose="02000000000000000000" pitchFamily="2" charset="0"/>
+                        <a:ea typeface="Roboto" panose="02000000000000000000" pitchFamily="2" charset="0"/>
+                      </a:endParaRPr>
+                    </a:p>
+                  </a:txBody>
+                  <a:tcPr marL="9525" marR="9525" marT="9525" marB="0" anchor="ctr"/>
+                </a:tc>
+                <a:extLst>
+                  <a:ext uri="{0D108BD9-81ED-4DB2-BD59-A6C34878D82A}">
+                    <a16:rowId xmlns:a16="http://schemas.microsoft.com/office/drawing/2014/main" val="883752452"/>
+                  </a:ext>
+                </a:extLst>
+              </a:tr>
+              <a:tr h="512064">
+                <a:tc>
+                  <a:txBody>
+                    <a:bodyPr/>
+                    <a:lstStyle/>
+                    <a:p>
+                      <a:pPr algn="ctr" fontAlgn="ctr"/>
+                      <a:r>
+                        <a:rPr lang="en-US" sz="2400" u="none" strike="noStrike" dirty="0">
+                          <a:effectLst/>
+                          <a:latin typeface="Roboto" panose="02000000000000000000" pitchFamily="2" charset="0"/>
+                          <a:ea typeface="Roboto" panose="02000000000000000000" pitchFamily="2" charset="0"/>
+                        </a:rPr>
+                        <a:t>8</a:t>
+                      </a:r>
+                      <a:endParaRPr lang="en-US" sz="2400" b="0" i="0" u="none" strike="noStrike" dirty="0">
+                        <a:solidFill>
+                          <a:srgbClr val="000000"/>
+                        </a:solidFill>
+                        <a:effectLst/>
+                        <a:latin typeface="Roboto" panose="02000000000000000000" pitchFamily="2" charset="0"/>
+                        <a:ea typeface="Roboto" panose="02000000000000000000" pitchFamily="2" charset="0"/>
+                      </a:endParaRPr>
+                    </a:p>
+                  </a:txBody>
+                  <a:tcPr marL="9525" marR="9525" marT="9525" marB="0" anchor="ctr"/>
+                </a:tc>
+                <a:tc>
+                  <a:txBody>
+                    <a:bodyPr/>
+                    <a:lstStyle/>
+                    <a:p>
+                      <a:pPr algn="l" fontAlgn="ctr"/>
+                      <a:r>
+                        <a:rPr lang="en-US" sz="2400" u="none" strike="noStrike" dirty="0" err="1">
+                          <a:effectLst/>
+                          <a:latin typeface="Roboto" panose="02000000000000000000" pitchFamily="2" charset="0"/>
+                          <a:ea typeface="Roboto" panose="02000000000000000000" pitchFamily="2" charset="0"/>
+                        </a:rPr>
+                        <a:t>Biểu</a:t>
+                      </a:r>
+                      <a:r>
+                        <a:rPr lang="en-US" sz="2400" u="none" strike="noStrike" dirty="0">
+                          <a:effectLst/>
+                          <a:latin typeface="Roboto" panose="02000000000000000000" pitchFamily="2" charset="0"/>
+                          <a:ea typeface="Roboto" panose="02000000000000000000" pitchFamily="2" charset="0"/>
+                        </a:rPr>
+                        <a:t> </a:t>
+                      </a:r>
+                      <a:r>
+                        <a:rPr lang="en-US" sz="2400" u="none" strike="noStrike" dirty="0" err="1">
+                          <a:effectLst/>
+                          <a:latin typeface="Roboto" panose="02000000000000000000" pitchFamily="2" charset="0"/>
+                          <a:ea typeface="Roboto" panose="02000000000000000000" pitchFamily="2" charset="0"/>
+                        </a:rPr>
+                        <a:t>diễn</a:t>
+                      </a:r>
+                      <a:r>
+                        <a:rPr lang="en-US" sz="2400" u="none" strike="noStrike" dirty="0">
+                          <a:effectLst/>
+                          <a:latin typeface="Roboto" panose="02000000000000000000" pitchFamily="2" charset="0"/>
+                          <a:ea typeface="Roboto" panose="02000000000000000000" pitchFamily="2" charset="0"/>
+                        </a:rPr>
+                        <a:t> </a:t>
+                      </a:r>
+                      <a:r>
+                        <a:rPr lang="en-US" sz="2400" u="none" strike="noStrike" dirty="0" err="1">
+                          <a:effectLst/>
+                          <a:latin typeface="Roboto" panose="02000000000000000000" pitchFamily="2" charset="0"/>
+                          <a:ea typeface="Roboto" panose="02000000000000000000" pitchFamily="2" charset="0"/>
+                        </a:rPr>
+                        <a:t>kỹ</a:t>
+                      </a:r>
+                      <a:r>
+                        <a:rPr lang="en-US" sz="2400" u="none" strike="noStrike" dirty="0">
+                          <a:effectLst/>
+                          <a:latin typeface="Roboto" panose="02000000000000000000" pitchFamily="2" charset="0"/>
+                          <a:ea typeface="Roboto" panose="02000000000000000000" pitchFamily="2" charset="0"/>
+                        </a:rPr>
+                        <a:t> </a:t>
+                      </a:r>
+                      <a:r>
+                        <a:rPr lang="en-US" sz="2400" u="none" strike="noStrike" dirty="0" err="1">
+                          <a:effectLst/>
+                          <a:latin typeface="Roboto" panose="02000000000000000000" pitchFamily="2" charset="0"/>
+                          <a:ea typeface="Roboto" panose="02000000000000000000" pitchFamily="2" charset="0"/>
+                        </a:rPr>
+                        <a:t>năng</a:t>
+                      </a:r>
+                      <a:endParaRPr lang="en-US" sz="2400" b="0" i="0" u="none" strike="noStrike" dirty="0">
+                        <a:solidFill>
+                          <a:srgbClr val="000000"/>
+                        </a:solidFill>
+                        <a:effectLst/>
+                        <a:latin typeface="Roboto" panose="02000000000000000000" pitchFamily="2" charset="0"/>
+                        <a:ea typeface="Roboto" panose="02000000000000000000" pitchFamily="2" charset="0"/>
+                      </a:endParaRPr>
+                    </a:p>
+                  </a:txBody>
+                  <a:tcPr marL="9525" marR="9525" marT="9525" marB="0" anchor="ctr"/>
+                </a:tc>
+                <a:tc>
+                  <a:txBody>
+                    <a:bodyPr/>
+                    <a:lstStyle/>
+                    <a:p>
+                      <a:pPr algn="l" fontAlgn="ctr"/>
+                      <a:r>
+                        <a:rPr lang="en-US" sz="2400" u="none" strike="noStrike" dirty="0">
+                          <a:effectLst/>
+                          <a:latin typeface="Roboto" panose="02000000000000000000" pitchFamily="2" charset="0"/>
+                          <a:ea typeface="Roboto" panose="02000000000000000000" pitchFamily="2" charset="0"/>
+                        </a:rPr>
+                        <a:t> </a:t>
+                      </a:r>
+                      <a:endParaRPr lang="en-US" sz="2400" b="0" i="0" u="none" strike="noStrike" dirty="0">
+                        <a:solidFill>
+                          <a:srgbClr val="000000"/>
+                        </a:solidFill>
+                        <a:effectLst/>
+                        <a:latin typeface="Roboto" panose="02000000000000000000" pitchFamily="2" charset="0"/>
+                        <a:ea typeface="Roboto" panose="02000000000000000000" pitchFamily="2" charset="0"/>
+                      </a:endParaRPr>
+                    </a:p>
+                  </a:txBody>
+                  <a:tcPr marL="9525" marR="9525" marT="9525" marB="0" anchor="ctr"/>
+                </a:tc>
+                <a:tc>
+                  <a:txBody>
+                    <a:bodyPr/>
+                    <a:lstStyle/>
+                    <a:p>
+                      <a:pPr algn="l" fontAlgn="b"/>
+                      <a:r>
+                        <a:rPr lang="en-US" sz="2400" u="none" strike="noStrike" dirty="0">
+                          <a:effectLst/>
+                          <a:latin typeface="Roboto" panose="02000000000000000000" pitchFamily="2" charset="0"/>
+                          <a:ea typeface="Roboto" panose="02000000000000000000" pitchFamily="2" charset="0"/>
+                        </a:rPr>
+                        <a:t> </a:t>
+                      </a:r>
+                      <a:endParaRPr lang="en-US" sz="2400" b="0" i="0" u="none" strike="noStrike" dirty="0">
+                        <a:solidFill>
+                          <a:srgbClr val="000000"/>
+                        </a:solidFill>
+                        <a:effectLst/>
+                        <a:latin typeface="Roboto" panose="02000000000000000000" pitchFamily="2" charset="0"/>
+                        <a:ea typeface="Roboto" panose="02000000000000000000" pitchFamily="2" charset="0"/>
+                      </a:endParaRPr>
+                    </a:p>
+                  </a:txBody>
+                  <a:tcPr marL="9525" marR="9525" marT="9525" marB="0" anchor="ctr"/>
+                </a:tc>
+                <a:extLst>
+                  <a:ext uri="{0D108BD9-81ED-4DB2-BD59-A6C34878D82A}">
+                    <a16:rowId xmlns:a16="http://schemas.microsoft.com/office/drawing/2014/main" val="2862103826"/>
                   </a:ext>
                 </a:extLst>
               </a:tr>
@@ -8571,6 +9403,342 @@
           </a:graphicData>
         </a:graphic>
       </p:graphicFrame>
+      <p:sp>
+        <p:nvSpPr>
+          <p:cNvPr id="5" name="Action Button: Movie 4">
+            <a:hlinkClick r:id="rId3" action="ppaction://hlinkfile" highlightClick="1"/>
+          </p:cNvPr>
+          <p:cNvSpPr/>
+          <p:nvPr/>
+        </p:nvSpPr>
+        <p:spPr>
+          <a:xfrm>
+            <a:off x="16202024" y="2051255"/>
+            <a:ext cx="865271" cy="414338"/>
+          </a:xfrm>
+          <a:prstGeom prst="actionButtonMovie">
+            <a:avLst/>
+          </a:prstGeom>
+        </p:spPr>
+        <p:style>
+          <a:lnRef idx="2">
+            <a:schemeClr val="accent1">
+              <a:shade val="50000"/>
+            </a:schemeClr>
+          </a:lnRef>
+          <a:fillRef idx="1">
+            <a:schemeClr val="accent1"/>
+          </a:fillRef>
+          <a:effectRef idx="0">
+            <a:schemeClr val="accent1"/>
+          </a:effectRef>
+          <a:fontRef idx="minor">
+            <a:schemeClr val="lt1"/>
+          </a:fontRef>
+        </p:style>
+        <p:txBody>
+          <a:bodyPr rtlCol="0" anchor="ctr"/>
+          <a:lstStyle/>
+          <a:p>
+            <a:pPr algn="ctr"/>
+            <a:endParaRPr lang="en-US"/>
+          </a:p>
+        </p:txBody>
+      </p:sp>
+      <p:sp>
+        <p:nvSpPr>
+          <p:cNvPr id="12" name="Action Button: Movie 11">
+            <a:hlinkClick r:id="" action="ppaction://noaction" highlightClick="1"/>
+          </p:cNvPr>
+          <p:cNvSpPr/>
+          <p:nvPr/>
+        </p:nvSpPr>
+        <p:spPr>
+          <a:xfrm>
+            <a:off x="16202024" y="3335614"/>
+            <a:ext cx="865271" cy="414338"/>
+          </a:xfrm>
+          <a:prstGeom prst="actionButtonMovie">
+            <a:avLst/>
+          </a:prstGeom>
+        </p:spPr>
+        <p:style>
+          <a:lnRef idx="2">
+            <a:schemeClr val="accent1">
+              <a:shade val="50000"/>
+            </a:schemeClr>
+          </a:lnRef>
+          <a:fillRef idx="1">
+            <a:schemeClr val="accent1"/>
+          </a:fillRef>
+          <a:effectRef idx="0">
+            <a:schemeClr val="accent1"/>
+          </a:effectRef>
+          <a:fontRef idx="minor">
+            <a:schemeClr val="lt1"/>
+          </a:fontRef>
+        </p:style>
+        <p:txBody>
+          <a:bodyPr rtlCol="0" anchor="ctr"/>
+          <a:lstStyle/>
+          <a:p>
+            <a:pPr algn="ctr"/>
+            <a:endParaRPr lang="en-US"/>
+          </a:p>
+        </p:txBody>
+      </p:sp>
+      <p:sp>
+        <p:nvSpPr>
+          <p:cNvPr id="13" name="Action Button: Movie 12">
+            <a:hlinkClick r:id="" action="ppaction://noaction" highlightClick="1"/>
+          </p:cNvPr>
+          <p:cNvSpPr/>
+          <p:nvPr/>
+        </p:nvSpPr>
+        <p:spPr>
+          <a:xfrm>
+            <a:off x="16202024" y="4720952"/>
+            <a:ext cx="865271" cy="414338"/>
+          </a:xfrm>
+          <a:prstGeom prst="actionButtonMovie">
+            <a:avLst/>
+          </a:prstGeom>
+        </p:spPr>
+        <p:style>
+          <a:lnRef idx="2">
+            <a:schemeClr val="accent1">
+              <a:shade val="50000"/>
+            </a:schemeClr>
+          </a:lnRef>
+          <a:fillRef idx="1">
+            <a:schemeClr val="accent1"/>
+          </a:fillRef>
+          <a:effectRef idx="0">
+            <a:schemeClr val="accent1"/>
+          </a:effectRef>
+          <a:fontRef idx="minor">
+            <a:schemeClr val="lt1"/>
+          </a:fontRef>
+        </p:style>
+        <p:txBody>
+          <a:bodyPr rtlCol="0" anchor="ctr"/>
+          <a:lstStyle/>
+          <a:p>
+            <a:pPr algn="ctr"/>
+            <a:endParaRPr lang="en-US"/>
+          </a:p>
+        </p:txBody>
+      </p:sp>
+      <p:sp>
+        <p:nvSpPr>
+          <p:cNvPr id="14" name="Action Button: Movie 13">
+            <a:hlinkClick r:id="" action="ppaction://noaction" highlightClick="1"/>
+          </p:cNvPr>
+          <p:cNvSpPr/>
+          <p:nvPr/>
+        </p:nvSpPr>
+        <p:spPr>
+          <a:xfrm>
+            <a:off x="16202024" y="5938078"/>
+            <a:ext cx="865271" cy="414338"/>
+          </a:xfrm>
+          <a:prstGeom prst="actionButtonMovie">
+            <a:avLst/>
+          </a:prstGeom>
+        </p:spPr>
+        <p:style>
+          <a:lnRef idx="2">
+            <a:schemeClr val="accent1">
+              <a:shade val="50000"/>
+            </a:schemeClr>
+          </a:lnRef>
+          <a:fillRef idx="1">
+            <a:schemeClr val="accent1"/>
+          </a:fillRef>
+          <a:effectRef idx="0">
+            <a:schemeClr val="accent1"/>
+          </a:effectRef>
+          <a:fontRef idx="minor">
+            <a:schemeClr val="lt1"/>
+          </a:fontRef>
+        </p:style>
+        <p:txBody>
+          <a:bodyPr rtlCol="0" anchor="ctr"/>
+          <a:lstStyle/>
+          <a:p>
+            <a:pPr algn="ctr"/>
+            <a:endParaRPr lang="en-US"/>
+          </a:p>
+        </p:txBody>
+      </p:sp>
+      <p:sp>
+        <p:nvSpPr>
+          <p:cNvPr id="15" name="Action Button: Movie 14">
+            <a:hlinkClick r:id="" action="ppaction://noaction" highlightClick="1"/>
+          </p:cNvPr>
+          <p:cNvSpPr/>
+          <p:nvPr/>
+        </p:nvSpPr>
+        <p:spPr>
+          <a:xfrm>
+            <a:off x="16202024" y="7061990"/>
+            <a:ext cx="865271" cy="414338"/>
+          </a:xfrm>
+          <a:prstGeom prst="actionButtonMovie">
+            <a:avLst/>
+          </a:prstGeom>
+        </p:spPr>
+        <p:style>
+          <a:lnRef idx="2">
+            <a:schemeClr val="accent1">
+              <a:shade val="50000"/>
+            </a:schemeClr>
+          </a:lnRef>
+          <a:fillRef idx="1">
+            <a:schemeClr val="accent1"/>
+          </a:fillRef>
+          <a:effectRef idx="0">
+            <a:schemeClr val="accent1"/>
+          </a:effectRef>
+          <a:fontRef idx="minor">
+            <a:schemeClr val="lt1"/>
+          </a:fontRef>
+        </p:style>
+        <p:txBody>
+          <a:bodyPr rtlCol="0" anchor="ctr"/>
+          <a:lstStyle/>
+          <a:p>
+            <a:pPr algn="ctr"/>
+            <a:endParaRPr lang="en-US"/>
+          </a:p>
+        </p:txBody>
+      </p:sp>
+      <p:sp>
+        <p:nvSpPr>
+          <p:cNvPr id="16" name="Action Button: Movie 15">
+            <a:hlinkClick r:id="" action="ppaction://noaction" highlightClick="1"/>
+          </p:cNvPr>
+          <p:cNvSpPr/>
+          <p:nvPr/>
+        </p:nvSpPr>
+        <p:spPr>
+          <a:xfrm>
+            <a:off x="16202024" y="7571427"/>
+            <a:ext cx="865271" cy="414338"/>
+          </a:xfrm>
+          <a:prstGeom prst="actionButtonMovie">
+            <a:avLst/>
+          </a:prstGeom>
+        </p:spPr>
+        <p:style>
+          <a:lnRef idx="2">
+            <a:schemeClr val="accent1">
+              <a:shade val="50000"/>
+            </a:schemeClr>
+          </a:lnRef>
+          <a:fillRef idx="1">
+            <a:schemeClr val="accent1"/>
+          </a:fillRef>
+          <a:effectRef idx="0">
+            <a:schemeClr val="accent1"/>
+          </a:effectRef>
+          <a:fontRef idx="minor">
+            <a:schemeClr val="lt1"/>
+          </a:fontRef>
+        </p:style>
+        <p:txBody>
+          <a:bodyPr rtlCol="0" anchor="ctr"/>
+          <a:lstStyle/>
+          <a:p>
+            <a:pPr algn="ctr"/>
+            <a:endParaRPr lang="en-US"/>
+          </a:p>
+        </p:txBody>
+      </p:sp>
+      <p:sp>
+        <p:nvSpPr>
+          <p:cNvPr id="17" name="Action Button: Movie 16">
+            <a:hlinkClick r:id="" action="ppaction://noaction" highlightClick="1"/>
+          </p:cNvPr>
+          <p:cNvSpPr/>
+          <p:nvPr/>
+        </p:nvSpPr>
+        <p:spPr>
+          <a:xfrm>
+            <a:off x="16202024" y="8095713"/>
+            <a:ext cx="865271" cy="414338"/>
+          </a:xfrm>
+          <a:prstGeom prst="actionButtonMovie">
+            <a:avLst/>
+          </a:prstGeom>
+        </p:spPr>
+        <p:style>
+          <a:lnRef idx="2">
+            <a:schemeClr val="accent1">
+              <a:shade val="50000"/>
+            </a:schemeClr>
+          </a:lnRef>
+          <a:fillRef idx="1">
+            <a:schemeClr val="accent1"/>
+          </a:fillRef>
+          <a:effectRef idx="0">
+            <a:schemeClr val="accent1"/>
+          </a:effectRef>
+          <a:fontRef idx="minor">
+            <a:schemeClr val="lt1"/>
+          </a:fontRef>
+        </p:style>
+        <p:txBody>
+          <a:bodyPr rtlCol="0" anchor="ctr"/>
+          <a:lstStyle/>
+          <a:p>
+            <a:pPr algn="ctr"/>
+            <a:endParaRPr lang="en-US"/>
+          </a:p>
+        </p:txBody>
+      </p:sp>
+      <p:sp>
+        <p:nvSpPr>
+          <p:cNvPr id="18" name="Action Button: Movie 17">
+            <a:hlinkClick r:id="" action="ppaction://noaction" highlightClick="1"/>
+          </p:cNvPr>
+          <p:cNvSpPr/>
+          <p:nvPr/>
+        </p:nvSpPr>
+        <p:spPr>
+          <a:xfrm>
+            <a:off x="16202024" y="8609568"/>
+            <a:ext cx="865271" cy="414338"/>
+          </a:xfrm>
+          <a:prstGeom prst="actionButtonMovie">
+            <a:avLst/>
+          </a:prstGeom>
+        </p:spPr>
+        <p:style>
+          <a:lnRef idx="2">
+            <a:schemeClr val="accent1">
+              <a:shade val="50000"/>
+            </a:schemeClr>
+          </a:lnRef>
+          <a:fillRef idx="1">
+            <a:schemeClr val="accent1"/>
+          </a:fillRef>
+          <a:effectRef idx="0">
+            <a:schemeClr val="accent1"/>
+          </a:effectRef>
+          <a:fontRef idx="minor">
+            <a:schemeClr val="lt1"/>
+          </a:fontRef>
+        </p:style>
+        <p:txBody>
+          <a:bodyPr rtlCol="0" anchor="ctr"/>
+          <a:lstStyle/>
+          <a:p>
+            <a:pPr algn="ctr"/>
+            <a:endParaRPr lang="en-US"/>
+          </a:p>
+        </p:txBody>
+      </p:sp>
     </p:spTree>
     <p:extLst>
       <p:ext uri="{BB962C8B-B14F-4D97-AF65-F5344CB8AC3E}">
@@ -9360,6 +10528,72 @@
           </a:ln>
         </p:spPr>
       </p:cxnSp>
+      <p:sp>
+        <p:nvSpPr>
+          <p:cNvPr id="4" name="Action Button: Movie 3">
+            <a:hlinkClick r:id="rId3" action="ppaction://hlinkfile" highlightClick="1"/>
+          </p:cNvPr>
+          <p:cNvSpPr/>
+          <p:nvPr/>
+        </p:nvSpPr>
+        <p:spPr>
+          <a:xfrm>
+            <a:off x="9934579" y="7622365"/>
+            <a:ext cx="1042416" cy="1042416"/>
+          </a:xfrm>
+          <a:prstGeom prst="actionButtonMovie">
+            <a:avLst/>
+          </a:prstGeom>
+        </p:spPr>
+        <p:style>
+          <a:lnRef idx="2">
+            <a:schemeClr val="accent1">
+              <a:shade val="50000"/>
+            </a:schemeClr>
+          </a:lnRef>
+          <a:fillRef idx="1">
+            <a:schemeClr val="accent1"/>
+          </a:fillRef>
+          <a:effectRef idx="0">
+            <a:schemeClr val="accent1"/>
+          </a:effectRef>
+          <a:fontRef idx="minor">
+            <a:schemeClr val="lt1"/>
+          </a:fontRef>
+        </p:style>
+        <p:txBody>
+          <a:bodyPr rtlCol="0" anchor="ctr"/>
+          <a:lstStyle/>
+          <a:p>
+            <a:pPr algn="ctr"/>
+            <a:endParaRPr lang="en-US"/>
+          </a:p>
+        </p:txBody>
+      </p:sp>
+      <p:pic>
+        <p:nvPicPr>
+          <p:cNvPr id="7" name="Picture 6"/>
+          <p:cNvPicPr>
+            <a:picLocks noChangeAspect="1"/>
+          </p:cNvPicPr>
+          <p:nvPr/>
+        </p:nvPicPr>
+        <p:blipFill>
+          <a:blip r:embed="rId4"/>
+          <a:stretch>
+            <a:fillRect/>
+          </a:stretch>
+        </p:blipFill>
+        <p:spPr>
+          <a:xfrm>
+            <a:off x="981074" y="843408"/>
+            <a:ext cx="8766724" cy="8815769"/>
+          </a:xfrm>
+          <a:prstGeom prst="rect">
+            <a:avLst/>
+          </a:prstGeom>
+        </p:spPr>
+      </p:pic>
       <p:pic>
         <p:nvPicPr>
           <p:cNvPr id="2" name="Picture 1"/>
@@ -9369,7 +10603,7 @@
           <p:nvPr/>
         </p:nvPicPr>
         <p:blipFill>
-          <a:blip r:embed="rId3">
+          <a:blip r:embed="rId5">
             <a:extLst>
               <a:ext uri="{28A0092B-C50C-407E-A947-70E740481C1C}">
                 <a14:useLocalDpi xmlns:a14="http://schemas.microsoft.com/office/drawing/2010/main" val="0"/>
@@ -9382,8 +10616,8 @@
         </p:blipFill>
         <p:spPr>
           <a:xfrm>
-            <a:off x="12933432" y="1898875"/>
-            <a:ext cx="4507059" cy="2360840"/>
+            <a:off x="8551752" y="923978"/>
+            <a:ext cx="9050777" cy="4740882"/>
           </a:xfrm>
           <a:prstGeom prst="rect">
             <a:avLst/>
